--- a/2016_07_14/genetic_determinants_journal_club.pptx
+++ b/2016_07_14/genetic_determinants_journal_club.pptx
@@ -4,10 +4,19 @@
   <p:sldMasterIdLst>
     <p:sldMasterId id="2147483648" r:id="rId1"/>
   </p:sldMasterIdLst>
+  <p:notesMasterIdLst>
+    <p:notesMasterId r:id="rId11"/>
+  </p:notesMasterIdLst>
   <p:sldIdLst>
     <p:sldId id="256" r:id="rId2"/>
     <p:sldId id="257" r:id="rId3"/>
     <p:sldId id="258" r:id="rId4"/>
+    <p:sldId id="259" r:id="rId5"/>
+    <p:sldId id="260" r:id="rId6"/>
+    <p:sldId id="261" r:id="rId7"/>
+    <p:sldId id="262" r:id="rId8"/>
+    <p:sldId id="263" r:id="rId9"/>
+    <p:sldId id="264" r:id="rId10"/>
   </p:sldIdLst>
   <p:sldSz cx="12192000" cy="6858000"/>
   <p:notesSz cx="6858000" cy="9144000"/>
@@ -123,6 +132,686 @@
     </p:ext>
   </p:extLst>
 </p:presentation>
+</file>
+
+<file path=ppt/notesMasters/notesMaster1.xml><?xml version="1.0" encoding="utf-8"?>
+<p:notesMaster xmlns:a="http://schemas.openxmlformats.org/drawingml/2006/main" xmlns:r="http://schemas.openxmlformats.org/officeDocument/2006/relationships" xmlns:p="http://schemas.openxmlformats.org/presentationml/2006/main">
+  <p:cSld>
+    <p:bg>
+      <p:bgRef idx="1001">
+        <a:schemeClr val="bg1"/>
+      </p:bgRef>
+    </p:bg>
+    <p:spTree>
+      <p:nvGrpSpPr>
+        <p:cNvPr id="1" name=""/>
+        <p:cNvGrpSpPr/>
+        <p:nvPr/>
+      </p:nvGrpSpPr>
+      <p:grpSpPr>
+        <a:xfrm>
+          <a:off x="0" y="0"/>
+          <a:ext cx="0" cy="0"/>
+          <a:chOff x="0" y="0"/>
+          <a:chExt cx="0" cy="0"/>
+        </a:xfrm>
+      </p:grpSpPr>
+      <p:sp>
+        <p:nvSpPr>
+          <p:cNvPr id="2" name="Header Placeholder 1"/>
+          <p:cNvSpPr>
+            <a:spLocks noGrp="1"/>
+          </p:cNvSpPr>
+          <p:nvPr>
+            <p:ph type="hdr" sz="quarter"/>
+          </p:nvPr>
+        </p:nvSpPr>
+        <p:spPr>
+          <a:xfrm>
+            <a:off x="0" y="0"/>
+            <a:ext cx="2971800" cy="458788"/>
+          </a:xfrm>
+          <a:prstGeom prst="rect">
+            <a:avLst/>
+          </a:prstGeom>
+        </p:spPr>
+        <p:txBody>
+          <a:bodyPr vert="horz" lIns="91440" tIns="45720" rIns="91440" bIns="45720" rtlCol="0"/>
+          <a:lstStyle>
+            <a:lvl1pPr algn="l">
+              <a:defRPr sz="1200"/>
+            </a:lvl1pPr>
+          </a:lstStyle>
+          <a:p>
+            <a:endParaRPr lang="en-CA"/>
+          </a:p>
+        </p:txBody>
+      </p:sp>
+      <p:sp>
+        <p:nvSpPr>
+          <p:cNvPr id="3" name="Date Placeholder 2"/>
+          <p:cNvSpPr>
+            <a:spLocks noGrp="1"/>
+          </p:cNvSpPr>
+          <p:nvPr>
+            <p:ph type="dt" idx="1"/>
+          </p:nvPr>
+        </p:nvSpPr>
+        <p:spPr>
+          <a:xfrm>
+            <a:off x="3884613" y="0"/>
+            <a:ext cx="2971800" cy="458788"/>
+          </a:xfrm>
+          <a:prstGeom prst="rect">
+            <a:avLst/>
+          </a:prstGeom>
+        </p:spPr>
+        <p:txBody>
+          <a:bodyPr vert="horz" lIns="91440" tIns="45720" rIns="91440" bIns="45720" rtlCol="0"/>
+          <a:lstStyle>
+            <a:lvl1pPr algn="r">
+              <a:defRPr sz="1200"/>
+            </a:lvl1pPr>
+          </a:lstStyle>
+          <a:p>
+            <a:fld id="{AA5547FE-DE86-48F2-B1C9-559CBE84D72F}" type="datetimeFigureOut">
+              <a:rPr lang="en-CA" smtClean="0"/>
+              <a:t>2016-07-11</a:t>
+            </a:fld>
+            <a:endParaRPr lang="en-CA"/>
+          </a:p>
+        </p:txBody>
+      </p:sp>
+      <p:sp>
+        <p:nvSpPr>
+          <p:cNvPr id="4" name="Slide Image Placeholder 3"/>
+          <p:cNvSpPr>
+            <a:spLocks noGrp="1" noRot="1" noChangeAspect="1"/>
+          </p:cNvSpPr>
+          <p:nvPr>
+            <p:ph type="sldImg" idx="2"/>
+          </p:nvPr>
+        </p:nvSpPr>
+        <p:spPr>
+          <a:xfrm>
+            <a:off x="685800" y="1143000"/>
+            <a:ext cx="5486400" cy="3086100"/>
+          </a:xfrm>
+          <a:prstGeom prst="rect">
+            <a:avLst/>
+          </a:prstGeom>
+          <a:noFill/>
+          <a:ln w="12700">
+            <a:solidFill>
+              <a:prstClr val="black"/>
+            </a:solidFill>
+          </a:ln>
+        </p:spPr>
+        <p:txBody>
+          <a:bodyPr vert="horz" lIns="91440" tIns="45720" rIns="91440" bIns="45720" rtlCol="0" anchor="ctr"/>
+          <a:lstStyle/>
+          <a:p>
+            <a:endParaRPr lang="en-CA"/>
+          </a:p>
+        </p:txBody>
+      </p:sp>
+      <p:sp>
+        <p:nvSpPr>
+          <p:cNvPr id="5" name="Notes Placeholder 4"/>
+          <p:cNvSpPr>
+            <a:spLocks noGrp="1"/>
+          </p:cNvSpPr>
+          <p:nvPr>
+            <p:ph type="body" sz="quarter" idx="3"/>
+          </p:nvPr>
+        </p:nvSpPr>
+        <p:spPr>
+          <a:xfrm>
+            <a:off x="685800" y="4400550"/>
+            <a:ext cx="5486400" cy="3600450"/>
+          </a:xfrm>
+          <a:prstGeom prst="rect">
+            <a:avLst/>
+          </a:prstGeom>
+        </p:spPr>
+        <p:txBody>
+          <a:bodyPr vert="horz" lIns="91440" tIns="45720" rIns="91440" bIns="45720" rtlCol="0"/>
+          <a:lstStyle/>
+          <a:p>
+            <a:pPr lvl="0"/>
+            <a:r>
+              <a:rPr lang="en-US"/>
+              <a:t>Edit Master text styles</a:t>
+            </a:r>
+          </a:p>
+          <a:p>
+            <a:pPr lvl="1"/>
+            <a:r>
+              <a:rPr lang="en-US"/>
+              <a:t>Second level</a:t>
+            </a:r>
+          </a:p>
+          <a:p>
+            <a:pPr lvl="2"/>
+            <a:r>
+              <a:rPr lang="en-US"/>
+              <a:t>Third level</a:t>
+            </a:r>
+          </a:p>
+          <a:p>
+            <a:pPr lvl="3"/>
+            <a:r>
+              <a:rPr lang="en-US"/>
+              <a:t>Fourth level</a:t>
+            </a:r>
+          </a:p>
+          <a:p>
+            <a:pPr lvl="4"/>
+            <a:r>
+              <a:rPr lang="en-US"/>
+              <a:t>Fifth level</a:t>
+            </a:r>
+            <a:endParaRPr lang="en-CA"/>
+          </a:p>
+        </p:txBody>
+      </p:sp>
+      <p:sp>
+        <p:nvSpPr>
+          <p:cNvPr id="6" name="Footer Placeholder 5"/>
+          <p:cNvSpPr>
+            <a:spLocks noGrp="1"/>
+          </p:cNvSpPr>
+          <p:nvPr>
+            <p:ph type="ftr" sz="quarter" idx="4"/>
+          </p:nvPr>
+        </p:nvSpPr>
+        <p:spPr>
+          <a:xfrm>
+            <a:off x="0" y="8685213"/>
+            <a:ext cx="2971800" cy="458787"/>
+          </a:xfrm>
+          <a:prstGeom prst="rect">
+            <a:avLst/>
+          </a:prstGeom>
+        </p:spPr>
+        <p:txBody>
+          <a:bodyPr vert="horz" lIns="91440" tIns="45720" rIns="91440" bIns="45720" rtlCol="0" anchor="b"/>
+          <a:lstStyle>
+            <a:lvl1pPr algn="l">
+              <a:defRPr sz="1200"/>
+            </a:lvl1pPr>
+          </a:lstStyle>
+          <a:p>
+            <a:endParaRPr lang="en-CA"/>
+          </a:p>
+        </p:txBody>
+      </p:sp>
+      <p:sp>
+        <p:nvSpPr>
+          <p:cNvPr id="7" name="Slide Number Placeholder 6"/>
+          <p:cNvSpPr>
+            <a:spLocks noGrp="1"/>
+          </p:cNvSpPr>
+          <p:nvPr>
+            <p:ph type="sldNum" sz="quarter" idx="5"/>
+          </p:nvPr>
+        </p:nvSpPr>
+        <p:spPr>
+          <a:xfrm>
+            <a:off x="3884613" y="8685213"/>
+            <a:ext cx="2971800" cy="458787"/>
+          </a:xfrm>
+          <a:prstGeom prst="rect">
+            <a:avLst/>
+          </a:prstGeom>
+        </p:spPr>
+        <p:txBody>
+          <a:bodyPr vert="horz" lIns="91440" tIns="45720" rIns="91440" bIns="45720" rtlCol="0" anchor="b"/>
+          <a:lstStyle>
+            <a:lvl1pPr algn="r">
+              <a:defRPr sz="1200"/>
+            </a:lvl1pPr>
+          </a:lstStyle>
+          <a:p>
+            <a:fld id="{0B3F5219-0716-4DAC-A557-76DFCE5BE1DD}" type="slidenum">
+              <a:rPr lang="en-CA" smtClean="0"/>
+              <a:t>‹#›</a:t>
+            </a:fld>
+            <a:endParaRPr lang="en-CA"/>
+          </a:p>
+        </p:txBody>
+      </p:sp>
+    </p:spTree>
+    <p:extLst>
+      <p:ext uri="{BB962C8B-B14F-4D97-AF65-F5344CB8AC3E}">
+        <p14:creationId xmlns:p14="http://schemas.microsoft.com/office/powerpoint/2010/main" val="11652925"/>
+      </p:ext>
+    </p:extLst>
+  </p:cSld>
+  <p:clrMap bg1="lt1" tx1="dk1" bg2="lt2" tx2="dk2" accent1="accent1" accent2="accent2" accent3="accent3" accent4="accent4" accent5="accent5" accent6="accent6" hlink="hlink" folHlink="folHlink"/>
+  <p:notesStyle>
+    <a:lvl1pPr marL="0" algn="l" defTabSz="914400" rtl="0" eaLnBrk="1" latinLnBrk="0" hangingPunct="1">
+      <a:defRPr sz="1200" kern="1200">
+        <a:solidFill>
+          <a:schemeClr val="tx1"/>
+        </a:solidFill>
+        <a:latin typeface="+mn-lt"/>
+        <a:ea typeface="+mn-ea"/>
+        <a:cs typeface="+mn-cs"/>
+      </a:defRPr>
+    </a:lvl1pPr>
+    <a:lvl2pPr marL="457200" algn="l" defTabSz="914400" rtl="0" eaLnBrk="1" latinLnBrk="0" hangingPunct="1">
+      <a:defRPr sz="1200" kern="1200">
+        <a:solidFill>
+          <a:schemeClr val="tx1"/>
+        </a:solidFill>
+        <a:latin typeface="+mn-lt"/>
+        <a:ea typeface="+mn-ea"/>
+        <a:cs typeface="+mn-cs"/>
+      </a:defRPr>
+    </a:lvl2pPr>
+    <a:lvl3pPr marL="914400" algn="l" defTabSz="914400" rtl="0" eaLnBrk="1" latinLnBrk="0" hangingPunct="1">
+      <a:defRPr sz="1200" kern="1200">
+        <a:solidFill>
+          <a:schemeClr val="tx1"/>
+        </a:solidFill>
+        <a:latin typeface="+mn-lt"/>
+        <a:ea typeface="+mn-ea"/>
+        <a:cs typeface="+mn-cs"/>
+      </a:defRPr>
+    </a:lvl3pPr>
+    <a:lvl4pPr marL="1371600" algn="l" defTabSz="914400" rtl="0" eaLnBrk="1" latinLnBrk="0" hangingPunct="1">
+      <a:defRPr sz="1200" kern="1200">
+        <a:solidFill>
+          <a:schemeClr val="tx1"/>
+        </a:solidFill>
+        <a:latin typeface="+mn-lt"/>
+        <a:ea typeface="+mn-ea"/>
+        <a:cs typeface="+mn-cs"/>
+      </a:defRPr>
+    </a:lvl4pPr>
+    <a:lvl5pPr marL="1828800" algn="l" defTabSz="914400" rtl="0" eaLnBrk="1" latinLnBrk="0" hangingPunct="1">
+      <a:defRPr sz="1200" kern="1200">
+        <a:solidFill>
+          <a:schemeClr val="tx1"/>
+        </a:solidFill>
+        <a:latin typeface="+mn-lt"/>
+        <a:ea typeface="+mn-ea"/>
+        <a:cs typeface="+mn-cs"/>
+      </a:defRPr>
+    </a:lvl5pPr>
+    <a:lvl6pPr marL="2286000" algn="l" defTabSz="914400" rtl="0" eaLnBrk="1" latinLnBrk="0" hangingPunct="1">
+      <a:defRPr sz="1200" kern="1200">
+        <a:solidFill>
+          <a:schemeClr val="tx1"/>
+        </a:solidFill>
+        <a:latin typeface="+mn-lt"/>
+        <a:ea typeface="+mn-ea"/>
+        <a:cs typeface="+mn-cs"/>
+      </a:defRPr>
+    </a:lvl6pPr>
+    <a:lvl7pPr marL="2743200" algn="l" defTabSz="914400" rtl="0" eaLnBrk="1" latinLnBrk="0" hangingPunct="1">
+      <a:defRPr sz="1200" kern="1200">
+        <a:solidFill>
+          <a:schemeClr val="tx1"/>
+        </a:solidFill>
+        <a:latin typeface="+mn-lt"/>
+        <a:ea typeface="+mn-ea"/>
+        <a:cs typeface="+mn-cs"/>
+      </a:defRPr>
+    </a:lvl7pPr>
+    <a:lvl8pPr marL="3200400" algn="l" defTabSz="914400" rtl="0" eaLnBrk="1" latinLnBrk="0" hangingPunct="1">
+      <a:defRPr sz="1200" kern="1200">
+        <a:solidFill>
+          <a:schemeClr val="tx1"/>
+        </a:solidFill>
+        <a:latin typeface="+mn-lt"/>
+        <a:ea typeface="+mn-ea"/>
+        <a:cs typeface="+mn-cs"/>
+      </a:defRPr>
+    </a:lvl8pPr>
+    <a:lvl9pPr marL="3657600" algn="l" defTabSz="914400" rtl="0" eaLnBrk="1" latinLnBrk="0" hangingPunct="1">
+      <a:defRPr sz="1200" kern="1200">
+        <a:solidFill>
+          <a:schemeClr val="tx1"/>
+        </a:solidFill>
+        <a:latin typeface="+mn-lt"/>
+        <a:ea typeface="+mn-ea"/>
+        <a:cs typeface="+mn-cs"/>
+      </a:defRPr>
+    </a:lvl9pPr>
+  </p:notesStyle>
+</p:notesMaster>
+</file>
+
+<file path=ppt/notesSlides/notesSlide1.xml><?xml version="1.0" encoding="utf-8"?>
+<p:notes xmlns:a="http://schemas.openxmlformats.org/drawingml/2006/main" xmlns:r="http://schemas.openxmlformats.org/officeDocument/2006/relationships" xmlns:p="http://schemas.openxmlformats.org/presentationml/2006/main">
+  <p:cSld>
+    <p:spTree>
+      <p:nvGrpSpPr>
+        <p:cNvPr id="1" name=""/>
+        <p:cNvGrpSpPr/>
+        <p:nvPr/>
+      </p:nvGrpSpPr>
+      <p:grpSpPr>
+        <a:xfrm>
+          <a:off x="0" y="0"/>
+          <a:ext cx="0" cy="0"/>
+          <a:chOff x="0" y="0"/>
+          <a:chExt cx="0" cy="0"/>
+        </a:xfrm>
+      </p:grpSpPr>
+      <p:sp>
+        <p:nvSpPr>
+          <p:cNvPr id="2" name="Slide Image Placeholder 1"/>
+          <p:cNvSpPr>
+            <a:spLocks noGrp="1" noRot="1" noChangeAspect="1"/>
+          </p:cNvSpPr>
+          <p:nvPr>
+            <p:ph type="sldImg"/>
+          </p:nvPr>
+        </p:nvSpPr>
+        <p:spPr/>
+      </p:sp>
+      <p:sp>
+        <p:nvSpPr>
+          <p:cNvPr id="3" name="Notes Placeholder 2"/>
+          <p:cNvSpPr>
+            <a:spLocks noGrp="1"/>
+          </p:cNvSpPr>
+          <p:nvPr>
+            <p:ph type="body" idx="1"/>
+          </p:nvPr>
+        </p:nvSpPr>
+        <p:spPr/>
+        <p:txBody>
+          <a:bodyPr/>
+          <a:lstStyle/>
+          <a:p>
+            <a:endParaRPr lang="en-CA" dirty="0"/>
+          </a:p>
+        </p:txBody>
+      </p:sp>
+      <p:sp>
+        <p:nvSpPr>
+          <p:cNvPr id="4" name="Slide Number Placeholder 3"/>
+          <p:cNvSpPr>
+            <a:spLocks noGrp="1"/>
+          </p:cNvSpPr>
+          <p:nvPr>
+            <p:ph type="sldNum" sz="quarter" idx="10"/>
+          </p:nvPr>
+        </p:nvSpPr>
+        <p:spPr/>
+        <p:txBody>
+          <a:bodyPr/>
+          <a:lstStyle/>
+          <a:p>
+            <a:fld id="{0B3F5219-0716-4DAC-A557-76DFCE5BE1DD}" type="slidenum">
+              <a:rPr lang="en-CA" smtClean="0"/>
+              <a:t>6</a:t>
+            </a:fld>
+            <a:endParaRPr lang="en-CA"/>
+          </a:p>
+        </p:txBody>
+      </p:sp>
+    </p:spTree>
+    <p:extLst>
+      <p:ext uri="{BB962C8B-B14F-4D97-AF65-F5344CB8AC3E}">
+        <p14:creationId xmlns:p14="http://schemas.microsoft.com/office/powerpoint/2010/main" val="308401019"/>
+      </p:ext>
+    </p:extLst>
+  </p:cSld>
+  <p:clrMapOvr>
+    <a:masterClrMapping/>
+  </p:clrMapOvr>
+</p:notes>
+</file>
+
+<file path=ppt/notesSlides/notesSlide2.xml><?xml version="1.0" encoding="utf-8"?>
+<p:notes xmlns:a="http://schemas.openxmlformats.org/drawingml/2006/main" xmlns:r="http://schemas.openxmlformats.org/officeDocument/2006/relationships" xmlns:p="http://schemas.openxmlformats.org/presentationml/2006/main">
+  <p:cSld>
+    <p:spTree>
+      <p:nvGrpSpPr>
+        <p:cNvPr id="1" name=""/>
+        <p:cNvGrpSpPr/>
+        <p:nvPr/>
+      </p:nvGrpSpPr>
+      <p:grpSpPr>
+        <a:xfrm>
+          <a:off x="0" y="0"/>
+          <a:ext cx="0" cy="0"/>
+          <a:chOff x="0" y="0"/>
+          <a:chExt cx="0" cy="0"/>
+        </a:xfrm>
+      </p:grpSpPr>
+      <p:sp>
+        <p:nvSpPr>
+          <p:cNvPr id="2" name="Slide Image Placeholder 1"/>
+          <p:cNvSpPr>
+            <a:spLocks noGrp="1" noRot="1" noChangeAspect="1"/>
+          </p:cNvSpPr>
+          <p:nvPr>
+            <p:ph type="sldImg"/>
+          </p:nvPr>
+        </p:nvSpPr>
+        <p:spPr/>
+      </p:sp>
+      <p:sp>
+        <p:nvSpPr>
+          <p:cNvPr id="3" name="Notes Placeholder 2"/>
+          <p:cNvSpPr>
+            <a:spLocks noGrp="1"/>
+          </p:cNvSpPr>
+          <p:nvPr>
+            <p:ph type="body" idx="1"/>
+          </p:nvPr>
+        </p:nvSpPr>
+        <p:spPr/>
+        <p:txBody>
+          <a:bodyPr/>
+          <a:lstStyle/>
+          <a:p>
+            <a:r>
+              <a:rPr lang="en-CA" sz="1200" b="0" i="0" kern="1200" dirty="0">
+                <a:solidFill>
+                  <a:schemeClr val="tx1"/>
+                </a:solidFill>
+                <a:effectLst/>
+                <a:latin typeface="+mn-lt"/>
+                <a:ea typeface="+mn-ea"/>
+                <a:cs typeface="+mn-cs"/>
+              </a:rPr>
+              <a:t>Do </a:t>
+            </a:r>
+            <a:r>
+              <a:rPr lang="en-CA" sz="1200" b="0" i="1" kern="1200" dirty="0">
+                <a:solidFill>
+                  <a:schemeClr val="tx1"/>
+                </a:solidFill>
+                <a:effectLst/>
+                <a:latin typeface="+mn-lt"/>
+                <a:ea typeface="+mn-ea"/>
+                <a:cs typeface="+mn-cs"/>
+              </a:rPr>
+              <a:t>not</a:t>
+            </a:r>
+            <a:r>
+              <a:rPr lang="en-CA" sz="1200" b="0" i="0" kern="1200" dirty="0">
+                <a:solidFill>
+                  <a:schemeClr val="tx1"/>
+                </a:solidFill>
+                <a:effectLst/>
+                <a:latin typeface="+mn-lt"/>
+                <a:ea typeface="+mn-ea"/>
+                <a:cs typeface="+mn-cs"/>
+              </a:rPr>
+              <a:t> look at this distribution and say, “Oh, I guess I don’t have any significant hypotheses.” If you had no significant hypotheses, your p-values would look something like (B) above. P-values are specifically designed so that they are uniform under the null hypothesis.</a:t>
+            </a:r>
+          </a:p>
+          <a:p>
+            <a:r>
+              <a:rPr lang="en-CA" sz="1200" b="0" i="0" kern="1200" dirty="0">
+                <a:solidFill>
+                  <a:schemeClr val="tx1"/>
+                </a:solidFill>
+                <a:effectLst/>
+                <a:latin typeface="+mn-lt"/>
+                <a:ea typeface="+mn-ea"/>
+                <a:cs typeface="+mn-cs"/>
+              </a:rPr>
+              <a:t>A graph like this indicates </a:t>
+            </a:r>
+            <a:r>
+              <a:rPr lang="en-CA" sz="1200" b="0" i="1" kern="1200" dirty="0">
+                <a:solidFill>
+                  <a:schemeClr val="tx1"/>
+                </a:solidFill>
+                <a:effectLst/>
+                <a:latin typeface="+mn-lt"/>
+                <a:ea typeface="+mn-ea"/>
+                <a:cs typeface="+mn-cs"/>
+              </a:rPr>
+              <a:t>something is wrong with your test.</a:t>
+            </a:r>
+            <a:r>
+              <a:rPr lang="en-CA" sz="1200" b="0" i="0" kern="1200" dirty="0">
+                <a:solidFill>
+                  <a:schemeClr val="tx1"/>
+                </a:solidFill>
+                <a:effectLst/>
+                <a:latin typeface="+mn-lt"/>
+                <a:ea typeface="+mn-ea"/>
+                <a:cs typeface="+mn-cs"/>
+              </a:rPr>
+              <a:t> Perhaps your test assumes that the data fits some distribution that it doesn’t fit. Perhaps it’s designed for continuous data while your data is discrete, or perhaps it is designed for normally-distributed data and your data is severely non-normal. In any case, this is a great time to find a friendly statistician to help you.</a:t>
+            </a:r>
+          </a:p>
+          <a:p>
+            <a:r>
+              <a:rPr lang="en-CA" sz="1200" b="0" i="0" kern="1200" dirty="0">
+                <a:solidFill>
+                  <a:schemeClr val="tx1"/>
+                </a:solidFill>
+                <a:effectLst/>
+                <a:latin typeface="+mn-lt"/>
+                <a:ea typeface="+mn-ea"/>
+                <a:cs typeface="+mn-cs"/>
+              </a:rPr>
+              <a:t>(</a:t>
+            </a:r>
+            <a:r>
+              <a:rPr lang="en-CA" sz="1200" b="1" i="0" kern="1200" dirty="0">
+                <a:solidFill>
+                  <a:schemeClr val="tx1"/>
+                </a:solidFill>
+                <a:effectLst/>
+                <a:latin typeface="+mn-lt"/>
+                <a:ea typeface="+mn-ea"/>
+                <a:cs typeface="+mn-cs"/>
+              </a:rPr>
+              <a:t>Update 12/17/14</a:t>
+            </a:r>
+            <a:r>
+              <a:rPr lang="en-CA" sz="1200" b="0" i="0" kern="1200" dirty="0">
+                <a:solidFill>
+                  <a:schemeClr val="tx1"/>
+                </a:solidFill>
+                <a:effectLst/>
+                <a:latin typeface="+mn-lt"/>
+                <a:ea typeface="+mn-ea"/>
+                <a:cs typeface="+mn-cs"/>
+              </a:rPr>
+              <a:t>: </a:t>
+            </a:r>
+            <a:r>
+              <a:rPr lang="en-CA" sz="1200" b="0" i="0" kern="1200" dirty="0" err="1">
+                <a:solidFill>
+                  <a:schemeClr val="tx1"/>
+                </a:solidFill>
+                <a:effectLst/>
+                <a:latin typeface="+mn-lt"/>
+                <a:ea typeface="+mn-ea"/>
+                <a:cs typeface="+mn-cs"/>
+              </a:rPr>
+              <a:t>Rogier</a:t>
+            </a:r>
+            <a:r>
+              <a:rPr lang="en-CA" sz="1200" b="0" i="0" kern="1200" dirty="0">
+                <a:solidFill>
+                  <a:schemeClr val="tx1"/>
+                </a:solidFill>
+                <a:effectLst/>
+                <a:latin typeface="+mn-lt"/>
+                <a:ea typeface="+mn-ea"/>
+                <a:cs typeface="+mn-cs"/>
+              </a:rPr>
+              <a:t> in the comments helpfully notes another possible explanation: your p-values may have </a:t>
+            </a:r>
+            <a:r>
+              <a:rPr lang="en-CA" sz="1200" b="0" i="1" kern="1200" dirty="0">
+                <a:solidFill>
+                  <a:schemeClr val="tx1"/>
+                </a:solidFill>
+                <a:effectLst/>
+                <a:latin typeface="+mn-lt"/>
+                <a:ea typeface="+mn-ea"/>
+                <a:cs typeface="+mn-cs"/>
+              </a:rPr>
+              <a:t>already</a:t>
+            </a:r>
+            <a:r>
+              <a:rPr lang="en-CA" sz="1200" b="0" i="0" kern="1200" dirty="0">
+                <a:solidFill>
+                  <a:schemeClr val="tx1"/>
+                </a:solidFill>
+                <a:effectLst/>
+                <a:latin typeface="+mn-lt"/>
+                <a:ea typeface="+mn-ea"/>
+                <a:cs typeface="+mn-cs"/>
+              </a:rPr>
+              <a:t> been corrected for multiple testing, for example using the Bonferroni correction. If so, you might want to get your hands on the original, uncorrected p-values so you can view the histogram yourself and confirm it’s well behaved!)</a:t>
+            </a:r>
+          </a:p>
+          <a:p>
+            <a:endParaRPr lang="en-CA" dirty="0"/>
+          </a:p>
+        </p:txBody>
+      </p:sp>
+      <p:sp>
+        <p:nvSpPr>
+          <p:cNvPr id="4" name="Slide Number Placeholder 3"/>
+          <p:cNvSpPr>
+            <a:spLocks noGrp="1"/>
+          </p:cNvSpPr>
+          <p:nvPr>
+            <p:ph type="sldNum" sz="quarter" idx="10"/>
+          </p:nvPr>
+        </p:nvSpPr>
+        <p:spPr/>
+        <p:txBody>
+          <a:bodyPr/>
+          <a:lstStyle/>
+          <a:p>
+            <a:fld id="{0B3F5219-0716-4DAC-A557-76DFCE5BE1DD}" type="slidenum">
+              <a:rPr lang="en-CA" smtClean="0"/>
+              <a:t>7</a:t>
+            </a:fld>
+            <a:endParaRPr lang="en-CA"/>
+          </a:p>
+        </p:txBody>
+      </p:sp>
+    </p:spTree>
+    <p:extLst>
+      <p:ext uri="{BB962C8B-B14F-4D97-AF65-F5344CB8AC3E}">
+        <p14:creationId xmlns:p14="http://schemas.microsoft.com/office/powerpoint/2010/main" val="2594799444"/>
+      </p:ext>
+    </p:extLst>
+  </p:cSld>
+  <p:clrMapOvr>
+    <a:masterClrMapping/>
+  </p:clrMapOvr>
+</p:notes>
 </file>
 
 <file path=ppt/slideLayouts/slideLayout1.xml><?xml version="1.0" encoding="utf-8"?>
@@ -4453,10 +5142,1368 @@
           </a:prstGeom>
         </p:spPr>
       </p:pic>
+      <p:sp>
+        <p:nvSpPr>
+          <p:cNvPr id="6" name="Rectangle 5"/>
+          <p:cNvSpPr/>
+          <p:nvPr/>
+        </p:nvSpPr>
+        <p:spPr>
+          <a:xfrm>
+            <a:off x="527900" y="4809744"/>
+            <a:ext cx="2083325" cy="1938528"/>
+          </a:xfrm>
+          <a:prstGeom prst="rect">
+            <a:avLst/>
+          </a:prstGeom>
+          <a:noFill/>
+          <a:ln w="38100">
+            <a:solidFill>
+              <a:srgbClr val="FF0000"/>
+            </a:solidFill>
+          </a:ln>
+        </p:spPr>
+        <p:style>
+          <a:lnRef idx="2">
+            <a:schemeClr val="accent1">
+              <a:shade val="50000"/>
+            </a:schemeClr>
+          </a:lnRef>
+          <a:fillRef idx="1">
+            <a:schemeClr val="accent1"/>
+          </a:fillRef>
+          <a:effectRef idx="0">
+            <a:schemeClr val="accent1"/>
+          </a:effectRef>
+          <a:fontRef idx="minor">
+            <a:schemeClr val="lt1"/>
+          </a:fontRef>
+        </p:style>
+        <p:txBody>
+          <a:bodyPr rtlCol="0" anchor="ctr"/>
+          <a:lstStyle/>
+          <a:p>
+            <a:pPr algn="ctr"/>
+            <a:endParaRPr lang="en-CA"/>
+          </a:p>
+        </p:txBody>
+      </p:sp>
+      <p:pic>
+        <p:nvPicPr>
+          <p:cNvPr id="7" name="Picture 6"/>
+          <p:cNvPicPr>
+            <a:picLocks noChangeAspect="1"/>
+          </p:cNvPicPr>
+          <p:nvPr/>
+        </p:nvPicPr>
+        <p:blipFill>
+          <a:blip r:embed="rId4"/>
+          <a:stretch>
+            <a:fillRect/>
+          </a:stretch>
+        </p:blipFill>
+        <p:spPr>
+          <a:xfrm>
+            <a:off x="5373278" y="1046375"/>
+            <a:ext cx="5731498" cy="5733075"/>
+          </a:xfrm>
+          <a:prstGeom prst="rect">
+            <a:avLst/>
+          </a:prstGeom>
+        </p:spPr>
+      </p:pic>
     </p:spTree>
     <p:extLst>
       <p:ext uri="{BB962C8B-B14F-4D97-AF65-F5344CB8AC3E}">
         <p14:creationId xmlns:p14="http://schemas.microsoft.com/office/powerpoint/2010/main" val="2159846327"/>
+      </p:ext>
+    </p:extLst>
+  </p:cSld>
+  <p:clrMapOvr>
+    <a:masterClrMapping/>
+  </p:clrMapOvr>
+  <p:timing>
+    <p:tnLst>
+      <p:par>
+        <p:cTn id="1" dur="indefinite" restart="never" nodeType="tmRoot">
+          <p:childTnLst>
+            <p:seq concurrent="1" nextAc="seek">
+              <p:cTn id="2" dur="indefinite" nodeType="mainSeq">
+                <p:childTnLst>
+                  <p:par>
+                    <p:cTn id="3" fill="hold">
+                      <p:stCondLst>
+                        <p:cond delay="indefinite"/>
+                      </p:stCondLst>
+                      <p:childTnLst>
+                        <p:par>
+                          <p:cTn id="4" fill="hold">
+                            <p:stCondLst>
+                              <p:cond delay="0"/>
+                            </p:stCondLst>
+                            <p:childTnLst>
+                              <p:par>
+                                <p:cTn id="5" presetID="10" presetClass="entr" presetSubtype="0" fill="hold" grpId="0" nodeType="clickEffect">
+                                  <p:stCondLst>
+                                    <p:cond delay="0"/>
+                                  </p:stCondLst>
+                                  <p:childTnLst>
+                                    <p:set>
+                                      <p:cBhvr>
+                                        <p:cTn id="6" dur="1" fill="hold">
+                                          <p:stCondLst>
+                                            <p:cond delay="0"/>
+                                          </p:stCondLst>
+                                        </p:cTn>
+                                        <p:tgtEl>
+                                          <p:spTgt spid="6"/>
+                                        </p:tgtEl>
+                                        <p:attrNameLst>
+                                          <p:attrName>style.visibility</p:attrName>
+                                        </p:attrNameLst>
+                                      </p:cBhvr>
+                                      <p:to>
+                                        <p:strVal val="visible"/>
+                                      </p:to>
+                                    </p:set>
+                                    <p:animEffect transition="in" filter="fade">
+                                      <p:cBhvr>
+                                        <p:cTn id="7" dur="500"/>
+                                        <p:tgtEl>
+                                          <p:spTgt spid="6"/>
+                                        </p:tgtEl>
+                                      </p:cBhvr>
+                                    </p:animEffect>
+                                  </p:childTnLst>
+                                </p:cTn>
+                              </p:par>
+                            </p:childTnLst>
+                          </p:cTn>
+                        </p:par>
+                      </p:childTnLst>
+                    </p:cTn>
+                  </p:par>
+                  <p:par>
+                    <p:cTn id="8" fill="hold">
+                      <p:stCondLst>
+                        <p:cond delay="indefinite"/>
+                      </p:stCondLst>
+                      <p:childTnLst>
+                        <p:par>
+                          <p:cTn id="9" fill="hold">
+                            <p:stCondLst>
+                              <p:cond delay="0"/>
+                            </p:stCondLst>
+                            <p:childTnLst>
+                              <p:par>
+                                <p:cTn id="10" presetID="10" presetClass="entr" presetSubtype="0" fill="hold" nodeType="clickEffect">
+                                  <p:stCondLst>
+                                    <p:cond delay="0"/>
+                                  </p:stCondLst>
+                                  <p:childTnLst>
+                                    <p:set>
+                                      <p:cBhvr>
+                                        <p:cTn id="11" dur="1" fill="hold">
+                                          <p:stCondLst>
+                                            <p:cond delay="0"/>
+                                          </p:stCondLst>
+                                        </p:cTn>
+                                        <p:tgtEl>
+                                          <p:spTgt spid="7"/>
+                                        </p:tgtEl>
+                                        <p:attrNameLst>
+                                          <p:attrName>style.visibility</p:attrName>
+                                        </p:attrNameLst>
+                                      </p:cBhvr>
+                                      <p:to>
+                                        <p:strVal val="visible"/>
+                                      </p:to>
+                                    </p:set>
+                                    <p:animEffect transition="in" filter="fade">
+                                      <p:cBhvr>
+                                        <p:cTn id="12" dur="500"/>
+                                        <p:tgtEl>
+                                          <p:spTgt spid="7"/>
+                                        </p:tgtEl>
+                                      </p:cBhvr>
+                                    </p:animEffect>
+                                  </p:childTnLst>
+                                </p:cTn>
+                              </p:par>
+                            </p:childTnLst>
+                          </p:cTn>
+                        </p:par>
+                      </p:childTnLst>
+                    </p:cTn>
+                  </p:par>
+                </p:childTnLst>
+              </p:cTn>
+              <p:prevCondLst>
+                <p:cond evt="onPrev" delay="0">
+                  <p:tgtEl>
+                    <p:sldTgt/>
+                  </p:tgtEl>
+                </p:cond>
+              </p:prevCondLst>
+              <p:nextCondLst>
+                <p:cond evt="onNext" delay="0">
+                  <p:tgtEl>
+                    <p:sldTgt/>
+                  </p:tgtEl>
+                </p:cond>
+              </p:nextCondLst>
+            </p:seq>
+          </p:childTnLst>
+        </p:cTn>
+      </p:par>
+    </p:tnLst>
+    <p:bldLst>
+      <p:bldP spid="6" grpId="0" animBg="1"/>
+    </p:bldLst>
+  </p:timing>
+</p:sld>
+</file>
+
+<file path=ppt/slides/slide4.xml><?xml version="1.0" encoding="utf-8"?>
+<p:sld xmlns:a="http://schemas.openxmlformats.org/drawingml/2006/main" xmlns:r="http://schemas.openxmlformats.org/officeDocument/2006/relationships" xmlns:p="http://schemas.openxmlformats.org/presentationml/2006/main">
+  <p:cSld>
+    <p:spTree>
+      <p:nvGrpSpPr>
+        <p:cNvPr id="1" name=""/>
+        <p:cNvGrpSpPr/>
+        <p:nvPr/>
+      </p:nvGrpSpPr>
+      <p:grpSpPr>
+        <a:xfrm>
+          <a:off x="0" y="0"/>
+          <a:ext cx="0" cy="0"/>
+          <a:chOff x="0" y="0"/>
+          <a:chExt cx="0" cy="0"/>
+        </a:xfrm>
+      </p:grpSpPr>
+      <p:sp>
+        <p:nvSpPr>
+          <p:cNvPr id="2" name="Title 1"/>
+          <p:cNvSpPr>
+            <a:spLocks noGrp="1"/>
+          </p:cNvSpPr>
+          <p:nvPr>
+            <p:ph type="title"/>
+          </p:nvPr>
+        </p:nvSpPr>
+        <p:spPr/>
+        <p:txBody>
+          <a:bodyPr/>
+          <a:lstStyle/>
+          <a:p>
+            <a:r>
+              <a:rPr lang="en-CA" dirty="0"/>
+              <a:t>Introduction</a:t>
+            </a:r>
+          </a:p>
+        </p:txBody>
+      </p:sp>
+      <p:sp>
+        <p:nvSpPr>
+          <p:cNvPr id="3" name="Content Placeholder 2"/>
+          <p:cNvSpPr>
+            <a:spLocks noGrp="1"/>
+          </p:cNvSpPr>
+          <p:nvPr>
+            <p:ph idx="1"/>
+          </p:nvPr>
+        </p:nvSpPr>
+        <p:spPr>
+          <a:xfrm>
+            <a:off x="4754880" y="3023489"/>
+            <a:ext cx="6480048" cy="2261743"/>
+          </a:xfrm>
+        </p:spPr>
+        <p:txBody>
+          <a:bodyPr/>
+          <a:lstStyle/>
+          <a:p>
+            <a:r>
+              <a:rPr lang="en-CA" dirty="0"/>
+              <a:t>Replicate previous findings using larger n</a:t>
+            </a:r>
+          </a:p>
+          <a:p>
+            <a:r>
+              <a:rPr lang="en-CA" dirty="0"/>
+              <a:t>Identify additional heritable taxa</a:t>
+            </a:r>
+          </a:p>
+          <a:p>
+            <a:r>
+              <a:rPr lang="en-CA" dirty="0"/>
+              <a:t>Identify gene-microbiome interactions (co-evolution)</a:t>
+            </a:r>
+          </a:p>
+          <a:p>
+            <a:endParaRPr lang="en-CA" dirty="0"/>
+          </a:p>
+          <a:p>
+            <a:endParaRPr lang="en-CA" dirty="0"/>
+          </a:p>
+        </p:txBody>
+      </p:sp>
+      <p:pic>
+        <p:nvPicPr>
+          <p:cNvPr id="2050" name="Picture 2" descr="Figure thumbnail fx1"/>
+          <p:cNvPicPr>
+            <a:picLocks noChangeAspect="1" noChangeArrowheads="1"/>
+          </p:cNvPicPr>
+          <p:nvPr/>
+        </p:nvPicPr>
+        <p:blipFill>
+          <a:blip r:embed="rId2">
+            <a:extLst>
+              <a:ext uri="{28A0092B-C50C-407E-A947-70E740481C1C}">
+                <a14:useLocalDpi xmlns:a14="http://schemas.microsoft.com/office/drawing/2010/main" val="0"/>
+              </a:ext>
+            </a:extLst>
+          </a:blip>
+          <a:srcRect/>
+          <a:stretch>
+            <a:fillRect/>
+          </a:stretch>
+        </p:blipFill>
+        <p:spPr bwMode="auto">
+          <a:xfrm>
+            <a:off x="292989" y="2500168"/>
+            <a:ext cx="4010360" cy="4010360"/>
+          </a:xfrm>
+          <a:prstGeom prst="rect">
+            <a:avLst/>
+          </a:prstGeom>
+          <a:noFill/>
+          <a:extLst>
+            <a:ext uri="{909E8E84-426E-40DD-AFC4-6F175D3DCCD1}">
+              <a14:hiddenFill xmlns:a14="http://schemas.microsoft.com/office/drawing/2010/main">
+                <a:solidFill>
+                  <a:srgbClr val="FFFFFF"/>
+                </a:solidFill>
+              </a14:hiddenFill>
+            </a:ext>
+          </a:extLst>
+        </p:spPr>
+      </p:pic>
+      <p:pic>
+        <p:nvPicPr>
+          <p:cNvPr id="4" name="Picture 3"/>
+          <p:cNvPicPr>
+            <a:picLocks noChangeAspect="1"/>
+          </p:cNvPicPr>
+          <p:nvPr/>
+        </p:nvPicPr>
+        <p:blipFill>
+          <a:blip r:embed="rId3"/>
+          <a:stretch>
+            <a:fillRect/>
+          </a:stretch>
+        </p:blipFill>
+        <p:spPr>
+          <a:xfrm>
+            <a:off x="369504" y="1704642"/>
+            <a:ext cx="4318890" cy="709374"/>
+          </a:xfrm>
+          <a:prstGeom prst="rect">
+            <a:avLst/>
+          </a:prstGeom>
+        </p:spPr>
+      </p:pic>
+    </p:spTree>
+    <p:extLst>
+      <p:ext uri="{BB962C8B-B14F-4D97-AF65-F5344CB8AC3E}">
+        <p14:creationId xmlns:p14="http://schemas.microsoft.com/office/powerpoint/2010/main" val="1219467245"/>
+      </p:ext>
+    </p:extLst>
+  </p:cSld>
+  <p:clrMapOvr>
+    <a:masterClrMapping/>
+  </p:clrMapOvr>
+</p:sld>
+</file>
+
+<file path=ppt/slides/slide5.xml><?xml version="1.0" encoding="utf-8"?>
+<p:sld xmlns:a="http://schemas.openxmlformats.org/drawingml/2006/main" xmlns:r="http://schemas.openxmlformats.org/officeDocument/2006/relationships" xmlns:p="http://schemas.openxmlformats.org/presentationml/2006/main">
+  <p:cSld>
+    <p:spTree>
+      <p:nvGrpSpPr>
+        <p:cNvPr id="1" name=""/>
+        <p:cNvGrpSpPr/>
+        <p:nvPr/>
+      </p:nvGrpSpPr>
+      <p:grpSpPr>
+        <a:xfrm>
+          <a:off x="0" y="0"/>
+          <a:ext cx="0" cy="0"/>
+          <a:chOff x="0" y="0"/>
+          <a:chExt cx="0" cy="0"/>
+        </a:xfrm>
+      </p:grpSpPr>
+      <p:sp>
+        <p:nvSpPr>
+          <p:cNvPr id="2" name="Title 1"/>
+          <p:cNvSpPr>
+            <a:spLocks noGrp="1"/>
+          </p:cNvSpPr>
+          <p:nvPr>
+            <p:ph type="title"/>
+          </p:nvPr>
+        </p:nvSpPr>
+        <p:spPr/>
+        <p:txBody>
+          <a:bodyPr/>
+          <a:lstStyle/>
+          <a:p>
+            <a:r>
+              <a:rPr lang="en-CA" dirty="0"/>
+              <a:t>OTU Heritability and Replication</a:t>
+            </a:r>
+          </a:p>
+        </p:txBody>
+      </p:sp>
+      <p:sp>
+        <p:nvSpPr>
+          <p:cNvPr id="3" name="Content Placeholder 2"/>
+          <p:cNvSpPr>
+            <a:spLocks noGrp="1"/>
+          </p:cNvSpPr>
+          <p:nvPr>
+            <p:ph idx="1"/>
+          </p:nvPr>
+        </p:nvSpPr>
+        <p:spPr>
+          <a:xfrm>
+            <a:off x="6025896" y="1825625"/>
+            <a:ext cx="5327904" cy="4351338"/>
+          </a:xfrm>
+        </p:spPr>
+        <p:txBody>
+          <a:bodyPr/>
+          <a:lstStyle/>
+          <a:p>
+            <a:r>
+              <a:rPr lang="en-CA" dirty="0"/>
+              <a:t>A few discrepancies:</a:t>
+            </a:r>
+          </a:p>
+          <a:p>
+            <a:pPr lvl="1"/>
+            <a:r>
+              <a:rPr lang="en-CA" dirty="0"/>
+              <a:t>Performed two FDR tests one with all data and one with no OTUs.</a:t>
+            </a:r>
+          </a:p>
+          <a:p>
+            <a:pPr lvl="1"/>
+            <a:r>
+              <a:rPr lang="en-CA" dirty="0"/>
+              <a:t>Original P-values distribution is not one that is amenable to FDR correction (more on this on the next two slide)</a:t>
+            </a:r>
+          </a:p>
+          <a:p>
+            <a:pPr lvl="1"/>
+            <a:r>
+              <a:rPr lang="en-CA" dirty="0"/>
+              <a:t>Multiple significant findings from the same value used (non-independence of samples -&gt; more on the next two slide)</a:t>
+            </a:r>
+          </a:p>
+        </p:txBody>
+      </p:sp>
+      <p:pic>
+        <p:nvPicPr>
+          <p:cNvPr id="4" name="Picture 3"/>
+          <p:cNvPicPr>
+            <a:picLocks noChangeAspect="1"/>
+          </p:cNvPicPr>
+          <p:nvPr/>
+        </p:nvPicPr>
+        <p:blipFill>
+          <a:blip r:embed="rId2"/>
+          <a:stretch>
+            <a:fillRect/>
+          </a:stretch>
+        </p:blipFill>
+        <p:spPr>
+          <a:xfrm>
+            <a:off x="475488" y="1719696"/>
+            <a:ext cx="4864608" cy="4901904"/>
+          </a:xfrm>
+          <a:prstGeom prst="rect">
+            <a:avLst/>
+          </a:prstGeom>
+        </p:spPr>
+      </p:pic>
+      <p:sp>
+        <p:nvSpPr>
+          <p:cNvPr id="5" name="Rectangle 4"/>
+          <p:cNvSpPr/>
+          <p:nvPr/>
+        </p:nvSpPr>
+        <p:spPr>
+          <a:xfrm>
+            <a:off x="841248" y="2368296"/>
+            <a:ext cx="4059936" cy="228600"/>
+          </a:xfrm>
+          <a:prstGeom prst="rect">
+            <a:avLst/>
+          </a:prstGeom>
+          <a:noFill/>
+          <a:ln w="19050">
+            <a:solidFill>
+              <a:srgbClr val="FF0000"/>
+            </a:solidFill>
+          </a:ln>
+        </p:spPr>
+        <p:style>
+          <a:lnRef idx="2">
+            <a:schemeClr val="accent1">
+              <a:shade val="50000"/>
+            </a:schemeClr>
+          </a:lnRef>
+          <a:fillRef idx="1">
+            <a:schemeClr val="accent1"/>
+          </a:fillRef>
+          <a:effectRef idx="0">
+            <a:schemeClr val="accent1"/>
+          </a:effectRef>
+          <a:fontRef idx="minor">
+            <a:schemeClr val="lt1"/>
+          </a:fontRef>
+        </p:style>
+        <p:txBody>
+          <a:bodyPr rtlCol="0" anchor="ctr"/>
+          <a:lstStyle/>
+          <a:p>
+            <a:pPr algn="ctr"/>
+            <a:endParaRPr lang="en-CA"/>
+          </a:p>
+        </p:txBody>
+      </p:sp>
+    </p:spTree>
+    <p:extLst>
+      <p:ext uri="{BB962C8B-B14F-4D97-AF65-F5344CB8AC3E}">
+        <p14:creationId xmlns:p14="http://schemas.microsoft.com/office/powerpoint/2010/main" val="4275549065"/>
+      </p:ext>
+    </p:extLst>
+  </p:cSld>
+  <p:clrMapOvr>
+    <a:masterClrMapping/>
+  </p:clrMapOvr>
+  <p:timing>
+    <p:tnLst>
+      <p:par>
+        <p:cTn id="1" dur="indefinite" restart="never" nodeType="tmRoot">
+          <p:childTnLst>
+            <p:seq concurrent="1" nextAc="seek">
+              <p:cTn id="2" dur="indefinite" nodeType="mainSeq">
+                <p:childTnLst>
+                  <p:par>
+                    <p:cTn id="3" fill="hold">
+                      <p:stCondLst>
+                        <p:cond delay="indefinite"/>
+                      </p:stCondLst>
+                      <p:childTnLst>
+                        <p:par>
+                          <p:cTn id="4" fill="hold">
+                            <p:stCondLst>
+                              <p:cond delay="0"/>
+                            </p:stCondLst>
+                            <p:childTnLst>
+                              <p:par>
+                                <p:cTn id="5" presetID="10" presetClass="entr" presetSubtype="0" fill="hold" grpId="0" nodeType="clickEffect">
+                                  <p:stCondLst>
+                                    <p:cond delay="0"/>
+                                  </p:stCondLst>
+                                  <p:childTnLst>
+                                    <p:set>
+                                      <p:cBhvr>
+                                        <p:cTn id="6" dur="1" fill="hold">
+                                          <p:stCondLst>
+                                            <p:cond delay="0"/>
+                                          </p:stCondLst>
+                                        </p:cTn>
+                                        <p:tgtEl>
+                                          <p:spTgt spid="5"/>
+                                        </p:tgtEl>
+                                        <p:attrNameLst>
+                                          <p:attrName>style.visibility</p:attrName>
+                                        </p:attrNameLst>
+                                      </p:cBhvr>
+                                      <p:to>
+                                        <p:strVal val="visible"/>
+                                      </p:to>
+                                    </p:set>
+                                    <p:animEffect transition="in" filter="fade">
+                                      <p:cBhvr>
+                                        <p:cTn id="7" dur="500"/>
+                                        <p:tgtEl>
+                                          <p:spTgt spid="5"/>
+                                        </p:tgtEl>
+                                      </p:cBhvr>
+                                    </p:animEffect>
+                                  </p:childTnLst>
+                                </p:cTn>
+                              </p:par>
+                            </p:childTnLst>
+                          </p:cTn>
+                        </p:par>
+                      </p:childTnLst>
+                    </p:cTn>
+                  </p:par>
+                </p:childTnLst>
+              </p:cTn>
+              <p:prevCondLst>
+                <p:cond evt="onPrev" delay="0">
+                  <p:tgtEl>
+                    <p:sldTgt/>
+                  </p:tgtEl>
+                </p:cond>
+              </p:prevCondLst>
+              <p:nextCondLst>
+                <p:cond evt="onNext" delay="0">
+                  <p:tgtEl>
+                    <p:sldTgt/>
+                  </p:tgtEl>
+                </p:cond>
+              </p:nextCondLst>
+            </p:seq>
+          </p:childTnLst>
+        </p:cTn>
+      </p:par>
+    </p:tnLst>
+    <p:bldLst>
+      <p:bldP spid="5" grpId="0" animBg="1"/>
+    </p:bldLst>
+  </p:timing>
+</p:sld>
+</file>
+
+<file path=ppt/slides/slide6.xml><?xml version="1.0" encoding="utf-8"?>
+<p:sld xmlns:a="http://schemas.openxmlformats.org/drawingml/2006/main" xmlns:r="http://schemas.openxmlformats.org/officeDocument/2006/relationships" xmlns:p="http://schemas.openxmlformats.org/presentationml/2006/main">
+  <p:cSld>
+    <p:spTree>
+      <p:nvGrpSpPr>
+        <p:cNvPr id="1" name=""/>
+        <p:cNvGrpSpPr/>
+        <p:nvPr/>
+      </p:nvGrpSpPr>
+      <p:grpSpPr>
+        <a:xfrm>
+          <a:off x="0" y="0"/>
+          <a:ext cx="0" cy="0"/>
+          <a:chOff x="0" y="0"/>
+          <a:chExt cx="0" cy="0"/>
+        </a:xfrm>
+      </p:grpSpPr>
+      <p:sp>
+        <p:nvSpPr>
+          <p:cNvPr id="2" name="Title 1"/>
+          <p:cNvSpPr>
+            <a:spLocks noGrp="1"/>
+          </p:cNvSpPr>
+          <p:nvPr>
+            <p:ph type="title"/>
+          </p:nvPr>
+        </p:nvSpPr>
+        <p:spPr/>
+        <p:txBody>
+          <a:bodyPr/>
+          <a:lstStyle/>
+          <a:p>
+            <a:r>
+              <a:rPr lang="en-CA" dirty="0"/>
+              <a:t>OTU Heritability and Replication</a:t>
+            </a:r>
+          </a:p>
+        </p:txBody>
+      </p:sp>
+      <p:pic>
+        <p:nvPicPr>
+          <p:cNvPr id="1026" name="Picture 2" descr="center"/>
+          <p:cNvPicPr>
+            <a:picLocks noChangeAspect="1" noChangeArrowheads="1"/>
+          </p:cNvPicPr>
+          <p:nvPr/>
+        </p:nvPicPr>
+        <p:blipFill>
+          <a:blip r:embed="rId3">
+            <a:extLst>
+              <a:ext uri="{28A0092B-C50C-407E-A947-70E740481C1C}">
+                <a14:useLocalDpi xmlns:a14="http://schemas.microsoft.com/office/drawing/2010/main" val="0"/>
+              </a:ext>
+            </a:extLst>
+          </a:blip>
+          <a:srcRect/>
+          <a:stretch>
+            <a:fillRect/>
+          </a:stretch>
+        </p:blipFill>
+        <p:spPr bwMode="auto">
+          <a:xfrm>
+            <a:off x="183856" y="1894641"/>
+            <a:ext cx="4800600" cy="4800601"/>
+          </a:xfrm>
+          <a:prstGeom prst="rect">
+            <a:avLst/>
+          </a:prstGeom>
+          <a:noFill/>
+          <a:extLst>
+            <a:ext uri="{909E8E84-426E-40DD-AFC4-6F175D3DCCD1}">
+              <a14:hiddenFill xmlns:a14="http://schemas.microsoft.com/office/drawing/2010/main">
+                <a:solidFill>
+                  <a:srgbClr val="FFFFFF"/>
+                </a:solidFill>
+              </a14:hiddenFill>
+            </a:ext>
+          </a:extLst>
+        </p:spPr>
+      </p:pic>
+      <p:sp>
+        <p:nvSpPr>
+          <p:cNvPr id="4" name="Rectangle 3"/>
+          <p:cNvSpPr/>
+          <p:nvPr/>
+        </p:nvSpPr>
+        <p:spPr>
+          <a:xfrm>
+            <a:off x="414779" y="1857080"/>
+            <a:ext cx="3129699" cy="2318994"/>
+          </a:xfrm>
+          <a:prstGeom prst="rect">
+            <a:avLst/>
+          </a:prstGeom>
+          <a:noFill/>
+          <a:ln w="38100">
+            <a:solidFill>
+              <a:srgbClr val="FF0000"/>
+            </a:solidFill>
+          </a:ln>
+        </p:spPr>
+        <p:style>
+          <a:lnRef idx="2">
+            <a:schemeClr val="accent1">
+              <a:shade val="50000"/>
+            </a:schemeClr>
+          </a:lnRef>
+          <a:fillRef idx="1">
+            <a:schemeClr val="accent1"/>
+          </a:fillRef>
+          <a:effectRef idx="0">
+            <a:schemeClr val="accent1"/>
+          </a:effectRef>
+          <a:fontRef idx="minor">
+            <a:schemeClr val="lt1"/>
+          </a:fontRef>
+        </p:style>
+        <p:txBody>
+          <a:bodyPr rtlCol="0" anchor="ctr"/>
+          <a:lstStyle/>
+          <a:p>
+            <a:pPr algn="ctr"/>
+            <a:endParaRPr lang="en-CA"/>
+          </a:p>
+        </p:txBody>
+      </p:sp>
+      <p:pic>
+        <p:nvPicPr>
+          <p:cNvPr id="1028" name="Picture 4" descr="center"/>
+          <p:cNvPicPr>
+            <a:picLocks noChangeAspect="1" noChangeArrowheads="1"/>
+          </p:cNvPicPr>
+          <p:nvPr/>
+        </p:nvPicPr>
+        <p:blipFill>
+          <a:blip r:embed="rId4">
+            <a:extLst>
+              <a:ext uri="{28A0092B-C50C-407E-A947-70E740481C1C}">
+                <a14:useLocalDpi xmlns:a14="http://schemas.microsoft.com/office/drawing/2010/main" val="0"/>
+              </a:ext>
+            </a:extLst>
+          </a:blip>
+          <a:srcRect/>
+          <a:stretch>
+            <a:fillRect/>
+          </a:stretch>
+        </p:blipFill>
+        <p:spPr bwMode="auto">
+          <a:xfrm>
+            <a:off x="5689108" y="1800371"/>
+            <a:ext cx="4800600" cy="4800601"/>
+          </a:xfrm>
+          <a:prstGeom prst="rect">
+            <a:avLst/>
+          </a:prstGeom>
+          <a:noFill/>
+          <a:extLst>
+            <a:ext uri="{909E8E84-426E-40DD-AFC4-6F175D3DCCD1}">
+              <a14:hiddenFill xmlns:a14="http://schemas.microsoft.com/office/drawing/2010/main">
+                <a:solidFill>
+                  <a:srgbClr val="FFFFFF"/>
+                </a:solidFill>
+              </a14:hiddenFill>
+            </a:ext>
+          </a:extLst>
+        </p:spPr>
+      </p:pic>
+      <p:sp>
+        <p:nvSpPr>
+          <p:cNvPr id="5" name="TextBox 4"/>
+          <p:cNvSpPr txBox="1"/>
+          <p:nvPr/>
+        </p:nvSpPr>
+        <p:spPr>
+          <a:xfrm>
+            <a:off x="6768443" y="6611779"/>
+            <a:ext cx="5413661" cy="246221"/>
+          </a:xfrm>
+          <a:prstGeom prst="rect">
+            <a:avLst/>
+          </a:prstGeom>
+          <a:noFill/>
+        </p:spPr>
+        <p:txBody>
+          <a:bodyPr wrap="none" rtlCol="0">
+            <a:spAutoFit/>
+          </a:bodyPr>
+          <a:lstStyle/>
+          <a:p>
+            <a:r>
+              <a:rPr lang="en-CA" sz="1000" dirty="0"/>
+              <a:t>Images from David Robinson: http://varianceexplained.org/statistics/interpreting-pvalue-histogram/</a:t>
+            </a:r>
+          </a:p>
+        </p:txBody>
+      </p:sp>
+    </p:spTree>
+    <p:extLst>
+      <p:ext uri="{BB962C8B-B14F-4D97-AF65-F5344CB8AC3E}">
+        <p14:creationId xmlns:p14="http://schemas.microsoft.com/office/powerpoint/2010/main" val="3688927934"/>
+      </p:ext>
+    </p:extLst>
+  </p:cSld>
+  <p:clrMapOvr>
+    <a:masterClrMapping/>
+  </p:clrMapOvr>
+  <p:timing>
+    <p:tnLst>
+      <p:par>
+        <p:cTn id="1" dur="indefinite" restart="never" nodeType="tmRoot">
+          <p:childTnLst>
+            <p:seq concurrent="1" nextAc="seek">
+              <p:cTn id="2" dur="indefinite" nodeType="mainSeq">
+                <p:childTnLst>
+                  <p:par>
+                    <p:cTn id="3" fill="hold">
+                      <p:stCondLst>
+                        <p:cond delay="indefinite"/>
+                      </p:stCondLst>
+                      <p:childTnLst>
+                        <p:par>
+                          <p:cTn id="4" fill="hold">
+                            <p:stCondLst>
+                              <p:cond delay="0"/>
+                            </p:stCondLst>
+                            <p:childTnLst>
+                              <p:par>
+                                <p:cTn id="5" presetID="10" presetClass="entr" presetSubtype="0" fill="hold" grpId="0" nodeType="clickEffect">
+                                  <p:stCondLst>
+                                    <p:cond delay="0"/>
+                                  </p:stCondLst>
+                                  <p:childTnLst>
+                                    <p:set>
+                                      <p:cBhvr>
+                                        <p:cTn id="6" dur="1" fill="hold">
+                                          <p:stCondLst>
+                                            <p:cond delay="0"/>
+                                          </p:stCondLst>
+                                        </p:cTn>
+                                        <p:tgtEl>
+                                          <p:spTgt spid="4"/>
+                                        </p:tgtEl>
+                                        <p:attrNameLst>
+                                          <p:attrName>style.visibility</p:attrName>
+                                        </p:attrNameLst>
+                                      </p:cBhvr>
+                                      <p:to>
+                                        <p:strVal val="visible"/>
+                                      </p:to>
+                                    </p:set>
+                                    <p:animEffect transition="in" filter="fade">
+                                      <p:cBhvr>
+                                        <p:cTn id="7" dur="500"/>
+                                        <p:tgtEl>
+                                          <p:spTgt spid="4"/>
+                                        </p:tgtEl>
+                                      </p:cBhvr>
+                                    </p:animEffect>
+                                  </p:childTnLst>
+                                </p:cTn>
+                              </p:par>
+                            </p:childTnLst>
+                          </p:cTn>
+                        </p:par>
+                      </p:childTnLst>
+                    </p:cTn>
+                  </p:par>
+                  <p:par>
+                    <p:cTn id="8" fill="hold">
+                      <p:stCondLst>
+                        <p:cond delay="indefinite"/>
+                      </p:stCondLst>
+                      <p:childTnLst>
+                        <p:par>
+                          <p:cTn id="9" fill="hold">
+                            <p:stCondLst>
+                              <p:cond delay="0"/>
+                            </p:stCondLst>
+                            <p:childTnLst>
+                              <p:par>
+                                <p:cTn id="10" presetID="10" presetClass="entr" presetSubtype="0" fill="hold" nodeType="clickEffect">
+                                  <p:stCondLst>
+                                    <p:cond delay="0"/>
+                                  </p:stCondLst>
+                                  <p:childTnLst>
+                                    <p:set>
+                                      <p:cBhvr>
+                                        <p:cTn id="11" dur="1" fill="hold">
+                                          <p:stCondLst>
+                                            <p:cond delay="0"/>
+                                          </p:stCondLst>
+                                        </p:cTn>
+                                        <p:tgtEl>
+                                          <p:spTgt spid="1028"/>
+                                        </p:tgtEl>
+                                        <p:attrNameLst>
+                                          <p:attrName>style.visibility</p:attrName>
+                                        </p:attrNameLst>
+                                      </p:cBhvr>
+                                      <p:to>
+                                        <p:strVal val="visible"/>
+                                      </p:to>
+                                    </p:set>
+                                    <p:animEffect transition="in" filter="fade">
+                                      <p:cBhvr>
+                                        <p:cTn id="12" dur="500"/>
+                                        <p:tgtEl>
+                                          <p:spTgt spid="1028"/>
+                                        </p:tgtEl>
+                                      </p:cBhvr>
+                                    </p:animEffect>
+                                  </p:childTnLst>
+                                </p:cTn>
+                              </p:par>
+                            </p:childTnLst>
+                          </p:cTn>
+                        </p:par>
+                      </p:childTnLst>
+                    </p:cTn>
+                  </p:par>
+                </p:childTnLst>
+              </p:cTn>
+              <p:prevCondLst>
+                <p:cond evt="onPrev" delay="0">
+                  <p:tgtEl>
+                    <p:sldTgt/>
+                  </p:tgtEl>
+                </p:cond>
+              </p:prevCondLst>
+              <p:nextCondLst>
+                <p:cond evt="onNext" delay="0">
+                  <p:tgtEl>
+                    <p:sldTgt/>
+                  </p:tgtEl>
+                </p:cond>
+              </p:nextCondLst>
+            </p:seq>
+          </p:childTnLst>
+        </p:cTn>
+      </p:par>
+    </p:tnLst>
+    <p:bldLst>
+      <p:bldP spid="4" grpId="0" animBg="1"/>
+    </p:bldLst>
+  </p:timing>
+</p:sld>
+</file>
+
+<file path=ppt/slides/slide7.xml><?xml version="1.0" encoding="utf-8"?>
+<p:sld xmlns:a="http://schemas.openxmlformats.org/drawingml/2006/main" xmlns:r="http://schemas.openxmlformats.org/officeDocument/2006/relationships" xmlns:p="http://schemas.openxmlformats.org/presentationml/2006/main">
+  <p:cSld>
+    <p:spTree>
+      <p:nvGrpSpPr>
+        <p:cNvPr id="1" name=""/>
+        <p:cNvGrpSpPr/>
+        <p:nvPr/>
+      </p:nvGrpSpPr>
+      <p:grpSpPr>
+        <a:xfrm>
+          <a:off x="0" y="0"/>
+          <a:ext cx="0" cy="0"/>
+          <a:chOff x="0" y="0"/>
+          <a:chExt cx="0" cy="0"/>
+        </a:xfrm>
+      </p:grpSpPr>
+      <p:sp>
+        <p:nvSpPr>
+          <p:cNvPr id="2" name="Title 1"/>
+          <p:cNvSpPr>
+            <a:spLocks noGrp="1"/>
+          </p:cNvSpPr>
+          <p:nvPr>
+            <p:ph type="title"/>
+          </p:nvPr>
+        </p:nvSpPr>
+        <p:spPr>
+          <a:xfrm>
+            <a:off x="838200" y="365125"/>
+            <a:ext cx="10515600" cy="1325563"/>
+          </a:xfrm>
+        </p:spPr>
+        <p:txBody>
+          <a:bodyPr/>
+          <a:lstStyle/>
+          <a:p>
+            <a:r>
+              <a:rPr lang="en-CA" dirty="0"/>
+              <a:t>OTU </a:t>
+            </a:r>
+            <a:r>
+              <a:rPr lang="en-CA"/>
+              <a:t>Heritability and </a:t>
+            </a:r>
+            <a:r>
+              <a:rPr lang="en-CA" dirty="0"/>
+              <a:t>Replication</a:t>
+            </a:r>
+          </a:p>
+        </p:txBody>
+      </p:sp>
+      <p:pic>
+        <p:nvPicPr>
+          <p:cNvPr id="8" name="Picture 7"/>
+          <p:cNvPicPr>
+            <a:picLocks noChangeAspect="1"/>
+          </p:cNvPicPr>
+          <p:nvPr/>
+        </p:nvPicPr>
+        <p:blipFill>
+          <a:blip r:embed="rId3">
+            <a:extLst>
+              <a:ext uri="{28A0092B-C50C-407E-A947-70E740481C1C}">
+                <a14:useLocalDpi xmlns:a14="http://schemas.microsoft.com/office/drawing/2010/main" val="0"/>
+              </a:ext>
+            </a:extLst>
+          </a:blip>
+          <a:stretch>
+            <a:fillRect/>
+          </a:stretch>
+        </p:blipFill>
+        <p:spPr>
+          <a:xfrm>
+            <a:off x="6199695" y="1851079"/>
+            <a:ext cx="4658296" cy="3155841"/>
+          </a:xfrm>
+          <a:prstGeom prst="rect">
+            <a:avLst/>
+          </a:prstGeom>
+        </p:spPr>
+      </p:pic>
+      <p:pic>
+        <p:nvPicPr>
+          <p:cNvPr id="9" name="Picture 8"/>
+          <p:cNvPicPr>
+            <a:picLocks noChangeAspect="1"/>
+          </p:cNvPicPr>
+          <p:nvPr/>
+        </p:nvPicPr>
+        <p:blipFill>
+          <a:blip r:embed="rId4">
+            <a:extLst>
+              <a:ext uri="{28A0092B-C50C-407E-A947-70E740481C1C}">
+                <a14:useLocalDpi xmlns:a14="http://schemas.microsoft.com/office/drawing/2010/main" val="0"/>
+              </a:ext>
+            </a:extLst>
+          </a:blip>
+          <a:stretch>
+            <a:fillRect/>
+          </a:stretch>
+        </p:blipFill>
+        <p:spPr>
+          <a:xfrm>
+            <a:off x="835844" y="1851079"/>
+            <a:ext cx="4658296" cy="3155841"/>
+          </a:xfrm>
+          <a:prstGeom prst="rect">
+            <a:avLst/>
+          </a:prstGeom>
+        </p:spPr>
+      </p:pic>
+      <p:sp>
+        <p:nvSpPr>
+          <p:cNvPr id="10" name="TextBox 9"/>
+          <p:cNvSpPr txBox="1"/>
+          <p:nvPr/>
+        </p:nvSpPr>
+        <p:spPr>
+          <a:xfrm>
+            <a:off x="1989055" y="5184742"/>
+            <a:ext cx="2478179" cy="369332"/>
+          </a:xfrm>
+          <a:prstGeom prst="rect">
+            <a:avLst/>
+          </a:prstGeom>
+          <a:noFill/>
+        </p:spPr>
+        <p:txBody>
+          <a:bodyPr wrap="none" rtlCol="0">
+            <a:spAutoFit/>
+          </a:bodyPr>
+          <a:lstStyle/>
+          <a:p>
+            <a:r>
+              <a:rPr lang="en-CA" dirty="0"/>
+              <a:t>1</a:t>
+            </a:r>
+            <a:r>
+              <a:rPr lang="en-CA" baseline="30000" dirty="0"/>
+              <a:t>st</a:t>
+            </a:r>
+            <a:r>
+              <a:rPr lang="en-CA" dirty="0"/>
+              <a:t> FDR with all 945 tests</a:t>
+            </a:r>
+          </a:p>
+        </p:txBody>
+      </p:sp>
+      <p:sp>
+        <p:nvSpPr>
+          <p:cNvPr id="11" name="TextBox 10"/>
+          <p:cNvSpPr txBox="1"/>
+          <p:nvPr/>
+        </p:nvSpPr>
+        <p:spPr>
+          <a:xfrm>
+            <a:off x="7373326" y="5186311"/>
+            <a:ext cx="2311595" cy="369332"/>
+          </a:xfrm>
+          <a:prstGeom prst="rect">
+            <a:avLst/>
+          </a:prstGeom>
+          <a:noFill/>
+        </p:spPr>
+        <p:txBody>
+          <a:bodyPr wrap="none" rtlCol="0">
+            <a:spAutoFit/>
+          </a:bodyPr>
+          <a:lstStyle/>
+          <a:p>
+            <a:r>
+              <a:rPr lang="en-CA" dirty="0"/>
+              <a:t>2</a:t>
+            </a:r>
+            <a:r>
+              <a:rPr lang="en-CA" baseline="30000" dirty="0"/>
+              <a:t>nd</a:t>
+            </a:r>
+            <a:r>
+              <a:rPr lang="en-CA" dirty="0"/>
+              <a:t>  FDR with 163 tests</a:t>
+            </a:r>
+          </a:p>
+        </p:txBody>
+      </p:sp>
+      <p:sp>
+        <p:nvSpPr>
+          <p:cNvPr id="12" name="TextBox 11"/>
+          <p:cNvSpPr txBox="1"/>
+          <p:nvPr/>
+        </p:nvSpPr>
+        <p:spPr>
+          <a:xfrm>
+            <a:off x="1979629" y="6061435"/>
+            <a:ext cx="7343357" cy="369332"/>
+          </a:xfrm>
+          <a:prstGeom prst="rect">
+            <a:avLst/>
+          </a:prstGeom>
+          <a:noFill/>
+        </p:spPr>
+        <p:txBody>
+          <a:bodyPr wrap="none" rtlCol="0">
+            <a:spAutoFit/>
+          </a:bodyPr>
+          <a:lstStyle/>
+          <a:p>
+            <a:r>
+              <a:rPr lang="en-CA" dirty="0"/>
+              <a:t>After removal of duplicates from 2</a:t>
+            </a:r>
+            <a:r>
+              <a:rPr lang="en-CA" baseline="30000" dirty="0"/>
+              <a:t>nd</a:t>
+            </a:r>
+            <a:r>
+              <a:rPr lang="en-CA" dirty="0"/>
+              <a:t> test P-values &lt; 0.05 went from 58 to 40 </a:t>
+            </a:r>
+          </a:p>
+        </p:txBody>
+      </p:sp>
+    </p:spTree>
+    <p:extLst>
+      <p:ext uri="{BB962C8B-B14F-4D97-AF65-F5344CB8AC3E}">
+        <p14:creationId xmlns:p14="http://schemas.microsoft.com/office/powerpoint/2010/main" val="1551004018"/>
+      </p:ext>
+    </p:extLst>
+  </p:cSld>
+  <p:clrMapOvr>
+    <a:masterClrMapping/>
+  </p:clrMapOvr>
+</p:sld>
+</file>
+
+<file path=ppt/slides/slide8.xml><?xml version="1.0" encoding="utf-8"?>
+<p:sld xmlns:a="http://schemas.openxmlformats.org/drawingml/2006/main" xmlns:r="http://schemas.openxmlformats.org/officeDocument/2006/relationships" xmlns:p="http://schemas.openxmlformats.org/presentationml/2006/main">
+  <p:cSld>
+    <p:spTree>
+      <p:nvGrpSpPr>
+        <p:cNvPr id="1" name=""/>
+        <p:cNvGrpSpPr/>
+        <p:nvPr/>
+      </p:nvGrpSpPr>
+      <p:grpSpPr>
+        <a:xfrm>
+          <a:off x="0" y="0"/>
+          <a:ext cx="0" cy="0"/>
+          <a:chOff x="0" y="0"/>
+          <a:chExt cx="0" cy="0"/>
+        </a:xfrm>
+      </p:grpSpPr>
+      <p:sp>
+        <p:nvSpPr>
+          <p:cNvPr id="2" name="Title 1"/>
+          <p:cNvSpPr>
+            <a:spLocks noGrp="1"/>
+          </p:cNvSpPr>
+          <p:nvPr>
+            <p:ph type="title"/>
+          </p:nvPr>
+        </p:nvSpPr>
+        <p:spPr/>
+        <p:txBody>
+          <a:bodyPr/>
+          <a:lstStyle/>
+          <a:p>
+            <a:r>
+              <a:rPr lang="en-CA" dirty="0"/>
+              <a:t>Correlation between Heritable bacteria and Alpha and Beta Diversity</a:t>
+            </a:r>
+          </a:p>
+        </p:txBody>
+      </p:sp>
+      <p:pic>
+        <p:nvPicPr>
+          <p:cNvPr id="4" name="Picture 3"/>
+          <p:cNvPicPr>
+            <a:picLocks noChangeAspect="1"/>
+          </p:cNvPicPr>
+          <p:nvPr/>
+        </p:nvPicPr>
+        <p:blipFill>
+          <a:blip r:embed="rId2"/>
+          <a:stretch>
+            <a:fillRect/>
+          </a:stretch>
+        </p:blipFill>
+        <p:spPr>
+          <a:xfrm>
+            <a:off x="2418772" y="1954704"/>
+            <a:ext cx="6794897" cy="4280521"/>
+          </a:xfrm>
+          <a:prstGeom prst="rect">
+            <a:avLst/>
+          </a:prstGeom>
+        </p:spPr>
+      </p:pic>
+    </p:spTree>
+    <p:extLst>
+      <p:ext uri="{BB962C8B-B14F-4D97-AF65-F5344CB8AC3E}">
+        <p14:creationId xmlns:p14="http://schemas.microsoft.com/office/powerpoint/2010/main" val="760756495"/>
+      </p:ext>
+    </p:extLst>
+  </p:cSld>
+  <p:clrMapOvr>
+    <a:masterClrMapping/>
+  </p:clrMapOvr>
+</p:sld>
+</file>
+
+<file path=ppt/slides/slide9.xml><?xml version="1.0" encoding="utf-8"?>
+<p:sld xmlns:a="http://schemas.openxmlformats.org/drawingml/2006/main" xmlns:r="http://schemas.openxmlformats.org/officeDocument/2006/relationships" xmlns:p="http://schemas.openxmlformats.org/presentationml/2006/main">
+  <p:cSld>
+    <p:spTree>
+      <p:nvGrpSpPr>
+        <p:cNvPr id="1" name=""/>
+        <p:cNvGrpSpPr/>
+        <p:nvPr/>
+      </p:nvGrpSpPr>
+      <p:grpSpPr>
+        <a:xfrm>
+          <a:off x="0" y="0"/>
+          <a:ext cx="0" cy="0"/>
+          <a:chOff x="0" y="0"/>
+          <a:chExt cx="0" cy="0"/>
+        </a:xfrm>
+      </p:grpSpPr>
+      <p:sp>
+        <p:nvSpPr>
+          <p:cNvPr id="2" name="Title 1"/>
+          <p:cNvSpPr>
+            <a:spLocks noGrp="1"/>
+          </p:cNvSpPr>
+          <p:nvPr>
+            <p:ph type="title"/>
+          </p:nvPr>
+        </p:nvSpPr>
+        <p:spPr/>
+        <p:txBody>
+          <a:bodyPr/>
+          <a:lstStyle/>
+          <a:p>
+            <a:r>
+              <a:rPr lang="en-CA" dirty="0"/>
+              <a:t>Heritability</a:t>
+            </a:r>
+          </a:p>
+        </p:txBody>
+      </p:sp>
+      <p:sp>
+        <p:nvSpPr>
+          <p:cNvPr id="3" name="Content Placeholder 2"/>
+          <p:cNvSpPr>
+            <a:spLocks noGrp="1"/>
+          </p:cNvSpPr>
+          <p:nvPr>
+            <p:ph idx="1"/>
+          </p:nvPr>
+        </p:nvSpPr>
+        <p:spPr/>
+        <p:txBody>
+          <a:bodyPr/>
+          <a:lstStyle/>
+          <a:p>
+            <a:endParaRPr lang="en-CA"/>
+          </a:p>
+        </p:txBody>
+      </p:sp>
+    </p:spTree>
+    <p:extLst>
+      <p:ext uri="{BB962C8B-B14F-4D97-AF65-F5344CB8AC3E}">
+        <p14:creationId xmlns:p14="http://schemas.microsoft.com/office/powerpoint/2010/main" val="1576365748"/>
       </p:ext>
     </p:extLst>
   </p:cSld>
@@ -4759,4 +6806,299 @@
     </a:ext>
   </a:extLst>
 </a:theme>
+</file>
+
+<file path=ppt/theme/theme2.xml><?xml version="1.0" encoding="utf-8"?>
+<a:theme xmlns:a="http://schemas.openxmlformats.org/drawingml/2006/main" name="Office Theme">
+  <a:themeElements>
+    <a:clrScheme name="Office">
+      <a:dk1>
+        <a:sysClr val="windowText" lastClr="000000"/>
+      </a:dk1>
+      <a:lt1>
+        <a:sysClr val="window" lastClr="FFFFFF"/>
+      </a:lt1>
+      <a:dk2>
+        <a:srgbClr val="44546A"/>
+      </a:dk2>
+      <a:lt2>
+        <a:srgbClr val="E7E6E6"/>
+      </a:lt2>
+      <a:accent1>
+        <a:srgbClr val="5B9BD5"/>
+      </a:accent1>
+      <a:accent2>
+        <a:srgbClr val="ED7D31"/>
+      </a:accent2>
+      <a:accent3>
+        <a:srgbClr val="A5A5A5"/>
+      </a:accent3>
+      <a:accent4>
+        <a:srgbClr val="FFC000"/>
+      </a:accent4>
+      <a:accent5>
+        <a:srgbClr val="4472C4"/>
+      </a:accent5>
+      <a:accent6>
+        <a:srgbClr val="70AD47"/>
+      </a:accent6>
+      <a:hlink>
+        <a:srgbClr val="0563C1"/>
+      </a:hlink>
+      <a:folHlink>
+        <a:srgbClr val="954F72"/>
+      </a:folHlink>
+    </a:clrScheme>
+    <a:fontScheme name="Office">
+      <a:majorFont>
+        <a:latin typeface="Calibri Light" panose="020F0302020204030204"/>
+        <a:ea typeface=""/>
+        <a:cs typeface=""/>
+        <a:font script="Jpan" typeface="游ゴシック Light"/>
+        <a:font script="Hang" typeface="맑은 고딕"/>
+        <a:font script="Hans" typeface="等线 Light"/>
+        <a:font script="Hant" typeface="新細明體"/>
+        <a:font script="Arab" typeface="Times New Roman"/>
+        <a:font script="Hebr" typeface="Times New Roman"/>
+        <a:font script="Thai" typeface="Angsana New"/>
+        <a:font script="Ethi" typeface="Nyala"/>
+        <a:font script="Beng" typeface="Vrinda"/>
+        <a:font script="Gujr" typeface="Shruti"/>
+        <a:font script="Khmr" typeface="MoolBoran"/>
+        <a:font script="Knda" typeface="Tunga"/>
+        <a:font script="Guru" typeface="Raavi"/>
+        <a:font script="Cans" typeface="Euphemia"/>
+        <a:font script="Cher" typeface="Plantagenet Cherokee"/>
+        <a:font script="Yiii" typeface="Microsoft Yi Baiti"/>
+        <a:font script="Tibt" typeface="Microsoft Himalaya"/>
+        <a:font script="Thaa" typeface="MV Boli"/>
+        <a:font script="Deva" typeface="Mangal"/>
+        <a:font script="Telu" typeface="Gautami"/>
+        <a:font script="Taml" typeface="Latha"/>
+        <a:font script="Syrc" typeface="Estrangelo Edessa"/>
+        <a:font script="Orya" typeface="Kalinga"/>
+        <a:font script="Mlym" typeface="Kartika"/>
+        <a:font script="Laoo" typeface="DokChampa"/>
+        <a:font script="Sinh" typeface="Iskoola Pota"/>
+        <a:font script="Mong" typeface="Mongolian Baiti"/>
+        <a:font script="Viet" typeface="Times New Roman"/>
+        <a:font script="Uigh" typeface="Microsoft Uighur"/>
+        <a:font script="Geor" typeface="Sylfaen"/>
+        <a:font script="Armn" typeface="Arial"/>
+        <a:font script="Bugi" typeface="Leelawadee UI"/>
+        <a:font script="Bopo" typeface="Microsoft JhengHei"/>
+        <a:font script="Java" typeface="Javanese Text"/>
+        <a:font script="Lisu" typeface="Segoe UI"/>
+        <a:font script="Mymr" typeface="Myanmar Text"/>
+        <a:font script="Nkoo" typeface="Ebrima"/>
+        <a:font script="Olck" typeface="Nirmala UI"/>
+        <a:font script="Osma" typeface="Ebrima"/>
+        <a:font script="Phag" typeface="Phagspa"/>
+        <a:font script="Syrn" typeface="Estrangelo Edessa"/>
+        <a:font script="Syrj" typeface="Estrangelo Edessa"/>
+        <a:font script="Syre" typeface="Estrangelo Edessa"/>
+        <a:font script="Sora" typeface="Nirmala UI"/>
+        <a:font script="Tale" typeface="Microsoft Tai Le"/>
+        <a:font script="Talu" typeface="Microsoft New Tai Lue"/>
+        <a:font script="Tfng" typeface="Ebrima"/>
+      </a:majorFont>
+      <a:minorFont>
+        <a:latin typeface="Calibri" panose="020F0502020204030204"/>
+        <a:ea typeface=""/>
+        <a:cs typeface=""/>
+        <a:font script="Jpan" typeface="游ゴシック"/>
+        <a:font script="Hang" typeface="맑은 고딕"/>
+        <a:font script="Hans" typeface="等线"/>
+        <a:font script="Hant" typeface="新細明體"/>
+        <a:font script="Arab" typeface="Arial"/>
+        <a:font script="Hebr" typeface="Arial"/>
+        <a:font script="Thai" typeface="Cordia New"/>
+        <a:font script="Ethi" typeface="Nyala"/>
+        <a:font script="Beng" typeface="Vrinda"/>
+        <a:font script="Gujr" typeface="Shruti"/>
+        <a:font script="Khmr" typeface="DaunPenh"/>
+        <a:font script="Knda" typeface="Tunga"/>
+        <a:font script="Guru" typeface="Raavi"/>
+        <a:font script="Cans" typeface="Euphemia"/>
+        <a:font script="Cher" typeface="Plantagenet Cherokee"/>
+        <a:font script="Yiii" typeface="Microsoft Yi Baiti"/>
+        <a:font script="Tibt" typeface="Microsoft Himalaya"/>
+        <a:font script="Thaa" typeface="MV Boli"/>
+        <a:font script="Deva" typeface="Mangal"/>
+        <a:font script="Telu" typeface="Gautami"/>
+        <a:font script="Taml" typeface="Latha"/>
+        <a:font script="Syrc" typeface="Estrangelo Edessa"/>
+        <a:font script="Orya" typeface="Kalinga"/>
+        <a:font script="Mlym" typeface="Kartika"/>
+        <a:font script="Laoo" typeface="DokChampa"/>
+        <a:font script="Sinh" typeface="Iskoola Pota"/>
+        <a:font script="Mong" typeface="Mongolian Baiti"/>
+        <a:font script="Viet" typeface="Arial"/>
+        <a:font script="Uigh" typeface="Microsoft Uighur"/>
+        <a:font script="Geor" typeface="Sylfaen"/>
+        <a:font script="Armn" typeface="Arial"/>
+        <a:font script="Bugi" typeface="Leelawadee UI"/>
+        <a:font script="Bopo" typeface="Microsoft JhengHei"/>
+        <a:font script="Java" typeface="Javanese Text"/>
+        <a:font script="Lisu" typeface="Segoe UI"/>
+        <a:font script="Mymr" typeface="Myanmar Text"/>
+        <a:font script="Nkoo" typeface="Ebrima"/>
+        <a:font script="Olck" typeface="Nirmala UI"/>
+        <a:font script="Osma" typeface="Ebrima"/>
+        <a:font script="Phag" typeface="Phagspa"/>
+        <a:font script="Syrn" typeface="Estrangelo Edessa"/>
+        <a:font script="Syrj" typeface="Estrangelo Edessa"/>
+        <a:font script="Syre" typeface="Estrangelo Edessa"/>
+        <a:font script="Sora" typeface="Nirmala UI"/>
+        <a:font script="Tale" typeface="Microsoft Tai Le"/>
+        <a:font script="Talu" typeface="Microsoft New Tai Lue"/>
+        <a:font script="Tfng" typeface="Ebrima"/>
+      </a:minorFont>
+    </a:fontScheme>
+    <a:fmtScheme name="Office">
+      <a:fillStyleLst>
+        <a:solidFill>
+          <a:schemeClr val="phClr"/>
+        </a:solidFill>
+        <a:gradFill rotWithShape="1">
+          <a:gsLst>
+            <a:gs pos="0">
+              <a:schemeClr val="phClr">
+                <a:lumMod val="110000"/>
+                <a:satMod val="105000"/>
+                <a:tint val="67000"/>
+              </a:schemeClr>
+            </a:gs>
+            <a:gs pos="50000">
+              <a:schemeClr val="phClr">
+                <a:lumMod val="105000"/>
+                <a:satMod val="103000"/>
+                <a:tint val="73000"/>
+              </a:schemeClr>
+            </a:gs>
+            <a:gs pos="100000">
+              <a:schemeClr val="phClr">
+                <a:lumMod val="105000"/>
+                <a:satMod val="109000"/>
+                <a:tint val="81000"/>
+              </a:schemeClr>
+            </a:gs>
+          </a:gsLst>
+          <a:lin ang="5400000" scaled="0"/>
+        </a:gradFill>
+        <a:gradFill rotWithShape="1">
+          <a:gsLst>
+            <a:gs pos="0">
+              <a:schemeClr val="phClr">
+                <a:satMod val="103000"/>
+                <a:lumMod val="102000"/>
+                <a:tint val="94000"/>
+              </a:schemeClr>
+            </a:gs>
+            <a:gs pos="50000">
+              <a:schemeClr val="phClr">
+                <a:satMod val="110000"/>
+                <a:lumMod val="100000"/>
+                <a:shade val="100000"/>
+              </a:schemeClr>
+            </a:gs>
+            <a:gs pos="100000">
+              <a:schemeClr val="phClr">
+                <a:lumMod val="99000"/>
+                <a:satMod val="120000"/>
+                <a:shade val="78000"/>
+              </a:schemeClr>
+            </a:gs>
+          </a:gsLst>
+          <a:lin ang="5400000" scaled="0"/>
+        </a:gradFill>
+      </a:fillStyleLst>
+      <a:lnStyleLst>
+        <a:ln w="6350" cap="flat" cmpd="sng" algn="ctr">
+          <a:solidFill>
+            <a:schemeClr val="phClr"/>
+          </a:solidFill>
+          <a:prstDash val="solid"/>
+          <a:miter lim="800000"/>
+        </a:ln>
+        <a:ln w="12700" cap="flat" cmpd="sng" algn="ctr">
+          <a:solidFill>
+            <a:schemeClr val="phClr"/>
+          </a:solidFill>
+          <a:prstDash val="solid"/>
+          <a:miter lim="800000"/>
+        </a:ln>
+        <a:ln w="19050" cap="flat" cmpd="sng" algn="ctr">
+          <a:solidFill>
+            <a:schemeClr val="phClr"/>
+          </a:solidFill>
+          <a:prstDash val="solid"/>
+          <a:miter lim="800000"/>
+        </a:ln>
+      </a:lnStyleLst>
+      <a:effectStyleLst>
+        <a:effectStyle>
+          <a:effectLst/>
+        </a:effectStyle>
+        <a:effectStyle>
+          <a:effectLst/>
+        </a:effectStyle>
+        <a:effectStyle>
+          <a:effectLst>
+            <a:outerShdw blurRad="57150" dist="19050" dir="5400000" algn="ctr" rotWithShape="0">
+              <a:srgbClr val="000000">
+                <a:alpha val="63000"/>
+              </a:srgbClr>
+            </a:outerShdw>
+          </a:effectLst>
+        </a:effectStyle>
+      </a:effectStyleLst>
+      <a:bgFillStyleLst>
+        <a:solidFill>
+          <a:schemeClr val="phClr"/>
+        </a:solidFill>
+        <a:solidFill>
+          <a:schemeClr val="phClr">
+            <a:tint val="95000"/>
+            <a:satMod val="170000"/>
+          </a:schemeClr>
+        </a:solidFill>
+        <a:gradFill rotWithShape="1">
+          <a:gsLst>
+            <a:gs pos="0">
+              <a:schemeClr val="phClr">
+                <a:tint val="93000"/>
+                <a:satMod val="150000"/>
+                <a:shade val="98000"/>
+                <a:lumMod val="102000"/>
+              </a:schemeClr>
+            </a:gs>
+            <a:gs pos="50000">
+              <a:schemeClr val="phClr">
+                <a:tint val="98000"/>
+                <a:satMod val="130000"/>
+                <a:shade val="90000"/>
+                <a:lumMod val="103000"/>
+              </a:schemeClr>
+            </a:gs>
+            <a:gs pos="100000">
+              <a:schemeClr val="phClr">
+                <a:shade val="63000"/>
+                <a:satMod val="120000"/>
+              </a:schemeClr>
+            </a:gs>
+          </a:gsLst>
+          <a:lin ang="5400000" scaled="0"/>
+        </a:gradFill>
+      </a:bgFillStyleLst>
+    </a:fmtScheme>
+  </a:themeElements>
+  <a:objectDefaults/>
+  <a:extraClrSchemeLst/>
+  <a:extLst>
+    <a:ext uri="{05A4C25C-085E-4340-85A3-A5531E510DB2}">
+      <thm15:themeFamily xmlns:thm15="http://schemas.microsoft.com/office/thememl/2012/main" name="Office Theme" id="{62F939B6-93AF-4DB8-9C6B-D6C7DFDC589F}" vid="{4A3C46E8-61CC-4603-A589-7422A47A8E4A}"/>
+    </a:ext>
+  </a:extLst>
+</a:theme>
 </file>
--- a/2016_07_14/genetic_determinants_journal_club.pptx
+++ b/2016_07_14/genetic_determinants_journal_club.pptx
@@ -5,18 +5,20 @@
     <p:sldMasterId id="2147483648" r:id="rId1"/>
   </p:sldMasterIdLst>
   <p:notesMasterIdLst>
-    <p:notesMasterId r:id="rId11"/>
+    <p:notesMasterId r:id="rId13"/>
   </p:notesMasterIdLst>
   <p:sldIdLst>
     <p:sldId id="256" r:id="rId2"/>
     <p:sldId id="257" r:id="rId3"/>
     <p:sldId id="258" r:id="rId4"/>
     <p:sldId id="259" r:id="rId5"/>
-    <p:sldId id="260" r:id="rId6"/>
-    <p:sldId id="261" r:id="rId7"/>
-    <p:sldId id="262" r:id="rId8"/>
-    <p:sldId id="263" r:id="rId9"/>
-    <p:sldId id="264" r:id="rId10"/>
+    <p:sldId id="264" r:id="rId6"/>
+    <p:sldId id="260" r:id="rId7"/>
+    <p:sldId id="261" r:id="rId8"/>
+    <p:sldId id="262" r:id="rId9"/>
+    <p:sldId id="263" r:id="rId10"/>
+    <p:sldId id="265" r:id="rId11"/>
+    <p:sldId id="266" r:id="rId12"/>
   </p:sldIdLst>
   <p:sldSz cx="12192000" cy="6858000"/>
   <p:notesSz cx="6858000" cy="9144000"/>
@@ -528,6 +530,32 @@
           <a:bodyPr/>
           <a:lstStyle/>
           <a:p>
+            <a:r>
+              <a:rPr lang="en-CA" dirty="0"/>
+              <a:t>A few classic</a:t>
+            </a:r>
+            <a:r>
+              <a:rPr lang="en-CA" baseline="0" dirty="0"/>
+              <a:t> problems arise from this formula and estimation of heritability.</a:t>
+            </a:r>
+          </a:p>
+          <a:p>
+            <a:pPr marL="228600" indent="-228600">
+              <a:buAutoNum type="arabicParenR"/>
+            </a:pPr>
+            <a:r>
+              <a:rPr lang="en-CA" baseline="0" dirty="0"/>
+              <a:t>A can go above 1 and below 0</a:t>
+            </a:r>
+          </a:p>
+          <a:p>
+            <a:pPr marL="228600" indent="-228600">
+              <a:buAutoNum type="arabicParenR"/>
+            </a:pPr>
+            <a:r>
+              <a:rPr lang="en-CA" baseline="0" dirty="0"/>
+              <a:t>Overestimates relatedness</a:t>
+            </a:r>
             <a:endParaRPr lang="en-CA" dirty="0"/>
           </a:p>
         </p:txBody>
@@ -549,7 +577,7 @@
           <a:p>
             <a:fld id="{0B3F5219-0716-4DAC-A557-76DFCE5BE1DD}" type="slidenum">
               <a:rPr lang="en-CA" smtClean="0"/>
-              <a:t>6</a:t>
+              <a:t>5</a:t>
             </a:fld>
             <a:endParaRPr lang="en-CA"/>
           </a:p>
@@ -558,7 +586,7 @@
     </p:spTree>
     <p:extLst>
       <p:ext uri="{BB962C8B-B14F-4D97-AF65-F5344CB8AC3E}">
-        <p14:creationId xmlns:p14="http://schemas.microsoft.com/office/powerpoint/2010/main" val="308401019"/>
+        <p14:creationId xmlns:p14="http://schemas.microsoft.com/office/powerpoint/2010/main" val="146717270"/>
       </p:ext>
     </p:extLst>
   </p:cSld>
@@ -612,6 +640,90 @@
           <a:bodyPr/>
           <a:lstStyle/>
           <a:p>
+            <a:endParaRPr lang="en-CA" dirty="0"/>
+          </a:p>
+        </p:txBody>
+      </p:sp>
+      <p:sp>
+        <p:nvSpPr>
+          <p:cNvPr id="4" name="Slide Number Placeholder 3"/>
+          <p:cNvSpPr>
+            <a:spLocks noGrp="1"/>
+          </p:cNvSpPr>
+          <p:nvPr>
+            <p:ph type="sldNum" sz="quarter" idx="10"/>
+          </p:nvPr>
+        </p:nvSpPr>
+        <p:spPr/>
+        <p:txBody>
+          <a:bodyPr/>
+          <a:lstStyle/>
+          <a:p>
+            <a:fld id="{0B3F5219-0716-4DAC-A557-76DFCE5BE1DD}" type="slidenum">
+              <a:rPr lang="en-CA" smtClean="0"/>
+              <a:t>7</a:t>
+            </a:fld>
+            <a:endParaRPr lang="en-CA"/>
+          </a:p>
+        </p:txBody>
+      </p:sp>
+    </p:spTree>
+    <p:extLst>
+      <p:ext uri="{BB962C8B-B14F-4D97-AF65-F5344CB8AC3E}">
+        <p14:creationId xmlns:p14="http://schemas.microsoft.com/office/powerpoint/2010/main" val="308401019"/>
+      </p:ext>
+    </p:extLst>
+  </p:cSld>
+  <p:clrMapOvr>
+    <a:masterClrMapping/>
+  </p:clrMapOvr>
+</p:notes>
+</file>
+
+<file path=ppt/notesSlides/notesSlide3.xml><?xml version="1.0" encoding="utf-8"?>
+<p:notes xmlns:a="http://schemas.openxmlformats.org/drawingml/2006/main" xmlns:r="http://schemas.openxmlformats.org/officeDocument/2006/relationships" xmlns:p="http://schemas.openxmlformats.org/presentationml/2006/main">
+  <p:cSld>
+    <p:spTree>
+      <p:nvGrpSpPr>
+        <p:cNvPr id="1" name=""/>
+        <p:cNvGrpSpPr/>
+        <p:nvPr/>
+      </p:nvGrpSpPr>
+      <p:grpSpPr>
+        <a:xfrm>
+          <a:off x="0" y="0"/>
+          <a:ext cx="0" cy="0"/>
+          <a:chOff x="0" y="0"/>
+          <a:chExt cx="0" cy="0"/>
+        </a:xfrm>
+      </p:grpSpPr>
+      <p:sp>
+        <p:nvSpPr>
+          <p:cNvPr id="2" name="Slide Image Placeholder 1"/>
+          <p:cNvSpPr>
+            <a:spLocks noGrp="1" noRot="1" noChangeAspect="1"/>
+          </p:cNvSpPr>
+          <p:nvPr>
+            <p:ph type="sldImg"/>
+          </p:nvPr>
+        </p:nvSpPr>
+        <p:spPr/>
+      </p:sp>
+      <p:sp>
+        <p:nvSpPr>
+          <p:cNvPr id="3" name="Notes Placeholder 2"/>
+          <p:cNvSpPr>
+            <a:spLocks noGrp="1"/>
+          </p:cNvSpPr>
+          <p:nvPr>
+            <p:ph type="body" idx="1"/>
+          </p:nvPr>
+        </p:nvSpPr>
+        <p:spPr/>
+        <p:txBody>
+          <a:bodyPr/>
+          <a:lstStyle/>
+          <a:p>
             <a:r>
               <a:rPr lang="en-CA" sz="1200" b="0" i="0" kern="1200" dirty="0">
                 <a:solidFill>
@@ -795,7 +907,7 @@
           <a:p>
             <a:fld id="{0B3F5219-0716-4DAC-A557-76DFCE5BE1DD}" type="slidenum">
               <a:rPr lang="en-CA" smtClean="0"/>
-              <a:t>7</a:t>
+              <a:t>8</a:t>
             </a:fld>
             <a:endParaRPr lang="en-CA"/>
           </a:p>
@@ -3739,6 +3851,174 @@
     <p:extLst>
       <p:ext uri="{BB962C8B-B14F-4D97-AF65-F5344CB8AC3E}">
         <p14:creationId xmlns:p14="http://schemas.microsoft.com/office/powerpoint/2010/main" val="2321417971"/>
+      </p:ext>
+    </p:extLst>
+  </p:cSld>
+  <p:clrMapOvr>
+    <a:masterClrMapping/>
+  </p:clrMapOvr>
+</p:sld>
+</file>
+
+<file path=ppt/slides/slide10.xml><?xml version="1.0" encoding="utf-8"?>
+<p:sld xmlns:a="http://schemas.openxmlformats.org/drawingml/2006/main" xmlns:r="http://schemas.openxmlformats.org/officeDocument/2006/relationships" xmlns:p="http://schemas.openxmlformats.org/presentationml/2006/main">
+  <p:cSld>
+    <p:spTree>
+      <p:nvGrpSpPr>
+        <p:cNvPr id="1" name=""/>
+        <p:cNvGrpSpPr/>
+        <p:nvPr/>
+      </p:nvGrpSpPr>
+      <p:grpSpPr>
+        <a:xfrm>
+          <a:off x="0" y="0"/>
+          <a:ext cx="0" cy="0"/>
+          <a:chOff x="0" y="0"/>
+          <a:chExt cx="0" cy="0"/>
+        </a:xfrm>
+      </p:grpSpPr>
+      <p:sp>
+        <p:nvSpPr>
+          <p:cNvPr id="2" name="Title 1"/>
+          <p:cNvSpPr>
+            <a:spLocks noGrp="1"/>
+          </p:cNvSpPr>
+          <p:nvPr>
+            <p:ph type="title"/>
+          </p:nvPr>
+        </p:nvSpPr>
+        <p:spPr/>
+        <p:txBody>
+          <a:bodyPr/>
+          <a:lstStyle/>
+          <a:p>
+            <a:r>
+              <a:rPr lang="en-CA" dirty="0"/>
+              <a:t>Heritability: Stability and Diversity </a:t>
+            </a:r>
+          </a:p>
+        </p:txBody>
+      </p:sp>
+      <p:pic>
+        <p:nvPicPr>
+          <p:cNvPr id="4" name="Picture 3"/>
+          <p:cNvPicPr>
+            <a:picLocks noChangeAspect="1"/>
+          </p:cNvPicPr>
+          <p:nvPr/>
+        </p:nvPicPr>
+        <p:blipFill>
+          <a:blip r:embed="rId2"/>
+          <a:stretch>
+            <a:fillRect/>
+          </a:stretch>
+        </p:blipFill>
+        <p:spPr>
+          <a:xfrm>
+            <a:off x="267854" y="1533237"/>
+            <a:ext cx="5726545" cy="5006108"/>
+          </a:xfrm>
+          <a:prstGeom prst="rect">
+            <a:avLst/>
+          </a:prstGeom>
+        </p:spPr>
+      </p:pic>
+      <p:pic>
+        <p:nvPicPr>
+          <p:cNvPr id="5" name="Picture 4"/>
+          <p:cNvPicPr>
+            <a:picLocks noChangeAspect="1"/>
+          </p:cNvPicPr>
+          <p:nvPr/>
+        </p:nvPicPr>
+        <p:blipFill>
+          <a:blip r:embed="rId3"/>
+          <a:stretch>
+            <a:fillRect/>
+          </a:stretch>
+        </p:blipFill>
+        <p:spPr>
+          <a:xfrm>
+            <a:off x="6724073" y="2344775"/>
+            <a:ext cx="5051556" cy="3114839"/>
+          </a:xfrm>
+          <a:prstGeom prst="rect">
+            <a:avLst/>
+          </a:prstGeom>
+        </p:spPr>
+      </p:pic>
+    </p:spTree>
+    <p:extLst>
+      <p:ext uri="{BB962C8B-B14F-4D97-AF65-F5344CB8AC3E}">
+        <p14:creationId xmlns:p14="http://schemas.microsoft.com/office/powerpoint/2010/main" val="1698052221"/>
+      </p:ext>
+    </p:extLst>
+  </p:cSld>
+  <p:clrMapOvr>
+    <a:masterClrMapping/>
+  </p:clrMapOvr>
+</p:sld>
+</file>
+
+<file path=ppt/slides/slide11.xml><?xml version="1.0" encoding="utf-8"?>
+<p:sld xmlns:a="http://schemas.openxmlformats.org/drawingml/2006/main" xmlns:r="http://schemas.openxmlformats.org/officeDocument/2006/relationships" xmlns:p="http://schemas.openxmlformats.org/presentationml/2006/main">
+  <p:cSld>
+    <p:spTree>
+      <p:nvGrpSpPr>
+        <p:cNvPr id="1" name=""/>
+        <p:cNvGrpSpPr/>
+        <p:nvPr/>
+      </p:nvGrpSpPr>
+      <p:grpSpPr>
+        <a:xfrm>
+          <a:off x="0" y="0"/>
+          <a:ext cx="0" cy="0"/>
+          <a:chOff x="0" y="0"/>
+          <a:chExt cx="0" cy="0"/>
+        </a:xfrm>
+      </p:grpSpPr>
+      <p:sp>
+        <p:nvSpPr>
+          <p:cNvPr id="2" name="Title 1"/>
+          <p:cNvSpPr>
+            <a:spLocks noGrp="1"/>
+          </p:cNvSpPr>
+          <p:nvPr>
+            <p:ph type="title"/>
+          </p:nvPr>
+        </p:nvSpPr>
+        <p:spPr/>
+        <p:txBody>
+          <a:bodyPr/>
+          <a:lstStyle/>
+          <a:p>
+            <a:endParaRPr lang="en-CA"/>
+          </a:p>
+        </p:txBody>
+      </p:sp>
+      <p:sp>
+        <p:nvSpPr>
+          <p:cNvPr id="3" name="Content Placeholder 2"/>
+          <p:cNvSpPr>
+            <a:spLocks noGrp="1"/>
+          </p:cNvSpPr>
+          <p:nvPr>
+            <p:ph idx="1"/>
+          </p:nvPr>
+        </p:nvSpPr>
+        <p:spPr/>
+        <p:txBody>
+          <a:bodyPr/>
+          <a:lstStyle/>
+          <a:p>
+            <a:endParaRPr lang="en-CA"/>
+          </a:p>
+        </p:txBody>
+      </p:sp>
+    </p:spTree>
+    <p:extLst>
+      <p:ext uri="{BB962C8B-B14F-4D97-AF65-F5344CB8AC3E}">
+        <p14:creationId xmlns:p14="http://schemas.microsoft.com/office/powerpoint/2010/main" val="2430525223"/>
       </p:ext>
     </p:extLst>
   </p:cSld>
@@ -5560,6 +5840,287 @@
           <a:p>
             <a:r>
               <a:rPr lang="en-CA" dirty="0"/>
+              <a:t>Heritability Calculations</a:t>
+            </a:r>
+          </a:p>
+        </p:txBody>
+      </p:sp>
+      <p:sp>
+        <p:nvSpPr>
+          <p:cNvPr id="3" name="Content Placeholder 2"/>
+          <p:cNvSpPr>
+            <a:spLocks noGrp="1"/>
+          </p:cNvSpPr>
+          <p:nvPr>
+            <p:ph idx="1"/>
+          </p:nvPr>
+        </p:nvSpPr>
+        <p:spPr/>
+        <p:txBody>
+          <a:bodyPr/>
+          <a:lstStyle/>
+          <a:p>
+            <a:r>
+              <a:rPr lang="en-CA" dirty="0"/>
+              <a:t>Used ACE model</a:t>
+            </a:r>
+          </a:p>
+          <a:p>
+            <a:pPr lvl="1"/>
+            <a:r>
+              <a:rPr lang="en-CA" dirty="0"/>
+              <a:t>A (additive genetics)</a:t>
+            </a:r>
+          </a:p>
+          <a:p>
+            <a:pPr lvl="2"/>
+            <a:r>
+              <a:rPr lang="en-CA" dirty="0"/>
+              <a:t>A = 2 * (</a:t>
+            </a:r>
+            <a:r>
+              <a:rPr lang="en-CA" dirty="0" err="1"/>
+              <a:t>r</a:t>
+            </a:r>
+            <a:r>
+              <a:rPr lang="en-CA" baseline="-25000" dirty="0" err="1"/>
+              <a:t>mz</a:t>
+            </a:r>
+            <a:r>
+              <a:rPr lang="en-CA" dirty="0"/>
+              <a:t> – </a:t>
+            </a:r>
+            <a:r>
+              <a:rPr lang="en-CA" dirty="0" err="1"/>
+              <a:t>r</a:t>
+            </a:r>
+            <a:r>
+              <a:rPr lang="en-CA" baseline="-25000" dirty="0" err="1"/>
+              <a:t>dz</a:t>
+            </a:r>
+            <a:r>
+              <a:rPr lang="en-CA" dirty="0"/>
+              <a:t>) </a:t>
+            </a:r>
+          </a:p>
+          <a:p>
+            <a:pPr lvl="3"/>
+            <a:r>
+              <a:rPr lang="en-CA" dirty="0" err="1"/>
+              <a:t>r</a:t>
+            </a:r>
+            <a:r>
+              <a:rPr lang="en-CA" baseline="-25000" dirty="0" err="1"/>
+              <a:t>mz</a:t>
+            </a:r>
+            <a:r>
+              <a:rPr lang="en-CA" dirty="0"/>
+              <a:t> = correlation of trait in identical twins</a:t>
+            </a:r>
+          </a:p>
+          <a:p>
+            <a:pPr lvl="3"/>
+            <a:r>
+              <a:rPr lang="en-CA" dirty="0" err="1"/>
+              <a:t>r</a:t>
+            </a:r>
+            <a:r>
+              <a:rPr lang="en-CA" baseline="-25000" dirty="0" err="1"/>
+              <a:t>dz</a:t>
+            </a:r>
+            <a:r>
+              <a:rPr lang="en-CA" dirty="0"/>
+              <a:t> = correlation of trait in fraternal twins</a:t>
+            </a:r>
+          </a:p>
+          <a:p>
+            <a:pPr lvl="1"/>
+            <a:r>
+              <a:rPr lang="en-CA" dirty="0"/>
+              <a:t>C (common environment)</a:t>
+            </a:r>
+          </a:p>
+          <a:p>
+            <a:pPr lvl="2"/>
+            <a:r>
+              <a:rPr lang="en-CA" dirty="0"/>
+              <a:t>C = </a:t>
+            </a:r>
+            <a:r>
+              <a:rPr lang="en-CA" dirty="0" err="1"/>
+              <a:t>r</a:t>
+            </a:r>
+            <a:r>
+              <a:rPr lang="en-CA" baseline="-25000" dirty="0" err="1"/>
+              <a:t>mz</a:t>
+            </a:r>
+            <a:r>
+              <a:rPr lang="en-CA" dirty="0"/>
+              <a:t> - A</a:t>
+            </a:r>
+          </a:p>
+          <a:p>
+            <a:pPr lvl="1"/>
+            <a:r>
+              <a:rPr lang="en-CA" dirty="0"/>
+              <a:t>E (unique environment)</a:t>
+            </a:r>
+          </a:p>
+          <a:p>
+            <a:pPr lvl="2"/>
+            <a:r>
+              <a:rPr lang="en-CA" dirty="0"/>
+              <a:t>E = 1 – </a:t>
+            </a:r>
+            <a:r>
+              <a:rPr lang="en-CA" dirty="0" err="1"/>
+              <a:t>r</a:t>
+            </a:r>
+            <a:r>
+              <a:rPr lang="en-CA" baseline="-25000" dirty="0" err="1"/>
+              <a:t>mz</a:t>
+            </a:r>
+            <a:endParaRPr lang="en-CA" baseline="-25000" dirty="0"/>
+          </a:p>
+          <a:p>
+            <a:r>
+              <a:rPr lang="en-CA" dirty="0"/>
+              <a:t>Falconer’s formula to calculate Heritability</a:t>
+            </a:r>
+          </a:p>
+          <a:p>
+            <a:pPr lvl="1"/>
+            <a:r>
+              <a:rPr lang="en-CA" dirty="0"/>
+              <a:t>H2 = A = 2 * (</a:t>
+            </a:r>
+            <a:r>
+              <a:rPr lang="en-CA" dirty="0" err="1"/>
+              <a:t>r</a:t>
+            </a:r>
+            <a:r>
+              <a:rPr lang="en-CA" baseline="-25000" dirty="0" err="1"/>
+              <a:t>mz</a:t>
+            </a:r>
+            <a:r>
+              <a:rPr lang="en-CA" dirty="0"/>
+              <a:t> – </a:t>
+            </a:r>
+            <a:r>
+              <a:rPr lang="en-CA" dirty="0" err="1"/>
+              <a:t>r</a:t>
+            </a:r>
+            <a:r>
+              <a:rPr lang="en-CA" baseline="-25000" dirty="0" err="1"/>
+              <a:t>dz</a:t>
+            </a:r>
+            <a:r>
+              <a:rPr lang="en-CA" dirty="0"/>
+              <a:t>) </a:t>
+            </a:r>
+          </a:p>
+          <a:p>
+            <a:pPr marL="457200" lvl="1" indent="0">
+              <a:buNone/>
+            </a:pPr>
+            <a:endParaRPr lang="en-CA" dirty="0"/>
+          </a:p>
+          <a:p>
+            <a:pPr marL="457200" lvl="1" indent="0">
+              <a:buNone/>
+            </a:pPr>
+            <a:endParaRPr lang="en-CA" dirty="0"/>
+          </a:p>
+        </p:txBody>
+      </p:sp>
+      <p:pic>
+        <p:nvPicPr>
+          <p:cNvPr id="1028" name="Picture 4" descr="http://img.dailymail.co.uk/i/pix/2007/12_04/TwinsL_228x364.jpg"/>
+          <p:cNvPicPr>
+            <a:picLocks noChangeAspect="1" noChangeArrowheads="1"/>
+          </p:cNvPicPr>
+          <p:nvPr/>
+        </p:nvPicPr>
+        <p:blipFill>
+          <a:blip r:embed="rId3">
+            <a:extLst>
+              <a:ext uri="{28A0092B-C50C-407E-A947-70E740481C1C}">
+                <a14:useLocalDpi xmlns:a14="http://schemas.microsoft.com/office/drawing/2010/main" val="0"/>
+              </a:ext>
+            </a:extLst>
+          </a:blip>
+          <a:srcRect/>
+          <a:stretch>
+            <a:fillRect/>
+          </a:stretch>
+        </p:blipFill>
+        <p:spPr bwMode="auto">
+          <a:xfrm>
+            <a:off x="7895647" y="1279408"/>
+            <a:ext cx="3074840" cy="4908955"/>
+          </a:xfrm>
+          <a:prstGeom prst="rect">
+            <a:avLst/>
+          </a:prstGeom>
+          <a:noFill/>
+          <a:extLst>
+            <a:ext uri="{909E8E84-426E-40DD-AFC4-6F175D3DCCD1}">
+              <a14:hiddenFill xmlns:a14="http://schemas.microsoft.com/office/drawing/2010/main">
+                <a:solidFill>
+                  <a:srgbClr val="FFFFFF"/>
+                </a:solidFill>
+              </a14:hiddenFill>
+            </a:ext>
+          </a:extLst>
+        </p:spPr>
+      </p:pic>
+    </p:spTree>
+    <p:extLst>
+      <p:ext uri="{BB962C8B-B14F-4D97-AF65-F5344CB8AC3E}">
+        <p14:creationId xmlns:p14="http://schemas.microsoft.com/office/powerpoint/2010/main" val="1576365748"/>
+      </p:ext>
+    </p:extLst>
+  </p:cSld>
+  <p:clrMapOvr>
+    <a:masterClrMapping/>
+  </p:clrMapOvr>
+</p:sld>
+</file>
+
+<file path=ppt/slides/slide6.xml><?xml version="1.0" encoding="utf-8"?>
+<p:sld xmlns:a="http://schemas.openxmlformats.org/drawingml/2006/main" xmlns:r="http://schemas.openxmlformats.org/officeDocument/2006/relationships" xmlns:p="http://schemas.openxmlformats.org/presentationml/2006/main">
+  <p:cSld>
+    <p:spTree>
+      <p:nvGrpSpPr>
+        <p:cNvPr id="1" name=""/>
+        <p:cNvGrpSpPr/>
+        <p:nvPr/>
+      </p:nvGrpSpPr>
+      <p:grpSpPr>
+        <a:xfrm>
+          <a:off x="0" y="0"/>
+          <a:ext cx="0" cy="0"/>
+          <a:chOff x="0" y="0"/>
+          <a:chExt cx="0" cy="0"/>
+        </a:xfrm>
+      </p:grpSpPr>
+      <p:sp>
+        <p:nvSpPr>
+          <p:cNvPr id="2" name="Title 1"/>
+          <p:cNvSpPr>
+            <a:spLocks noGrp="1"/>
+          </p:cNvSpPr>
+          <p:nvPr>
+            <p:ph type="title"/>
+          </p:nvPr>
+        </p:nvSpPr>
+        <p:spPr/>
+        <p:txBody>
+          <a:bodyPr/>
+          <a:lstStyle/>
+          <a:p>
+            <a:r>
+              <a:rPr lang="en-CA" dirty="0"/>
               <a:t>OTU Heritability and Replication</a:t>
             </a:r>
           </a:p>
@@ -5782,7 +6343,7 @@
 </p:sld>
 </file>
 
-<file path=ppt/slides/slide6.xml><?xml version="1.0" encoding="utf-8"?>
+<file path=ppt/slides/slide7.xml><?xml version="1.0" encoding="utf-8"?>
 <p:sld xmlns:a="http://schemas.openxmlformats.org/drawingml/2006/main" xmlns:r="http://schemas.openxmlformats.org/officeDocument/2006/relationships" xmlns:p="http://schemas.openxmlformats.org/presentationml/2006/main">
   <p:cSld>
     <p:spTree>
@@ -6130,7 +6691,7 @@
 </p:sld>
 </file>
 
-<file path=ppt/slides/slide7.xml><?xml version="1.0" encoding="utf-8"?>
+<file path=ppt/slides/slide8.xml><?xml version="1.0" encoding="utf-8"?>
 <p:sld xmlns:a="http://schemas.openxmlformats.org/drawingml/2006/main" xmlns:r="http://schemas.openxmlformats.org/officeDocument/2006/relationships" xmlns:p="http://schemas.openxmlformats.org/presentationml/2006/main">
   <p:cSld>
     <p:spTree>
@@ -6366,7 +6927,7 @@
 </p:sld>
 </file>
 
-<file path=ppt/slides/slide8.xml><?xml version="1.0" encoding="utf-8"?>
+<file path=ppt/slides/slide9.xml><?xml version="1.0" encoding="utf-8"?>
 <p:sld xmlns:a="http://schemas.openxmlformats.org/drawingml/2006/main" xmlns:r="http://schemas.openxmlformats.org/officeDocument/2006/relationships" xmlns:p="http://schemas.openxmlformats.org/presentationml/2006/main">
   <p:cSld>
     <p:spTree>
@@ -6433,77 +6994,6 @@
     <p:extLst>
       <p:ext uri="{BB962C8B-B14F-4D97-AF65-F5344CB8AC3E}">
         <p14:creationId xmlns:p14="http://schemas.microsoft.com/office/powerpoint/2010/main" val="760756495"/>
-      </p:ext>
-    </p:extLst>
-  </p:cSld>
-  <p:clrMapOvr>
-    <a:masterClrMapping/>
-  </p:clrMapOvr>
-</p:sld>
-</file>
-
-<file path=ppt/slides/slide9.xml><?xml version="1.0" encoding="utf-8"?>
-<p:sld xmlns:a="http://schemas.openxmlformats.org/drawingml/2006/main" xmlns:r="http://schemas.openxmlformats.org/officeDocument/2006/relationships" xmlns:p="http://schemas.openxmlformats.org/presentationml/2006/main">
-  <p:cSld>
-    <p:spTree>
-      <p:nvGrpSpPr>
-        <p:cNvPr id="1" name=""/>
-        <p:cNvGrpSpPr/>
-        <p:nvPr/>
-      </p:nvGrpSpPr>
-      <p:grpSpPr>
-        <a:xfrm>
-          <a:off x="0" y="0"/>
-          <a:ext cx="0" cy="0"/>
-          <a:chOff x="0" y="0"/>
-          <a:chExt cx="0" cy="0"/>
-        </a:xfrm>
-      </p:grpSpPr>
-      <p:sp>
-        <p:nvSpPr>
-          <p:cNvPr id="2" name="Title 1"/>
-          <p:cNvSpPr>
-            <a:spLocks noGrp="1"/>
-          </p:cNvSpPr>
-          <p:nvPr>
-            <p:ph type="title"/>
-          </p:nvPr>
-        </p:nvSpPr>
-        <p:spPr/>
-        <p:txBody>
-          <a:bodyPr/>
-          <a:lstStyle/>
-          <a:p>
-            <a:r>
-              <a:rPr lang="en-CA" dirty="0"/>
-              <a:t>Heritability</a:t>
-            </a:r>
-          </a:p>
-        </p:txBody>
-      </p:sp>
-      <p:sp>
-        <p:nvSpPr>
-          <p:cNvPr id="3" name="Content Placeholder 2"/>
-          <p:cNvSpPr>
-            <a:spLocks noGrp="1"/>
-          </p:cNvSpPr>
-          <p:nvPr>
-            <p:ph idx="1"/>
-          </p:nvPr>
-        </p:nvSpPr>
-        <p:spPr/>
-        <p:txBody>
-          <a:bodyPr/>
-          <a:lstStyle/>
-          <a:p>
-            <a:endParaRPr lang="en-CA"/>
-          </a:p>
-        </p:txBody>
-      </p:sp>
-    </p:spTree>
-    <p:extLst>
-      <p:ext uri="{BB962C8B-B14F-4D97-AF65-F5344CB8AC3E}">
-        <p14:creationId xmlns:p14="http://schemas.microsoft.com/office/powerpoint/2010/main" val="1576365748"/>
       </p:ext>
     </p:extLst>
   </p:cSld>

--- a/2016_07_14/genetic_determinants_journal_club.pptx
+++ b/2016_07_14/genetic_determinants_journal_club.pptx
@@ -5,7 +5,7 @@
     <p:sldMasterId id="2147483648" r:id="rId1"/>
   </p:sldMasterIdLst>
   <p:notesMasterIdLst>
-    <p:notesMasterId r:id="rId13"/>
+    <p:notesMasterId r:id="rId14"/>
   </p:notesMasterIdLst>
   <p:sldIdLst>
     <p:sldId id="256" r:id="rId2"/>
@@ -19,6 +19,7 @@
     <p:sldId id="263" r:id="rId10"/>
     <p:sldId id="265" r:id="rId11"/>
     <p:sldId id="266" r:id="rId12"/>
+    <p:sldId id="267" r:id="rId13"/>
   </p:sldIdLst>
   <p:sldSz cx="12192000" cy="6858000"/>
   <p:notesSz cx="6858000" cy="9144000"/>
@@ -218,7 +219,7 @@
           <a:p>
             <a:fld id="{AA5547FE-DE86-48F2-B1C9-559CBE84D72F}" type="datetimeFigureOut">
               <a:rPr lang="en-CA" smtClean="0"/>
-              <a:t>2016-07-11</a:t>
+              <a:t>2016-07-12</a:t>
             </a:fld>
             <a:endParaRPr lang="en-CA"/>
           </a:p>
@@ -532,31 +533,17 @@
           <a:p>
             <a:r>
               <a:rPr lang="en-CA" dirty="0"/>
-              <a:t>A few classic</a:t>
+              <a:t>Disclaimer: Note that I thought they did a good</a:t>
             </a:r>
             <a:r>
               <a:rPr lang="en-CA" baseline="0" dirty="0"/>
-              <a:t> problems arise from this formula and estimation of heritability.</a:t>
-            </a:r>
-          </a:p>
-          <a:p>
-            <a:pPr marL="228600" indent="-228600">
-              <a:buAutoNum type="arabicParenR"/>
-            </a:pPr>
-            <a:r>
-              <a:rPr lang="en-CA" baseline="0" dirty="0"/>
-              <a:t>A can go above 1 and below 0</a:t>
-            </a:r>
-          </a:p>
-          <a:p>
-            <a:pPr marL="228600" indent="-228600">
-              <a:buAutoNum type="arabicParenR"/>
-            </a:pPr>
-            <a:r>
-              <a:rPr lang="en-CA" baseline="0" dirty="0"/>
-              <a:t>Overestimates relatedness</a:t>
-            </a:r>
-            <a:endParaRPr lang="en-CA" dirty="0"/>
+              <a:t> job of trying to tie in a very large multifactorial data set.  A lot of work to actually accumulate </a:t>
+            </a:r>
+            <a:r>
+              <a:rPr lang="en-CA" baseline="0"/>
+              <a:t>this information.</a:t>
+            </a:r>
+            <a:endParaRPr lang="en-CA"/>
           </a:p>
         </p:txBody>
       </p:sp>
@@ -577,7 +564,7 @@
           <a:p>
             <a:fld id="{0B3F5219-0716-4DAC-A557-76DFCE5BE1DD}" type="slidenum">
               <a:rPr lang="en-CA" smtClean="0"/>
-              <a:t>5</a:t>
+              <a:t>1</a:t>
             </a:fld>
             <a:endParaRPr lang="en-CA"/>
           </a:p>
@@ -586,7 +573,7 @@
     </p:spTree>
     <p:extLst>
       <p:ext uri="{BB962C8B-B14F-4D97-AF65-F5344CB8AC3E}">
-        <p14:creationId xmlns:p14="http://schemas.microsoft.com/office/powerpoint/2010/main" val="146717270"/>
+        <p14:creationId xmlns:p14="http://schemas.microsoft.com/office/powerpoint/2010/main" val="3263269686"/>
       </p:ext>
     </p:extLst>
   </p:cSld>
@@ -640,6 +627,32 @@
           <a:bodyPr/>
           <a:lstStyle/>
           <a:p>
+            <a:r>
+              <a:rPr lang="en-CA" dirty="0"/>
+              <a:t>A few classic</a:t>
+            </a:r>
+            <a:r>
+              <a:rPr lang="en-CA" baseline="0" dirty="0"/>
+              <a:t> problems arise from this formula and estimation of heritability.</a:t>
+            </a:r>
+          </a:p>
+          <a:p>
+            <a:pPr marL="228600" indent="-228600">
+              <a:buAutoNum type="arabicParenR"/>
+            </a:pPr>
+            <a:r>
+              <a:rPr lang="en-CA" baseline="0" dirty="0"/>
+              <a:t>A can go above 1 and below 0</a:t>
+            </a:r>
+          </a:p>
+          <a:p>
+            <a:pPr marL="228600" indent="-228600">
+              <a:buAutoNum type="arabicParenR"/>
+            </a:pPr>
+            <a:r>
+              <a:rPr lang="en-CA" baseline="0" dirty="0"/>
+              <a:t>Overestimates relatedness</a:t>
+            </a:r>
             <a:endParaRPr lang="en-CA" dirty="0"/>
           </a:p>
         </p:txBody>
@@ -661,7 +674,7 @@
           <a:p>
             <a:fld id="{0B3F5219-0716-4DAC-A557-76DFCE5BE1DD}" type="slidenum">
               <a:rPr lang="en-CA" smtClean="0"/>
-              <a:t>7</a:t>
+              <a:t>5</a:t>
             </a:fld>
             <a:endParaRPr lang="en-CA"/>
           </a:p>
@@ -670,7 +683,7 @@
     </p:spTree>
     <p:extLst>
       <p:ext uri="{BB962C8B-B14F-4D97-AF65-F5344CB8AC3E}">
-        <p14:creationId xmlns:p14="http://schemas.microsoft.com/office/powerpoint/2010/main" val="308401019"/>
+        <p14:creationId xmlns:p14="http://schemas.microsoft.com/office/powerpoint/2010/main" val="146717270"/>
       </p:ext>
     </p:extLst>
   </p:cSld>
@@ -724,6 +737,90 @@
           <a:bodyPr/>
           <a:lstStyle/>
           <a:p>
+            <a:endParaRPr lang="en-CA" dirty="0"/>
+          </a:p>
+        </p:txBody>
+      </p:sp>
+      <p:sp>
+        <p:nvSpPr>
+          <p:cNvPr id="4" name="Slide Number Placeholder 3"/>
+          <p:cNvSpPr>
+            <a:spLocks noGrp="1"/>
+          </p:cNvSpPr>
+          <p:nvPr>
+            <p:ph type="sldNum" sz="quarter" idx="10"/>
+          </p:nvPr>
+        </p:nvSpPr>
+        <p:spPr/>
+        <p:txBody>
+          <a:bodyPr/>
+          <a:lstStyle/>
+          <a:p>
+            <a:fld id="{0B3F5219-0716-4DAC-A557-76DFCE5BE1DD}" type="slidenum">
+              <a:rPr lang="en-CA" smtClean="0"/>
+              <a:t>7</a:t>
+            </a:fld>
+            <a:endParaRPr lang="en-CA"/>
+          </a:p>
+        </p:txBody>
+      </p:sp>
+    </p:spTree>
+    <p:extLst>
+      <p:ext uri="{BB962C8B-B14F-4D97-AF65-F5344CB8AC3E}">
+        <p14:creationId xmlns:p14="http://schemas.microsoft.com/office/powerpoint/2010/main" val="308401019"/>
+      </p:ext>
+    </p:extLst>
+  </p:cSld>
+  <p:clrMapOvr>
+    <a:masterClrMapping/>
+  </p:clrMapOvr>
+</p:notes>
+</file>
+
+<file path=ppt/notesSlides/notesSlide4.xml><?xml version="1.0" encoding="utf-8"?>
+<p:notes xmlns:a="http://schemas.openxmlformats.org/drawingml/2006/main" xmlns:r="http://schemas.openxmlformats.org/officeDocument/2006/relationships" xmlns:p="http://schemas.openxmlformats.org/presentationml/2006/main">
+  <p:cSld>
+    <p:spTree>
+      <p:nvGrpSpPr>
+        <p:cNvPr id="1" name=""/>
+        <p:cNvGrpSpPr/>
+        <p:nvPr/>
+      </p:nvGrpSpPr>
+      <p:grpSpPr>
+        <a:xfrm>
+          <a:off x="0" y="0"/>
+          <a:ext cx="0" cy="0"/>
+          <a:chOff x="0" y="0"/>
+          <a:chExt cx="0" cy="0"/>
+        </a:xfrm>
+      </p:grpSpPr>
+      <p:sp>
+        <p:nvSpPr>
+          <p:cNvPr id="2" name="Slide Image Placeholder 1"/>
+          <p:cNvSpPr>
+            <a:spLocks noGrp="1" noRot="1" noChangeAspect="1"/>
+          </p:cNvSpPr>
+          <p:nvPr>
+            <p:ph type="sldImg"/>
+          </p:nvPr>
+        </p:nvSpPr>
+        <p:spPr/>
+      </p:sp>
+      <p:sp>
+        <p:nvSpPr>
+          <p:cNvPr id="3" name="Notes Placeholder 2"/>
+          <p:cNvSpPr>
+            <a:spLocks noGrp="1"/>
+          </p:cNvSpPr>
+          <p:nvPr>
+            <p:ph type="body" idx="1"/>
+          </p:nvPr>
+        </p:nvSpPr>
+        <p:spPr/>
+        <p:txBody>
+          <a:bodyPr/>
+          <a:lstStyle/>
+          <a:p>
             <a:r>
               <a:rPr lang="en-CA" sz="1200" b="0" i="0" kern="1200" dirty="0">
                 <a:solidFill>
@@ -917,6 +1014,190 @@
     <p:extLst>
       <p:ext uri="{BB962C8B-B14F-4D97-AF65-F5344CB8AC3E}">
         <p14:creationId xmlns:p14="http://schemas.microsoft.com/office/powerpoint/2010/main" val="2594799444"/>
+      </p:ext>
+    </p:extLst>
+  </p:cSld>
+  <p:clrMapOvr>
+    <a:masterClrMapping/>
+  </p:clrMapOvr>
+</p:notes>
+</file>
+
+<file path=ppt/notesSlides/notesSlide5.xml><?xml version="1.0" encoding="utf-8"?>
+<p:notes xmlns:a="http://schemas.openxmlformats.org/drawingml/2006/main" xmlns:r="http://schemas.openxmlformats.org/officeDocument/2006/relationships" xmlns:p="http://schemas.openxmlformats.org/presentationml/2006/main">
+  <p:cSld>
+    <p:spTree>
+      <p:nvGrpSpPr>
+        <p:cNvPr id="1" name=""/>
+        <p:cNvGrpSpPr/>
+        <p:nvPr/>
+      </p:nvGrpSpPr>
+      <p:grpSpPr>
+        <a:xfrm>
+          <a:off x="0" y="0"/>
+          <a:ext cx="0" cy="0"/>
+          <a:chOff x="0" y="0"/>
+          <a:chExt cx="0" cy="0"/>
+        </a:xfrm>
+      </p:grpSpPr>
+      <p:sp>
+        <p:nvSpPr>
+          <p:cNvPr id="2" name="Slide Image Placeholder 1"/>
+          <p:cNvSpPr>
+            <a:spLocks noGrp="1" noRot="1" noChangeAspect="1"/>
+          </p:cNvSpPr>
+          <p:nvPr>
+            <p:ph type="sldImg"/>
+          </p:nvPr>
+        </p:nvSpPr>
+        <p:spPr/>
+      </p:sp>
+      <p:sp>
+        <p:nvSpPr>
+          <p:cNvPr id="3" name="Notes Placeholder 2"/>
+          <p:cNvSpPr>
+            <a:spLocks noGrp="1"/>
+          </p:cNvSpPr>
+          <p:nvPr>
+            <p:ph type="body" idx="1"/>
+          </p:nvPr>
+        </p:nvSpPr>
+        <p:spPr/>
+        <p:txBody>
+          <a:bodyPr/>
+          <a:lstStyle/>
+          <a:p>
+            <a:r>
+              <a:rPr lang="en-CA" dirty="0"/>
+              <a:t>668 total genes,</a:t>
+            </a:r>
+            <a:r>
+              <a:rPr lang="en-CA" baseline="0" dirty="0"/>
+              <a:t> 32378 total SNPs</a:t>
+            </a:r>
+            <a:endParaRPr lang="en-CA" dirty="0"/>
+          </a:p>
+        </p:txBody>
+      </p:sp>
+      <p:sp>
+        <p:nvSpPr>
+          <p:cNvPr id="4" name="Slide Number Placeholder 3"/>
+          <p:cNvSpPr>
+            <a:spLocks noGrp="1"/>
+          </p:cNvSpPr>
+          <p:nvPr>
+            <p:ph type="sldNum" sz="quarter" idx="10"/>
+          </p:nvPr>
+        </p:nvSpPr>
+        <p:spPr/>
+        <p:txBody>
+          <a:bodyPr/>
+          <a:lstStyle/>
+          <a:p>
+            <a:fld id="{0B3F5219-0716-4DAC-A557-76DFCE5BE1DD}" type="slidenum">
+              <a:rPr lang="en-CA" smtClean="0"/>
+              <a:t>11</a:t>
+            </a:fld>
+            <a:endParaRPr lang="en-CA"/>
+          </a:p>
+        </p:txBody>
+      </p:sp>
+    </p:spTree>
+    <p:extLst>
+      <p:ext uri="{BB962C8B-B14F-4D97-AF65-F5344CB8AC3E}">
+        <p14:creationId xmlns:p14="http://schemas.microsoft.com/office/powerpoint/2010/main" val="2720027492"/>
+      </p:ext>
+    </p:extLst>
+  </p:cSld>
+  <p:clrMapOvr>
+    <a:masterClrMapping/>
+  </p:clrMapOvr>
+</p:notes>
+</file>
+
+<file path=ppt/notesSlides/notesSlide6.xml><?xml version="1.0" encoding="utf-8"?>
+<p:notes xmlns:a="http://schemas.openxmlformats.org/drawingml/2006/main" xmlns:r="http://schemas.openxmlformats.org/officeDocument/2006/relationships" xmlns:p="http://schemas.openxmlformats.org/presentationml/2006/main">
+  <p:cSld>
+    <p:spTree>
+      <p:nvGrpSpPr>
+        <p:cNvPr id="1" name=""/>
+        <p:cNvGrpSpPr/>
+        <p:nvPr/>
+      </p:nvGrpSpPr>
+      <p:grpSpPr>
+        <a:xfrm>
+          <a:off x="0" y="0"/>
+          <a:ext cx="0" cy="0"/>
+          <a:chOff x="0" y="0"/>
+          <a:chExt cx="0" cy="0"/>
+        </a:xfrm>
+      </p:grpSpPr>
+      <p:sp>
+        <p:nvSpPr>
+          <p:cNvPr id="2" name="Slide Image Placeholder 1"/>
+          <p:cNvSpPr>
+            <a:spLocks noGrp="1" noRot="1" noChangeAspect="1"/>
+          </p:cNvSpPr>
+          <p:nvPr>
+            <p:ph type="sldImg"/>
+          </p:nvPr>
+        </p:nvSpPr>
+        <p:spPr/>
+      </p:sp>
+      <p:sp>
+        <p:nvSpPr>
+          <p:cNvPr id="3" name="Notes Placeholder 2"/>
+          <p:cNvSpPr>
+            <a:spLocks noGrp="1"/>
+          </p:cNvSpPr>
+          <p:nvPr>
+            <p:ph type="body" idx="1"/>
+          </p:nvPr>
+        </p:nvSpPr>
+        <p:spPr/>
+        <p:txBody>
+          <a:bodyPr/>
+          <a:lstStyle/>
+          <a:p>
+            <a:r>
+              <a:rPr lang="en-CA" dirty="0"/>
+              <a:t>Mention that</a:t>
+            </a:r>
+            <a:r>
+              <a:rPr lang="en-CA" baseline="0" dirty="0"/>
+              <a:t> they are probably not sufficiently powered to adequately test this</a:t>
+            </a:r>
+            <a:endParaRPr lang="en-CA" dirty="0"/>
+          </a:p>
+        </p:txBody>
+      </p:sp>
+      <p:sp>
+        <p:nvSpPr>
+          <p:cNvPr id="4" name="Slide Number Placeholder 3"/>
+          <p:cNvSpPr>
+            <a:spLocks noGrp="1"/>
+          </p:cNvSpPr>
+          <p:nvPr>
+            <p:ph type="sldNum" sz="quarter" idx="10"/>
+          </p:nvPr>
+        </p:nvSpPr>
+        <p:spPr/>
+        <p:txBody>
+          <a:bodyPr/>
+          <a:lstStyle/>
+          <a:p>
+            <a:fld id="{0B3F5219-0716-4DAC-A557-76DFCE5BE1DD}" type="slidenum">
+              <a:rPr lang="en-CA" smtClean="0"/>
+              <a:t>12</a:t>
+            </a:fld>
+            <a:endParaRPr lang="en-CA"/>
+          </a:p>
+        </p:txBody>
+      </p:sp>
+    </p:spTree>
+    <p:extLst>
+      <p:ext uri="{BB962C8B-B14F-4D97-AF65-F5344CB8AC3E}">
+        <p14:creationId xmlns:p14="http://schemas.microsoft.com/office/powerpoint/2010/main" val="1946915030"/>
       </p:ext>
     </p:extLst>
   </p:cSld>
@@ -1057,7 +1338,7 @@
           <a:p>
             <a:fld id="{BDACA4CE-AD01-4161-939A-ABC192574EC2}" type="datetimeFigureOut">
               <a:rPr lang="en-CA" smtClean="0"/>
-              <a:t>2016-07-11</a:t>
+              <a:t>2016-07-12</a:t>
             </a:fld>
             <a:endParaRPr lang="en-CA"/>
           </a:p>
@@ -1227,7 +1508,7 @@
           <a:p>
             <a:fld id="{BDACA4CE-AD01-4161-939A-ABC192574EC2}" type="datetimeFigureOut">
               <a:rPr lang="en-CA" smtClean="0"/>
-              <a:t>2016-07-11</a:t>
+              <a:t>2016-07-12</a:t>
             </a:fld>
             <a:endParaRPr lang="en-CA"/>
           </a:p>
@@ -1407,7 +1688,7 @@
           <a:p>
             <a:fld id="{BDACA4CE-AD01-4161-939A-ABC192574EC2}" type="datetimeFigureOut">
               <a:rPr lang="en-CA" smtClean="0"/>
-              <a:t>2016-07-11</a:t>
+              <a:t>2016-07-12</a:t>
             </a:fld>
             <a:endParaRPr lang="en-CA"/>
           </a:p>
@@ -1577,7 +1858,7 @@
           <a:p>
             <a:fld id="{BDACA4CE-AD01-4161-939A-ABC192574EC2}" type="datetimeFigureOut">
               <a:rPr lang="en-CA" smtClean="0"/>
-              <a:t>2016-07-11</a:t>
+              <a:t>2016-07-12</a:t>
             </a:fld>
             <a:endParaRPr lang="en-CA"/>
           </a:p>
@@ -1823,7 +2104,7 @@
           <a:p>
             <a:fld id="{BDACA4CE-AD01-4161-939A-ABC192574EC2}" type="datetimeFigureOut">
               <a:rPr lang="en-CA" smtClean="0"/>
-              <a:t>2016-07-11</a:t>
+              <a:t>2016-07-12</a:t>
             </a:fld>
             <a:endParaRPr lang="en-CA"/>
           </a:p>
@@ -2055,7 +2336,7 @@
           <a:p>
             <a:fld id="{BDACA4CE-AD01-4161-939A-ABC192574EC2}" type="datetimeFigureOut">
               <a:rPr lang="en-CA" smtClean="0"/>
-              <a:t>2016-07-11</a:t>
+              <a:t>2016-07-12</a:t>
             </a:fld>
             <a:endParaRPr lang="en-CA"/>
           </a:p>
@@ -2422,7 +2703,7 @@
           <a:p>
             <a:fld id="{BDACA4CE-AD01-4161-939A-ABC192574EC2}" type="datetimeFigureOut">
               <a:rPr lang="en-CA" smtClean="0"/>
-              <a:t>2016-07-11</a:t>
+              <a:t>2016-07-12</a:t>
             </a:fld>
             <a:endParaRPr lang="en-CA"/>
           </a:p>
@@ -2540,7 +2821,7 @@
           <a:p>
             <a:fld id="{BDACA4CE-AD01-4161-939A-ABC192574EC2}" type="datetimeFigureOut">
               <a:rPr lang="en-CA" smtClean="0"/>
-              <a:t>2016-07-11</a:t>
+              <a:t>2016-07-12</a:t>
             </a:fld>
             <a:endParaRPr lang="en-CA"/>
           </a:p>
@@ -2635,7 +2916,7 @@
           <a:p>
             <a:fld id="{BDACA4CE-AD01-4161-939A-ABC192574EC2}" type="datetimeFigureOut">
               <a:rPr lang="en-CA" smtClean="0"/>
-              <a:t>2016-07-11</a:t>
+              <a:t>2016-07-12</a:t>
             </a:fld>
             <a:endParaRPr lang="en-CA"/>
           </a:p>
@@ -2912,7 +3193,7 @@
           <a:p>
             <a:fld id="{BDACA4CE-AD01-4161-939A-ABC192574EC2}" type="datetimeFigureOut">
               <a:rPr lang="en-CA" smtClean="0"/>
-              <a:t>2016-07-11</a:t>
+              <a:t>2016-07-12</a:t>
             </a:fld>
             <a:endParaRPr lang="en-CA"/>
           </a:p>
@@ -3165,7 +3446,7 @@
           <a:p>
             <a:fld id="{BDACA4CE-AD01-4161-939A-ABC192574EC2}" type="datetimeFigureOut">
               <a:rPr lang="en-CA" smtClean="0"/>
-              <a:t>2016-07-11</a:t>
+              <a:t>2016-07-12</a:t>
             </a:fld>
             <a:endParaRPr lang="en-CA"/>
           </a:p>
@@ -3378,7 +3659,7 @@
           <a:p>
             <a:fld id="{BDACA4CE-AD01-4161-939A-ABC192574EC2}" type="datetimeFigureOut">
               <a:rPr lang="en-CA" smtClean="0"/>
-              <a:t>2016-07-11</a:t>
+              <a:t>2016-07-12</a:t>
             </a:fld>
             <a:endParaRPr lang="en-CA"/>
           </a:p>
@@ -3799,7 +4080,7 @@
           <a:lstStyle/>
           <a:p>
             <a:r>
-              <a:rPr lang="en-CA" dirty="0"/>
+              <a:rPr lang="en-CA" b="1" dirty="0"/>
               <a:t>Schloss Journal Club </a:t>
             </a:r>
           </a:p>
@@ -3893,7 +4174,7 @@
           <a:lstStyle/>
           <a:p>
             <a:r>
-              <a:rPr lang="en-CA" dirty="0"/>
+              <a:rPr lang="en-CA" b="1" dirty="0"/>
               <a:t>Heritability: Stability and Diversity </a:t>
             </a:r>
           </a:p>
@@ -3992,13 +4273,64 @@
           <a:bodyPr/>
           <a:lstStyle/>
           <a:p>
-            <a:endParaRPr lang="en-CA"/>
-          </a:p>
-        </p:txBody>
-      </p:sp>
-      <p:sp>
-        <p:nvSpPr>
-          <p:cNvPr id="3" name="Content Placeholder 2"/>
+            <a:r>
+              <a:rPr lang="en-CA" b="1" dirty="0"/>
+              <a:t>Gene, SNPs, and Heritable Taxa</a:t>
+            </a:r>
+          </a:p>
+        </p:txBody>
+      </p:sp>
+      <p:pic>
+        <p:nvPicPr>
+          <p:cNvPr id="4" name="Picture 3"/>
+          <p:cNvPicPr>
+            <a:picLocks noChangeAspect="1"/>
+          </p:cNvPicPr>
+          <p:nvPr/>
+        </p:nvPicPr>
+        <p:blipFill>
+          <a:blip r:embed="rId3"/>
+          <a:stretch>
+            <a:fillRect/>
+          </a:stretch>
+        </p:blipFill>
+        <p:spPr>
+          <a:xfrm>
+            <a:off x="238540" y="1821476"/>
+            <a:ext cx="7335078" cy="4869293"/>
+          </a:xfrm>
+          <a:prstGeom prst="rect">
+            <a:avLst/>
+          </a:prstGeom>
+        </p:spPr>
+      </p:pic>
+      <p:pic>
+        <p:nvPicPr>
+          <p:cNvPr id="5" name="Picture 4"/>
+          <p:cNvPicPr>
+            <a:picLocks noChangeAspect="1"/>
+          </p:cNvPicPr>
+          <p:nvPr/>
+        </p:nvPicPr>
+        <p:blipFill>
+          <a:blip r:embed="rId4"/>
+          <a:stretch>
+            <a:fillRect/>
+          </a:stretch>
+        </p:blipFill>
+        <p:spPr>
+          <a:xfrm rot="5400000">
+            <a:off x="3304766" y="2633966"/>
+            <a:ext cx="1141488" cy="7227067"/>
+          </a:xfrm>
+          <a:prstGeom prst="rect">
+            <a:avLst/>
+          </a:prstGeom>
+        </p:spPr>
+      </p:pic>
+      <p:sp>
+        <p:nvSpPr>
+          <p:cNvPr id="6" name="Content Placeholder 2"/>
           <p:cNvSpPr>
             <a:spLocks noGrp="1"/>
           </p:cNvSpPr>
@@ -4006,12 +4338,35 @@
             <p:ph idx="1"/>
           </p:nvPr>
         </p:nvSpPr>
-        <p:spPr/>
-        <p:txBody>
-          <a:bodyPr/>
-          <a:lstStyle/>
-          <a:p>
-            <a:endParaRPr lang="en-CA"/>
+        <p:spPr>
+          <a:xfrm>
+            <a:off x="7861852" y="1461052"/>
+            <a:ext cx="3491948" cy="5188226"/>
+          </a:xfrm>
+        </p:spPr>
+        <p:txBody>
+          <a:bodyPr>
+            <a:normAutofit fontScale="85000" lnSpcReduction="20000"/>
+          </a:bodyPr>
+          <a:lstStyle/>
+          <a:p>
+            <a:r>
+              <a:rPr lang="en-CA" dirty="0"/>
+              <a:t>Choose 20 taxa with heritability &gt; 0.20 (all from figure 1)</a:t>
+            </a:r>
+          </a:p>
+          <a:p>
+            <a:r>
+              <a:rPr lang="en-CA" dirty="0"/>
+              <a:t>Significance for trait determined by taking lowest p-value and comparing it to 1000 p-values of the taxa residuals</a:t>
+            </a:r>
+          </a:p>
+          <a:p>
+            <a:pPr lvl="1"/>
+            <a:r>
+              <a:rPr lang="en-CA" dirty="0"/>
+              <a:t>If there were 3 tests done for a group (p-values = 0.05, 0.000001, and 0.4) the lowest of the three would then be compared to the distribution of the 1000 p-values of the taxa residuals. This would determine if the trait was significant or not.</a:t>
+            </a:r>
           </a:p>
         </p:txBody>
       </p:sp>
@@ -4019,6 +4374,224 @@
     <p:extLst>
       <p:ext uri="{BB962C8B-B14F-4D97-AF65-F5344CB8AC3E}">
         <p14:creationId xmlns:p14="http://schemas.microsoft.com/office/powerpoint/2010/main" val="2430525223"/>
+      </p:ext>
+    </p:extLst>
+  </p:cSld>
+  <p:clrMapOvr>
+    <a:masterClrMapping/>
+  </p:clrMapOvr>
+  <p:timing>
+    <p:tnLst>
+      <p:par>
+        <p:cTn id="1" dur="indefinite" restart="never" nodeType="tmRoot">
+          <p:childTnLst>
+            <p:seq concurrent="1" nextAc="seek">
+              <p:cTn id="2" dur="indefinite" nodeType="mainSeq">
+                <p:childTnLst>
+                  <p:par>
+                    <p:cTn id="3" fill="hold">
+                      <p:stCondLst>
+                        <p:cond delay="indefinite"/>
+                      </p:stCondLst>
+                      <p:childTnLst>
+                        <p:par>
+                          <p:cTn id="4" fill="hold">
+                            <p:stCondLst>
+                              <p:cond delay="0"/>
+                            </p:stCondLst>
+                            <p:childTnLst>
+                              <p:par>
+                                <p:cTn id="5" presetID="10" presetClass="entr" presetSubtype="0" fill="hold" nodeType="clickEffect">
+                                  <p:stCondLst>
+                                    <p:cond delay="0"/>
+                                  </p:stCondLst>
+                                  <p:childTnLst>
+                                    <p:set>
+                                      <p:cBhvr>
+                                        <p:cTn id="6" dur="1" fill="hold">
+                                          <p:stCondLst>
+                                            <p:cond delay="0"/>
+                                          </p:stCondLst>
+                                        </p:cTn>
+                                        <p:tgtEl>
+                                          <p:spTgt spid="5"/>
+                                        </p:tgtEl>
+                                        <p:attrNameLst>
+                                          <p:attrName>style.visibility</p:attrName>
+                                        </p:attrNameLst>
+                                      </p:cBhvr>
+                                      <p:to>
+                                        <p:strVal val="visible"/>
+                                      </p:to>
+                                    </p:set>
+                                    <p:animEffect transition="in" filter="fade">
+                                      <p:cBhvr>
+                                        <p:cTn id="7" dur="500"/>
+                                        <p:tgtEl>
+                                          <p:spTgt spid="5"/>
+                                        </p:tgtEl>
+                                      </p:cBhvr>
+                                    </p:animEffect>
+                                  </p:childTnLst>
+                                </p:cTn>
+                              </p:par>
+                            </p:childTnLst>
+                          </p:cTn>
+                        </p:par>
+                      </p:childTnLst>
+                    </p:cTn>
+                  </p:par>
+                </p:childTnLst>
+              </p:cTn>
+              <p:prevCondLst>
+                <p:cond evt="onPrev" delay="0">
+                  <p:tgtEl>
+                    <p:sldTgt/>
+                  </p:tgtEl>
+                </p:cond>
+              </p:prevCondLst>
+              <p:nextCondLst>
+                <p:cond evt="onNext" delay="0">
+                  <p:tgtEl>
+                    <p:sldTgt/>
+                  </p:tgtEl>
+                </p:cond>
+              </p:nextCondLst>
+            </p:seq>
+          </p:childTnLst>
+        </p:cTn>
+      </p:par>
+    </p:tnLst>
+  </p:timing>
+</p:sld>
+</file>
+
+<file path=ppt/slides/slide12.xml><?xml version="1.0" encoding="utf-8"?>
+<p:sld xmlns:a="http://schemas.openxmlformats.org/drawingml/2006/main" xmlns:r="http://schemas.openxmlformats.org/officeDocument/2006/relationships" xmlns:p="http://schemas.openxmlformats.org/presentationml/2006/main">
+  <p:cSld>
+    <p:spTree>
+      <p:nvGrpSpPr>
+        <p:cNvPr id="1" name=""/>
+        <p:cNvGrpSpPr/>
+        <p:nvPr/>
+      </p:nvGrpSpPr>
+      <p:grpSpPr>
+        <a:xfrm>
+          <a:off x="0" y="0"/>
+          <a:ext cx="0" cy="0"/>
+          <a:chOff x="0" y="0"/>
+          <a:chExt cx="0" cy="0"/>
+        </a:xfrm>
+      </p:grpSpPr>
+      <p:sp>
+        <p:nvSpPr>
+          <p:cNvPr id="2" name="Title 1"/>
+          <p:cNvSpPr>
+            <a:spLocks noGrp="1"/>
+          </p:cNvSpPr>
+          <p:nvPr>
+            <p:ph type="title"/>
+          </p:nvPr>
+        </p:nvSpPr>
+        <p:spPr/>
+        <p:txBody>
+          <a:bodyPr/>
+          <a:lstStyle/>
+          <a:p>
+            <a:r>
+              <a:rPr lang="en-CA" b="1" dirty="0"/>
+              <a:t>GWAS and Microbiome Part 1</a:t>
+            </a:r>
+          </a:p>
+        </p:txBody>
+      </p:sp>
+      <p:sp>
+        <p:nvSpPr>
+          <p:cNvPr id="3" name="Content Placeholder 2"/>
+          <p:cNvSpPr>
+            <a:spLocks noGrp="1"/>
+          </p:cNvSpPr>
+          <p:nvPr>
+            <p:ph idx="1"/>
+          </p:nvPr>
+        </p:nvSpPr>
+        <p:spPr>
+          <a:xfrm>
+            <a:off x="838200" y="1428060"/>
+            <a:ext cx="10515600" cy="4351338"/>
+          </a:xfrm>
+        </p:spPr>
+        <p:txBody>
+          <a:bodyPr/>
+          <a:lstStyle/>
+          <a:p>
+            <a:r>
+              <a:rPr lang="en-CA" dirty="0"/>
+              <a:t>Tested all SNPs (1,300,091) against the 20 heritable taxa identified</a:t>
+            </a:r>
+          </a:p>
+          <a:p>
+            <a:pPr lvl="1"/>
+            <a:r>
+              <a:rPr lang="en-CA" dirty="0"/>
+              <a:t>Found no associations that that achieved study wide significance (FDR &lt; 0.2)</a:t>
+            </a:r>
+          </a:p>
+          <a:p>
+            <a:pPr lvl="1"/>
+            <a:r>
+              <a:rPr lang="en-CA" dirty="0"/>
+              <a:t>Potential correlation between Bifidobacterium and SNPs in genes involved with lactase persistence</a:t>
+            </a:r>
+          </a:p>
+          <a:p>
+            <a:pPr lvl="2"/>
+            <a:r>
+              <a:rPr lang="en-CA" dirty="0"/>
+              <a:t>Used Hutterite data set to try and validate this finding (Davenport, 2015)</a:t>
+            </a:r>
+          </a:p>
+          <a:p>
+            <a:pPr lvl="3"/>
+            <a:r>
+              <a:rPr lang="en-CA" dirty="0"/>
+              <a:t>Used custom algorithm to impute genotypes 98 individuals to 1,317 (&gt;99% accurate in test cases)</a:t>
+            </a:r>
+          </a:p>
+          <a:p>
+            <a:pPr lvl="3"/>
+            <a:endParaRPr lang="en-CA" dirty="0"/>
+          </a:p>
+        </p:txBody>
+      </p:sp>
+      <p:pic>
+        <p:nvPicPr>
+          <p:cNvPr id="4" name="Picture 3"/>
+          <p:cNvPicPr>
+            <a:picLocks noChangeAspect="1"/>
+          </p:cNvPicPr>
+          <p:nvPr/>
+        </p:nvPicPr>
+        <p:blipFill>
+          <a:blip r:embed="rId3"/>
+          <a:stretch>
+            <a:fillRect/>
+          </a:stretch>
+        </p:blipFill>
+        <p:spPr>
+          <a:xfrm>
+            <a:off x="2146167" y="4018147"/>
+            <a:ext cx="8257469" cy="2770278"/>
+          </a:xfrm>
+          <a:prstGeom prst="rect">
+            <a:avLst/>
+          </a:prstGeom>
+        </p:spPr>
+      </p:pic>
+    </p:spTree>
+    <p:extLst>
+      <p:ext uri="{BB962C8B-B14F-4D97-AF65-F5344CB8AC3E}">
+        <p14:creationId xmlns:p14="http://schemas.microsoft.com/office/powerpoint/2010/main" val="3605521929"/>
       </p:ext>
     </p:extLst>
   </p:cSld>
@@ -4061,7 +4634,7 @@
           <a:lstStyle/>
           <a:p>
             <a:r>
-              <a:rPr lang="en-CA" dirty="0"/>
+              <a:rPr lang="en-CA" b="1" dirty="0"/>
               <a:t>Introduction</a:t>
             </a:r>
           </a:p>
@@ -5351,7 +5924,7 @@
           <a:lstStyle/>
           <a:p>
             <a:r>
-              <a:rPr lang="en-CA" dirty="0"/>
+              <a:rPr lang="en-CA" b="1" dirty="0"/>
               <a:t>Introduction</a:t>
             </a:r>
           </a:p>
@@ -5677,7 +6250,7 @@
           <a:lstStyle/>
           <a:p>
             <a:r>
-              <a:rPr lang="en-CA" dirty="0"/>
+              <a:rPr lang="en-CA" b="1" dirty="0"/>
               <a:t>Introduction</a:t>
             </a:r>
           </a:p>
@@ -5695,12 +6268,14 @@
         </p:nvSpPr>
         <p:spPr>
           <a:xfrm>
-            <a:off x="4754880" y="3023489"/>
-            <a:ext cx="6480048" cy="2261743"/>
+            <a:off x="6252550" y="2298128"/>
+            <a:ext cx="5240014" cy="3236398"/>
           </a:xfrm>
         </p:spPr>
         <p:txBody>
-          <a:bodyPr/>
+          <a:bodyPr>
+            <a:normAutofit/>
+          </a:bodyPr>
           <a:lstStyle/>
           <a:p>
             <a:r>
@@ -5785,8 +6360,80 @@
         </p:blipFill>
         <p:spPr>
           <a:xfrm>
-            <a:off x="369504" y="1704642"/>
-            <a:ext cx="4318890" cy="709374"/>
+            <a:off x="186624" y="1671588"/>
+            <a:ext cx="4520130" cy="742427"/>
+          </a:xfrm>
+          <a:prstGeom prst="rect">
+            <a:avLst/>
+          </a:prstGeom>
+        </p:spPr>
+      </p:pic>
+      <p:pic>
+        <p:nvPicPr>
+          <p:cNvPr id="5" name="Picture 4"/>
+          <p:cNvPicPr>
+            <a:picLocks noChangeAspect="1"/>
+          </p:cNvPicPr>
+          <p:nvPr/>
+        </p:nvPicPr>
+        <p:blipFill>
+          <a:blip r:embed="rId4"/>
+          <a:stretch>
+            <a:fillRect/>
+          </a:stretch>
+        </p:blipFill>
+        <p:spPr>
+          <a:xfrm>
+            <a:off x="4616274" y="2314007"/>
+            <a:ext cx="1265298" cy="1114993"/>
+          </a:xfrm>
+          <a:prstGeom prst="rect">
+            <a:avLst/>
+          </a:prstGeom>
+        </p:spPr>
+      </p:pic>
+      <p:pic>
+        <p:nvPicPr>
+          <p:cNvPr id="6" name="Picture 5"/>
+          <p:cNvPicPr>
+            <a:picLocks noChangeAspect="1"/>
+          </p:cNvPicPr>
+          <p:nvPr/>
+        </p:nvPicPr>
+        <p:blipFill>
+          <a:blip r:embed="rId5"/>
+          <a:stretch>
+            <a:fillRect/>
+          </a:stretch>
+        </p:blipFill>
+        <p:spPr>
+          <a:xfrm>
+            <a:off x="6252993" y="5776246"/>
+            <a:ext cx="2648086" cy="793791"/>
+          </a:xfrm>
+          <a:prstGeom prst="rect">
+            <a:avLst/>
+          </a:prstGeom>
+        </p:spPr>
+      </p:pic>
+      <p:pic>
+        <p:nvPicPr>
+          <p:cNvPr id="7" name="Picture 6"/>
+          <p:cNvPicPr>
+            <a:picLocks noChangeAspect="1"/>
+          </p:cNvPicPr>
+          <p:nvPr/>
+        </p:nvPicPr>
+        <p:blipFill>
+          <a:blip r:embed="rId6"/>
+          <a:stretch>
+            <a:fillRect/>
+          </a:stretch>
+        </p:blipFill>
+        <p:spPr>
+          <a:xfrm>
+            <a:off x="4391700" y="3524763"/>
+            <a:ext cx="1784442" cy="3016405"/>
           </a:xfrm>
           <a:prstGeom prst="rect">
             <a:avLst/>
@@ -5803,6 +6450,345 @@
   <p:clrMapOvr>
     <a:masterClrMapping/>
   </p:clrMapOvr>
+  <p:timing>
+    <p:tnLst>
+      <p:par>
+        <p:cTn id="1" dur="indefinite" restart="never" nodeType="tmRoot">
+          <p:childTnLst>
+            <p:seq concurrent="1" nextAc="seek">
+              <p:cTn id="2" dur="indefinite" nodeType="mainSeq">
+                <p:childTnLst>
+                  <p:par>
+                    <p:cTn id="3" fill="hold">
+                      <p:stCondLst>
+                        <p:cond delay="indefinite"/>
+                      </p:stCondLst>
+                      <p:childTnLst>
+                        <p:par>
+                          <p:cTn id="4" fill="hold">
+                            <p:stCondLst>
+                              <p:cond delay="0"/>
+                            </p:stCondLst>
+                            <p:childTnLst>
+                              <p:par>
+                                <p:cTn id="5" presetID="10" presetClass="entr" presetSubtype="0" fill="hold" nodeType="clickEffect">
+                                  <p:stCondLst>
+                                    <p:cond delay="0"/>
+                                  </p:stCondLst>
+                                  <p:childTnLst>
+                                    <p:set>
+                                      <p:cBhvr>
+                                        <p:cTn id="6" dur="1" fill="hold">
+                                          <p:stCondLst>
+                                            <p:cond delay="0"/>
+                                          </p:stCondLst>
+                                        </p:cTn>
+                                        <p:tgtEl>
+                                          <p:spTgt spid="5"/>
+                                        </p:tgtEl>
+                                        <p:attrNameLst>
+                                          <p:attrName>style.visibility</p:attrName>
+                                        </p:attrNameLst>
+                                      </p:cBhvr>
+                                      <p:to>
+                                        <p:strVal val="visible"/>
+                                      </p:to>
+                                    </p:set>
+                                    <p:animEffect transition="in" filter="fade">
+                                      <p:cBhvr>
+                                        <p:cTn id="7" dur="500"/>
+                                        <p:tgtEl>
+                                          <p:spTgt spid="5"/>
+                                        </p:tgtEl>
+                                      </p:cBhvr>
+                                    </p:animEffect>
+                                  </p:childTnLst>
+                                </p:cTn>
+                              </p:par>
+                              <p:par>
+                                <p:cTn id="8" presetID="10" presetClass="entr" presetSubtype="0" fill="hold" nodeType="withEffect">
+                                  <p:stCondLst>
+                                    <p:cond delay="0"/>
+                                  </p:stCondLst>
+                                  <p:childTnLst>
+                                    <p:set>
+                                      <p:cBhvr>
+                                        <p:cTn id="9" dur="1" fill="hold">
+                                          <p:stCondLst>
+                                            <p:cond delay="0"/>
+                                          </p:stCondLst>
+                                        </p:cTn>
+                                        <p:tgtEl>
+                                          <p:spTgt spid="7"/>
+                                        </p:tgtEl>
+                                        <p:attrNameLst>
+                                          <p:attrName>style.visibility</p:attrName>
+                                        </p:attrNameLst>
+                                      </p:cBhvr>
+                                      <p:to>
+                                        <p:strVal val="visible"/>
+                                      </p:to>
+                                    </p:set>
+                                    <p:animEffect transition="in" filter="fade">
+                                      <p:cBhvr>
+                                        <p:cTn id="10" dur="500"/>
+                                        <p:tgtEl>
+                                          <p:spTgt spid="7"/>
+                                        </p:tgtEl>
+                                      </p:cBhvr>
+                                    </p:animEffect>
+                                  </p:childTnLst>
+                                </p:cTn>
+                              </p:par>
+                              <p:par>
+                                <p:cTn id="11" presetID="10" presetClass="entr" presetSubtype="0" fill="hold" nodeType="withEffect">
+                                  <p:stCondLst>
+                                    <p:cond delay="0"/>
+                                  </p:stCondLst>
+                                  <p:childTnLst>
+                                    <p:set>
+                                      <p:cBhvr>
+                                        <p:cTn id="12" dur="1" fill="hold">
+                                          <p:stCondLst>
+                                            <p:cond delay="0"/>
+                                          </p:stCondLst>
+                                        </p:cTn>
+                                        <p:tgtEl>
+                                          <p:spTgt spid="6"/>
+                                        </p:tgtEl>
+                                        <p:attrNameLst>
+                                          <p:attrName>style.visibility</p:attrName>
+                                        </p:attrNameLst>
+                                      </p:cBhvr>
+                                      <p:to>
+                                        <p:strVal val="visible"/>
+                                      </p:to>
+                                    </p:set>
+                                    <p:animEffect transition="in" filter="fade">
+                                      <p:cBhvr>
+                                        <p:cTn id="13" dur="500"/>
+                                        <p:tgtEl>
+                                          <p:spTgt spid="6"/>
+                                        </p:tgtEl>
+                                      </p:cBhvr>
+                                    </p:animEffect>
+                                  </p:childTnLst>
+                                </p:cTn>
+                              </p:par>
+                            </p:childTnLst>
+                          </p:cTn>
+                        </p:par>
+                      </p:childTnLst>
+                    </p:cTn>
+                  </p:par>
+                  <p:par>
+                    <p:cTn id="14" fill="hold">
+                      <p:stCondLst>
+                        <p:cond delay="indefinite"/>
+                      </p:stCondLst>
+                      <p:childTnLst>
+                        <p:par>
+                          <p:cTn id="15" fill="hold">
+                            <p:stCondLst>
+                              <p:cond delay="0"/>
+                            </p:stCondLst>
+                            <p:childTnLst>
+                              <p:par>
+                                <p:cTn id="16" presetID="10" presetClass="entr" presetSubtype="0" fill="hold" grpId="0" nodeType="clickEffect">
+                                  <p:stCondLst>
+                                    <p:cond delay="0"/>
+                                  </p:stCondLst>
+                                  <p:childTnLst>
+                                    <p:set>
+                                      <p:cBhvr>
+                                        <p:cTn id="17" dur="1" fill="hold">
+                                          <p:stCondLst>
+                                            <p:cond delay="0"/>
+                                          </p:stCondLst>
+                                        </p:cTn>
+                                        <p:tgtEl>
+                                          <p:spTgt spid="3">
+                                            <p:txEl>
+                                              <p:pRg st="0" end="0"/>
+                                            </p:txEl>
+                                          </p:spTgt>
+                                        </p:tgtEl>
+                                        <p:attrNameLst>
+                                          <p:attrName>style.visibility</p:attrName>
+                                        </p:attrNameLst>
+                                      </p:cBhvr>
+                                      <p:to>
+                                        <p:strVal val="visible"/>
+                                      </p:to>
+                                    </p:set>
+                                    <p:animEffect transition="in" filter="fade">
+                                      <p:cBhvr>
+                                        <p:cTn id="18" dur="500"/>
+                                        <p:tgtEl>
+                                          <p:spTgt spid="3">
+                                            <p:txEl>
+                                              <p:pRg st="0" end="0"/>
+                                            </p:txEl>
+                                          </p:spTgt>
+                                        </p:tgtEl>
+                                      </p:cBhvr>
+                                    </p:animEffect>
+                                  </p:childTnLst>
+                                </p:cTn>
+                              </p:par>
+                            </p:childTnLst>
+                          </p:cTn>
+                        </p:par>
+                      </p:childTnLst>
+                    </p:cTn>
+                  </p:par>
+                  <p:par>
+                    <p:cTn id="19" fill="hold">
+                      <p:stCondLst>
+                        <p:cond delay="indefinite"/>
+                      </p:stCondLst>
+                      <p:childTnLst>
+                        <p:par>
+                          <p:cTn id="20" fill="hold">
+                            <p:stCondLst>
+                              <p:cond delay="0"/>
+                            </p:stCondLst>
+                            <p:childTnLst>
+                              <p:par>
+                                <p:cTn id="21" presetID="10" presetClass="entr" presetSubtype="0" fill="hold" grpId="0" nodeType="clickEffect">
+                                  <p:stCondLst>
+                                    <p:cond delay="0"/>
+                                  </p:stCondLst>
+                                  <p:childTnLst>
+                                    <p:set>
+                                      <p:cBhvr>
+                                        <p:cTn id="22" dur="1" fill="hold">
+                                          <p:stCondLst>
+                                            <p:cond delay="0"/>
+                                          </p:stCondLst>
+                                        </p:cTn>
+                                        <p:tgtEl>
+                                          <p:spTgt spid="3">
+                                            <p:txEl>
+                                              <p:pRg st="1" end="1"/>
+                                            </p:txEl>
+                                          </p:spTgt>
+                                        </p:tgtEl>
+                                        <p:attrNameLst>
+                                          <p:attrName>style.visibility</p:attrName>
+                                        </p:attrNameLst>
+                                      </p:cBhvr>
+                                      <p:to>
+                                        <p:strVal val="visible"/>
+                                      </p:to>
+                                    </p:set>
+                                    <p:animEffect transition="in" filter="fade">
+                                      <p:cBhvr>
+                                        <p:cTn id="23" dur="500"/>
+                                        <p:tgtEl>
+                                          <p:spTgt spid="3">
+                                            <p:txEl>
+                                              <p:pRg st="1" end="1"/>
+                                            </p:txEl>
+                                          </p:spTgt>
+                                        </p:tgtEl>
+                                      </p:cBhvr>
+                                    </p:animEffect>
+                                  </p:childTnLst>
+                                </p:cTn>
+                              </p:par>
+                            </p:childTnLst>
+                          </p:cTn>
+                        </p:par>
+                      </p:childTnLst>
+                    </p:cTn>
+                  </p:par>
+                  <p:par>
+                    <p:cTn id="24" fill="hold">
+                      <p:stCondLst>
+                        <p:cond delay="indefinite"/>
+                      </p:stCondLst>
+                      <p:childTnLst>
+                        <p:par>
+                          <p:cTn id="25" fill="hold">
+                            <p:stCondLst>
+                              <p:cond delay="0"/>
+                            </p:stCondLst>
+                            <p:childTnLst>
+                              <p:par>
+                                <p:cTn id="26" presetID="10" presetClass="entr" presetSubtype="0" fill="hold" grpId="0" nodeType="clickEffect">
+                                  <p:stCondLst>
+                                    <p:cond delay="0"/>
+                                  </p:stCondLst>
+                                  <p:childTnLst>
+                                    <p:set>
+                                      <p:cBhvr>
+                                        <p:cTn id="27" dur="1" fill="hold">
+                                          <p:stCondLst>
+                                            <p:cond delay="0"/>
+                                          </p:stCondLst>
+                                        </p:cTn>
+                                        <p:tgtEl>
+                                          <p:spTgt spid="3">
+                                            <p:txEl>
+                                              <p:pRg st="2" end="2"/>
+                                            </p:txEl>
+                                          </p:spTgt>
+                                        </p:tgtEl>
+                                        <p:attrNameLst>
+                                          <p:attrName>style.visibility</p:attrName>
+                                        </p:attrNameLst>
+                                      </p:cBhvr>
+                                      <p:to>
+                                        <p:strVal val="visible"/>
+                                      </p:to>
+                                    </p:set>
+                                    <p:animEffect transition="in" filter="fade">
+                                      <p:cBhvr>
+                                        <p:cTn id="28" dur="500"/>
+                                        <p:tgtEl>
+                                          <p:spTgt spid="3">
+                                            <p:txEl>
+                                              <p:pRg st="2" end="2"/>
+                                            </p:txEl>
+                                          </p:spTgt>
+                                        </p:tgtEl>
+                                      </p:cBhvr>
+                                    </p:animEffect>
+                                  </p:childTnLst>
+                                </p:cTn>
+                              </p:par>
+                            </p:childTnLst>
+                          </p:cTn>
+                        </p:par>
+                      </p:childTnLst>
+                    </p:cTn>
+                  </p:par>
+                </p:childTnLst>
+              </p:cTn>
+              <p:prevCondLst>
+                <p:cond evt="onPrev" delay="0">
+                  <p:tgtEl>
+                    <p:sldTgt/>
+                  </p:tgtEl>
+                </p:cond>
+              </p:prevCondLst>
+              <p:nextCondLst>
+                <p:cond evt="onNext" delay="0">
+                  <p:tgtEl>
+                    <p:sldTgt/>
+                  </p:tgtEl>
+                </p:cond>
+              </p:nextCondLst>
+            </p:seq>
+          </p:childTnLst>
+        </p:cTn>
+      </p:par>
+    </p:tnLst>
+    <p:bldLst>
+      <p:bldP spid="3" grpId="0" uiExpand="1" build="p"/>
+    </p:bldLst>
+  </p:timing>
 </p:sld>
 </file>
 
@@ -5839,7 +6825,7 @@
           <a:lstStyle/>
           <a:p>
             <a:r>
-              <a:rPr lang="en-CA" dirty="0"/>
+              <a:rPr lang="en-CA" b="1" dirty="0"/>
               <a:t>Heritability Calculations</a:t>
             </a:r>
           </a:p>
@@ -6120,7 +7106,7 @@
           <a:lstStyle/>
           <a:p>
             <a:r>
-              <a:rPr lang="en-CA" dirty="0"/>
+              <a:rPr lang="en-CA" b="1" dirty="0"/>
               <a:t>OTU Heritability and Replication</a:t>
             </a:r>
           </a:p>
@@ -6376,7 +7362,7 @@
           <a:lstStyle/>
           <a:p>
             <a:r>
-              <a:rPr lang="en-CA" dirty="0"/>
+              <a:rPr lang="en-CA" b="1" dirty="0"/>
               <a:t>OTU Heritability and Replication</a:t>
             </a:r>
           </a:p>
@@ -6729,16 +7715,8 @@
           <a:lstStyle/>
           <a:p>
             <a:r>
-              <a:rPr lang="en-CA" dirty="0"/>
-              <a:t>OTU </a:t>
-            </a:r>
-            <a:r>
-              <a:rPr lang="en-CA"/>
-              <a:t>Heritability and </a:t>
-            </a:r>
-            <a:r>
-              <a:rPr lang="en-CA" dirty="0"/>
-              <a:t>Replication</a:t>
+              <a:rPr lang="en-CA" b="1" dirty="0"/>
+              <a:t>OTU Heritability and Replication</a:t>
             </a:r>
           </a:p>
         </p:txBody>
@@ -6960,7 +7938,7 @@
           <a:lstStyle/>
           <a:p>
             <a:r>
-              <a:rPr lang="en-CA" dirty="0"/>
+              <a:rPr lang="en-CA" b="1" dirty="0"/>
               <a:t>Correlation between Heritable bacteria and Alpha and Beta Diversity</a:t>
             </a:r>
           </a:p>

--- a/2016_07_14/genetic_determinants_journal_club.pptx
+++ b/2016_07_14/genetic_determinants_journal_club.pptx
@@ -5,7 +5,7 @@
     <p:sldMasterId id="2147483648" r:id="rId1"/>
   </p:sldMasterIdLst>
   <p:notesMasterIdLst>
-    <p:notesMasterId r:id="rId14"/>
+    <p:notesMasterId r:id="rId20"/>
   </p:notesMasterIdLst>
   <p:sldIdLst>
     <p:sldId id="256" r:id="rId2"/>
@@ -20,6 +20,12 @@
     <p:sldId id="265" r:id="rId11"/>
     <p:sldId id="266" r:id="rId12"/>
     <p:sldId id="267" r:id="rId13"/>
+    <p:sldId id="268" r:id="rId14"/>
+    <p:sldId id="270" r:id="rId15"/>
+    <p:sldId id="271" r:id="rId16"/>
+    <p:sldId id="272" r:id="rId17"/>
+    <p:sldId id="269" r:id="rId18"/>
+    <p:sldId id="273" r:id="rId19"/>
   </p:sldIdLst>
   <p:sldSz cx="12192000" cy="6858000"/>
   <p:notesSz cx="6858000" cy="9144000"/>
@@ -219,7 +225,7 @@
           <a:p>
             <a:fld id="{AA5547FE-DE86-48F2-B1C9-559CBE84D72F}" type="datetimeFigureOut">
               <a:rPr lang="en-CA" smtClean="0"/>
-              <a:t>2016-07-12</a:t>
+              <a:t>2016-07-13</a:t>
             </a:fld>
             <a:endParaRPr lang="en-CA"/>
           </a:p>
@@ -1207,6 +1213,216 @@
 </p:notes>
 </file>
 
+<file path=ppt/notesSlides/notesSlide7.xml><?xml version="1.0" encoding="utf-8"?>
+<p:notes xmlns:a="http://schemas.openxmlformats.org/drawingml/2006/main" xmlns:r="http://schemas.openxmlformats.org/officeDocument/2006/relationships" xmlns:p="http://schemas.openxmlformats.org/presentationml/2006/main">
+  <p:cSld>
+    <p:spTree>
+      <p:nvGrpSpPr>
+        <p:cNvPr id="1" name=""/>
+        <p:cNvGrpSpPr/>
+        <p:nvPr/>
+      </p:nvGrpSpPr>
+      <p:grpSpPr>
+        <a:xfrm>
+          <a:off x="0" y="0"/>
+          <a:ext cx="0" cy="0"/>
+          <a:chOff x="0" y="0"/>
+          <a:chExt cx="0" cy="0"/>
+        </a:xfrm>
+      </p:grpSpPr>
+      <p:sp>
+        <p:nvSpPr>
+          <p:cNvPr id="2" name="Slide Image Placeholder 1"/>
+          <p:cNvSpPr>
+            <a:spLocks noGrp="1" noRot="1" noChangeAspect="1"/>
+          </p:cNvSpPr>
+          <p:nvPr>
+            <p:ph type="sldImg"/>
+          </p:nvPr>
+        </p:nvSpPr>
+        <p:spPr/>
+      </p:sp>
+      <p:sp>
+        <p:nvSpPr>
+          <p:cNvPr id="3" name="Notes Placeholder 2"/>
+          <p:cNvSpPr>
+            <a:spLocks noGrp="1"/>
+          </p:cNvSpPr>
+          <p:nvPr>
+            <p:ph type="body" idx="1"/>
+          </p:nvPr>
+        </p:nvSpPr>
+        <p:spPr/>
+        <p:txBody>
+          <a:bodyPr/>
+          <a:lstStyle/>
+          <a:p>
+            <a:r>
+              <a:rPr lang="en-CA" dirty="0"/>
+              <a:t>Kurtosis = sharper peak</a:t>
+            </a:r>
+          </a:p>
+          <a:p>
+            <a:r>
+              <a:rPr lang="en-CA" dirty="0"/>
+              <a:t>Positive kurtosis = heavier tails</a:t>
+            </a:r>
+            <a:r>
+              <a:rPr lang="en-CA" baseline="0" dirty="0"/>
+              <a:t> and sharper peak</a:t>
+            </a:r>
+            <a:endParaRPr lang="en-CA" dirty="0"/>
+          </a:p>
+        </p:txBody>
+      </p:sp>
+      <p:sp>
+        <p:nvSpPr>
+          <p:cNvPr id="4" name="Slide Number Placeholder 3"/>
+          <p:cNvSpPr>
+            <a:spLocks noGrp="1"/>
+          </p:cNvSpPr>
+          <p:nvPr>
+            <p:ph type="sldNum" sz="quarter" idx="10"/>
+          </p:nvPr>
+        </p:nvSpPr>
+        <p:spPr/>
+        <p:txBody>
+          <a:bodyPr/>
+          <a:lstStyle/>
+          <a:p>
+            <a:fld id="{0B3F5219-0716-4DAC-A557-76DFCE5BE1DD}" type="slidenum">
+              <a:rPr lang="en-CA" smtClean="0"/>
+              <a:t>13</a:t>
+            </a:fld>
+            <a:endParaRPr lang="en-CA"/>
+          </a:p>
+        </p:txBody>
+      </p:sp>
+    </p:spTree>
+    <p:extLst>
+      <p:ext uri="{BB962C8B-B14F-4D97-AF65-F5344CB8AC3E}">
+        <p14:creationId xmlns:p14="http://schemas.microsoft.com/office/powerpoint/2010/main" val="2463987198"/>
+      </p:ext>
+    </p:extLst>
+  </p:cSld>
+  <p:clrMapOvr>
+    <a:masterClrMapping/>
+  </p:clrMapOvr>
+</p:notes>
+</file>
+
+<file path=ppt/notesSlides/notesSlide8.xml><?xml version="1.0" encoding="utf-8"?>
+<p:notes xmlns:a="http://schemas.openxmlformats.org/drawingml/2006/main" xmlns:r="http://schemas.openxmlformats.org/officeDocument/2006/relationships" xmlns:p="http://schemas.openxmlformats.org/presentationml/2006/main">
+  <p:cSld>
+    <p:spTree>
+      <p:nvGrpSpPr>
+        <p:cNvPr id="1" name=""/>
+        <p:cNvGrpSpPr/>
+        <p:nvPr/>
+      </p:nvGrpSpPr>
+      <p:grpSpPr>
+        <a:xfrm>
+          <a:off x="0" y="0"/>
+          <a:ext cx="0" cy="0"/>
+          <a:chOff x="0" y="0"/>
+          <a:chExt cx="0" cy="0"/>
+        </a:xfrm>
+      </p:grpSpPr>
+      <p:sp>
+        <p:nvSpPr>
+          <p:cNvPr id="2" name="Slide Image Placeholder 1"/>
+          <p:cNvSpPr>
+            <a:spLocks noGrp="1" noRot="1" noChangeAspect="1"/>
+          </p:cNvSpPr>
+          <p:nvPr>
+            <p:ph type="sldImg"/>
+          </p:nvPr>
+        </p:nvSpPr>
+        <p:spPr/>
+      </p:sp>
+      <p:sp>
+        <p:nvSpPr>
+          <p:cNvPr id="3" name="Notes Placeholder 2"/>
+          <p:cNvSpPr>
+            <a:spLocks noGrp="1"/>
+          </p:cNvSpPr>
+          <p:nvPr>
+            <p:ph type="body" idx="1"/>
+          </p:nvPr>
+        </p:nvSpPr>
+        <p:spPr/>
+        <p:txBody>
+          <a:bodyPr/>
+          <a:lstStyle/>
+          <a:p>
+            <a:r>
+              <a:rPr lang="en-CA" dirty="0"/>
+              <a:t>The color gradient over the heritability estimates ranges from the lowest heritability estimate (white) to the highest heritability estimate (red) in the given study.  For the </a:t>
+            </a:r>
+            <a:r>
+              <a:rPr lang="en-CA" dirty="0" err="1"/>
+              <a:t>TwinsUK</a:t>
+            </a:r>
+            <a:r>
+              <a:rPr lang="en-CA" dirty="0"/>
+              <a:t> heritability estimates,</a:t>
+            </a:r>
+            <a:r>
+              <a:rPr lang="en-CA" baseline="0" dirty="0"/>
+              <a:t> the bold values indicate heritability estimates with a 95% confidence interval not overlapping 0.  The estimates for Davenport, et al. are the proportion of variance explained (PVE) estimates (“chip heritability”).  We report the winter (W), summer (S), and seasons combined © datasets.  For the Davenport study, bold values indicate heritability estimates with a standard error not overlapping 0.  For Org et al, we report results using all mice(All), just males (M), just females (F), and average per strain (</a:t>
+            </a:r>
+            <a:r>
+              <a:rPr lang="en-CA" baseline="0" dirty="0" err="1"/>
+              <a:t>Avg</a:t>
+            </a:r>
+            <a:r>
+              <a:rPr lang="en-CA" baseline="0" dirty="0"/>
+              <a:t>), and a single mouse per strain (One).  No significance value was reported for the Org et al and O’Conner et al heritability estimates. The coloring over the QTL/GWAS studies indicates if each taxon had a significant association (blue) or not (dark gray) in the given study.  Light gray indicates that the taxon was not observed in the given study or was excluded from the study analysis for other reasons</a:t>
+            </a:r>
+            <a:r>
+              <a:rPr lang="en-CA" baseline="0"/>
+              <a:t>.    </a:t>
+            </a:r>
+            <a:endParaRPr lang="en-CA" dirty="0"/>
+          </a:p>
+        </p:txBody>
+      </p:sp>
+      <p:sp>
+        <p:nvSpPr>
+          <p:cNvPr id="4" name="Slide Number Placeholder 3"/>
+          <p:cNvSpPr>
+            <a:spLocks noGrp="1"/>
+          </p:cNvSpPr>
+          <p:nvPr>
+            <p:ph type="sldNum" sz="quarter" idx="10"/>
+          </p:nvPr>
+        </p:nvSpPr>
+        <p:spPr/>
+        <p:txBody>
+          <a:bodyPr/>
+          <a:lstStyle/>
+          <a:p>
+            <a:fld id="{0B3F5219-0716-4DAC-A557-76DFCE5BE1DD}" type="slidenum">
+              <a:rPr lang="en-CA" smtClean="0"/>
+              <a:t>17</a:t>
+            </a:fld>
+            <a:endParaRPr lang="en-CA"/>
+          </a:p>
+        </p:txBody>
+      </p:sp>
+    </p:spTree>
+    <p:extLst>
+      <p:ext uri="{BB962C8B-B14F-4D97-AF65-F5344CB8AC3E}">
+        <p14:creationId xmlns:p14="http://schemas.microsoft.com/office/powerpoint/2010/main" val="169327071"/>
+      </p:ext>
+    </p:extLst>
+  </p:cSld>
+  <p:clrMapOvr>
+    <a:masterClrMapping/>
+  </p:clrMapOvr>
+</p:notes>
+</file>
+
 <file path=ppt/slideLayouts/slideLayout1.xml><?xml version="1.0" encoding="utf-8"?>
 <p:sldLayout xmlns:a="http://schemas.openxmlformats.org/drawingml/2006/main" xmlns:r="http://schemas.openxmlformats.org/officeDocument/2006/relationships" xmlns:p="http://schemas.openxmlformats.org/presentationml/2006/main" type="title" preserve="1">
   <p:cSld name="Title Slide">
@@ -1338,7 +1554,7 @@
           <a:p>
             <a:fld id="{BDACA4CE-AD01-4161-939A-ABC192574EC2}" type="datetimeFigureOut">
               <a:rPr lang="en-CA" smtClean="0"/>
-              <a:t>2016-07-12</a:t>
+              <a:t>2016-07-13</a:t>
             </a:fld>
             <a:endParaRPr lang="en-CA"/>
           </a:p>
@@ -1508,7 +1724,7 @@
           <a:p>
             <a:fld id="{BDACA4CE-AD01-4161-939A-ABC192574EC2}" type="datetimeFigureOut">
               <a:rPr lang="en-CA" smtClean="0"/>
-              <a:t>2016-07-12</a:t>
+              <a:t>2016-07-13</a:t>
             </a:fld>
             <a:endParaRPr lang="en-CA"/>
           </a:p>
@@ -1688,7 +1904,7 @@
           <a:p>
             <a:fld id="{BDACA4CE-AD01-4161-939A-ABC192574EC2}" type="datetimeFigureOut">
               <a:rPr lang="en-CA" smtClean="0"/>
-              <a:t>2016-07-12</a:t>
+              <a:t>2016-07-13</a:t>
             </a:fld>
             <a:endParaRPr lang="en-CA"/>
           </a:p>
@@ -1858,7 +2074,7 @@
           <a:p>
             <a:fld id="{BDACA4CE-AD01-4161-939A-ABC192574EC2}" type="datetimeFigureOut">
               <a:rPr lang="en-CA" smtClean="0"/>
-              <a:t>2016-07-12</a:t>
+              <a:t>2016-07-13</a:t>
             </a:fld>
             <a:endParaRPr lang="en-CA"/>
           </a:p>
@@ -2104,7 +2320,7 @@
           <a:p>
             <a:fld id="{BDACA4CE-AD01-4161-939A-ABC192574EC2}" type="datetimeFigureOut">
               <a:rPr lang="en-CA" smtClean="0"/>
-              <a:t>2016-07-12</a:t>
+              <a:t>2016-07-13</a:t>
             </a:fld>
             <a:endParaRPr lang="en-CA"/>
           </a:p>
@@ -2336,7 +2552,7 @@
           <a:p>
             <a:fld id="{BDACA4CE-AD01-4161-939A-ABC192574EC2}" type="datetimeFigureOut">
               <a:rPr lang="en-CA" smtClean="0"/>
-              <a:t>2016-07-12</a:t>
+              <a:t>2016-07-13</a:t>
             </a:fld>
             <a:endParaRPr lang="en-CA"/>
           </a:p>
@@ -2703,7 +2919,7 @@
           <a:p>
             <a:fld id="{BDACA4CE-AD01-4161-939A-ABC192574EC2}" type="datetimeFigureOut">
               <a:rPr lang="en-CA" smtClean="0"/>
-              <a:t>2016-07-12</a:t>
+              <a:t>2016-07-13</a:t>
             </a:fld>
             <a:endParaRPr lang="en-CA"/>
           </a:p>
@@ -2821,7 +3037,7 @@
           <a:p>
             <a:fld id="{BDACA4CE-AD01-4161-939A-ABC192574EC2}" type="datetimeFigureOut">
               <a:rPr lang="en-CA" smtClean="0"/>
-              <a:t>2016-07-12</a:t>
+              <a:t>2016-07-13</a:t>
             </a:fld>
             <a:endParaRPr lang="en-CA"/>
           </a:p>
@@ -2916,7 +3132,7 @@
           <a:p>
             <a:fld id="{BDACA4CE-AD01-4161-939A-ABC192574EC2}" type="datetimeFigureOut">
               <a:rPr lang="en-CA" smtClean="0"/>
-              <a:t>2016-07-12</a:t>
+              <a:t>2016-07-13</a:t>
             </a:fld>
             <a:endParaRPr lang="en-CA"/>
           </a:p>
@@ -3193,7 +3409,7 @@
           <a:p>
             <a:fld id="{BDACA4CE-AD01-4161-939A-ABC192574EC2}" type="datetimeFigureOut">
               <a:rPr lang="en-CA" smtClean="0"/>
-              <a:t>2016-07-12</a:t>
+              <a:t>2016-07-13</a:t>
             </a:fld>
             <a:endParaRPr lang="en-CA"/>
           </a:p>
@@ -3446,7 +3662,7 @@
           <a:p>
             <a:fld id="{BDACA4CE-AD01-4161-939A-ABC192574EC2}" type="datetimeFigureOut">
               <a:rPr lang="en-CA" smtClean="0"/>
-              <a:t>2016-07-12</a:t>
+              <a:t>2016-07-13</a:t>
             </a:fld>
             <a:endParaRPr lang="en-CA"/>
           </a:p>
@@ -3659,7 +3875,7 @@
           <a:p>
             <a:fld id="{BDACA4CE-AD01-4161-939A-ABC192574EC2}" type="datetimeFigureOut">
               <a:rPr lang="en-CA" smtClean="0"/>
-              <a:t>2016-07-12</a:t>
+              <a:t>2016-07-13</a:t>
             </a:fld>
             <a:endParaRPr lang="en-CA"/>
           </a:p>
@@ -4598,6 +4814,2040 @@
   <p:clrMapOvr>
     <a:masterClrMapping/>
   </p:clrMapOvr>
+</p:sld>
+</file>
+
+<file path=ppt/slides/slide13.xml><?xml version="1.0" encoding="utf-8"?>
+<p:sld xmlns:a="http://schemas.openxmlformats.org/drawingml/2006/main" xmlns:r="http://schemas.openxmlformats.org/officeDocument/2006/relationships" xmlns:p="http://schemas.openxmlformats.org/presentationml/2006/main">
+  <p:cSld>
+    <p:spTree>
+      <p:nvGrpSpPr>
+        <p:cNvPr id="1" name=""/>
+        <p:cNvGrpSpPr/>
+        <p:nvPr/>
+      </p:nvGrpSpPr>
+      <p:grpSpPr>
+        <a:xfrm>
+          <a:off x="0" y="0"/>
+          <a:ext cx="0" cy="0"/>
+          <a:chOff x="0" y="0"/>
+          <a:chExt cx="0" cy="0"/>
+        </a:xfrm>
+      </p:grpSpPr>
+      <p:sp>
+        <p:nvSpPr>
+          <p:cNvPr id="2" name="Title 1"/>
+          <p:cNvSpPr>
+            <a:spLocks noGrp="1"/>
+          </p:cNvSpPr>
+          <p:nvPr>
+            <p:ph type="title"/>
+          </p:nvPr>
+        </p:nvSpPr>
+        <p:spPr/>
+        <p:txBody>
+          <a:bodyPr/>
+          <a:lstStyle/>
+          <a:p>
+            <a:r>
+              <a:rPr lang="en-CA" b="1" dirty="0"/>
+              <a:t>GWAS and Microbiome Part 2</a:t>
+            </a:r>
+          </a:p>
+        </p:txBody>
+      </p:sp>
+      <p:sp>
+        <p:nvSpPr>
+          <p:cNvPr id="3" name="Content Placeholder 2"/>
+          <p:cNvSpPr>
+            <a:spLocks noGrp="1"/>
+          </p:cNvSpPr>
+          <p:nvPr>
+            <p:ph idx="1"/>
+          </p:nvPr>
+        </p:nvSpPr>
+        <p:spPr>
+          <a:xfrm>
+            <a:off x="838200" y="1825625"/>
+            <a:ext cx="10515600" cy="2505743"/>
+          </a:xfrm>
+        </p:spPr>
+        <p:txBody>
+          <a:bodyPr>
+            <a:normAutofit lnSpcReduction="10000"/>
+          </a:bodyPr>
+          <a:lstStyle/>
+          <a:p>
+            <a:r>
+              <a:rPr lang="en-CA" dirty="0"/>
+              <a:t>Used program called </a:t>
+            </a:r>
+            <a:r>
+              <a:rPr lang="en-CA" dirty="0" err="1"/>
+              <a:t>microbiomeGWAS</a:t>
+            </a:r>
+            <a:r>
+              <a:rPr lang="en-CA" dirty="0"/>
+              <a:t> (Hua et al., 2015)</a:t>
+            </a:r>
+          </a:p>
+          <a:p>
+            <a:pPr lvl="1"/>
+            <a:r>
+              <a:rPr lang="en-CA" dirty="0"/>
+              <a:t>Two problems with initial manuscript (still in </a:t>
+            </a:r>
+            <a:r>
+              <a:rPr lang="en-CA" dirty="0" err="1"/>
+              <a:t>biorxiv</a:t>
+            </a:r>
+            <a:r>
+              <a:rPr lang="en-CA" dirty="0"/>
+              <a:t>)</a:t>
+            </a:r>
+          </a:p>
+          <a:p>
+            <a:pPr lvl="2"/>
+            <a:r>
+              <a:rPr lang="en-CA" dirty="0"/>
+              <a:t>No benchmarking against traditional methods</a:t>
+            </a:r>
+          </a:p>
+          <a:p>
+            <a:pPr lvl="2"/>
+            <a:r>
+              <a:rPr lang="en-CA" dirty="0"/>
+              <a:t>Correction removed the signal </a:t>
+            </a:r>
+          </a:p>
+          <a:p>
+            <a:pPr lvl="1"/>
+            <a:r>
+              <a:rPr lang="en-CA" dirty="0"/>
+              <a:t>Trying to correct the large skewness and positive kurtosis that arises from these types of comparisons (i.e. make normally distributed)</a:t>
+            </a:r>
+          </a:p>
+          <a:p>
+            <a:pPr lvl="2"/>
+            <a:r>
+              <a:rPr lang="en-CA" dirty="0"/>
+              <a:t>Typically use permutations or bootstrap</a:t>
+            </a:r>
+          </a:p>
+        </p:txBody>
+      </p:sp>
+      <p:pic>
+        <p:nvPicPr>
+          <p:cNvPr id="1026" name="Picture 2" descr="http://www.asiaonline.net/images/BlackBoxQuestion.png"/>
+          <p:cNvPicPr>
+            <a:picLocks noChangeAspect="1" noChangeArrowheads="1"/>
+          </p:cNvPicPr>
+          <p:nvPr/>
+        </p:nvPicPr>
+        <p:blipFill>
+          <a:blip r:embed="rId3">
+            <a:extLst>
+              <a:ext uri="{28A0092B-C50C-407E-A947-70E740481C1C}">
+                <a14:useLocalDpi xmlns:a14="http://schemas.microsoft.com/office/drawing/2010/main" val="0"/>
+              </a:ext>
+            </a:extLst>
+          </a:blip>
+          <a:srcRect/>
+          <a:stretch>
+            <a:fillRect/>
+          </a:stretch>
+        </p:blipFill>
+        <p:spPr bwMode="auto">
+          <a:xfrm>
+            <a:off x="4284812" y="4412932"/>
+            <a:ext cx="2400300" cy="1857376"/>
+          </a:xfrm>
+          <a:prstGeom prst="rect">
+            <a:avLst/>
+          </a:prstGeom>
+          <a:noFill/>
+          <a:extLst>
+            <a:ext uri="{909E8E84-426E-40DD-AFC4-6F175D3DCCD1}">
+              <a14:hiddenFill xmlns:a14="http://schemas.microsoft.com/office/drawing/2010/main">
+                <a:solidFill>
+                  <a:srgbClr val="FFFFFF"/>
+                </a:solidFill>
+              </a14:hiddenFill>
+            </a:ext>
+          </a:extLst>
+        </p:spPr>
+      </p:pic>
+      <p:pic>
+        <p:nvPicPr>
+          <p:cNvPr id="1028" name="Picture 4" descr="https://d3ac8kh5x6trf.cloudfront.net/content/femsec/90/1/300/F4.large.jpg?download=true"/>
+          <p:cNvPicPr>
+            <a:picLocks noChangeAspect="1" noChangeArrowheads="1"/>
+          </p:cNvPicPr>
+          <p:nvPr/>
+        </p:nvPicPr>
+        <p:blipFill rotWithShape="1">
+          <a:blip r:embed="rId4">
+            <a:extLst>
+              <a:ext uri="{28A0092B-C50C-407E-A947-70E740481C1C}">
+                <a14:useLocalDpi xmlns:a14="http://schemas.microsoft.com/office/drawing/2010/main" val="0"/>
+              </a:ext>
+            </a:extLst>
+          </a:blip>
+          <a:srcRect r="40967"/>
+          <a:stretch/>
+        </p:blipFill>
+        <p:spPr bwMode="auto">
+          <a:xfrm>
+            <a:off x="1175854" y="4494276"/>
+            <a:ext cx="1875355" cy="2054345"/>
+          </a:xfrm>
+          <a:prstGeom prst="rect">
+            <a:avLst/>
+          </a:prstGeom>
+          <a:noFill/>
+          <a:extLst>
+            <a:ext uri="{909E8E84-426E-40DD-AFC4-6F175D3DCCD1}">
+              <a14:hiddenFill xmlns:a14="http://schemas.microsoft.com/office/drawing/2010/main">
+                <a:solidFill>
+                  <a:srgbClr val="FFFFFF"/>
+                </a:solidFill>
+              </a14:hiddenFill>
+            </a:ext>
+          </a:extLst>
+        </p:spPr>
+      </p:pic>
+      <p:pic>
+        <p:nvPicPr>
+          <p:cNvPr id="1030" name="Picture 6" descr="https://blog.majesticseo.com/wp-content/uploads/2013/04/fig21.gif"/>
+          <p:cNvPicPr>
+            <a:picLocks noChangeAspect="1" noChangeArrowheads="1"/>
+          </p:cNvPicPr>
+          <p:nvPr/>
+        </p:nvPicPr>
+        <p:blipFill>
+          <a:blip r:embed="rId5">
+            <a:extLst>
+              <a:ext uri="{28A0092B-C50C-407E-A947-70E740481C1C}">
+                <a14:useLocalDpi xmlns:a14="http://schemas.microsoft.com/office/drawing/2010/main" val="0"/>
+              </a:ext>
+            </a:extLst>
+          </a:blip>
+          <a:srcRect/>
+          <a:stretch>
+            <a:fillRect/>
+          </a:stretch>
+        </p:blipFill>
+        <p:spPr bwMode="auto">
+          <a:xfrm>
+            <a:off x="7865411" y="4502203"/>
+            <a:ext cx="1037957" cy="887143"/>
+          </a:xfrm>
+          <a:prstGeom prst="rect">
+            <a:avLst/>
+          </a:prstGeom>
+          <a:noFill/>
+          <a:extLst>
+            <a:ext uri="{909E8E84-426E-40DD-AFC4-6F175D3DCCD1}">
+              <a14:hiddenFill xmlns:a14="http://schemas.microsoft.com/office/drawing/2010/main">
+                <a:solidFill>
+                  <a:srgbClr val="FFFFFF"/>
+                </a:solidFill>
+              </a14:hiddenFill>
+            </a:ext>
+          </a:extLst>
+        </p:spPr>
+      </p:pic>
+      <p:pic>
+        <p:nvPicPr>
+          <p:cNvPr id="7" name="Picture 6" descr="https://blog.majesticseo.com/wp-content/uploads/2013/04/fig21.gif"/>
+          <p:cNvPicPr>
+            <a:picLocks noChangeAspect="1" noChangeArrowheads="1"/>
+          </p:cNvPicPr>
+          <p:nvPr/>
+        </p:nvPicPr>
+        <p:blipFill>
+          <a:blip r:embed="rId5">
+            <a:extLst>
+              <a:ext uri="{28A0092B-C50C-407E-A947-70E740481C1C}">
+                <a14:useLocalDpi xmlns:a14="http://schemas.microsoft.com/office/drawing/2010/main" val="0"/>
+              </a:ext>
+            </a:extLst>
+          </a:blip>
+          <a:srcRect/>
+          <a:stretch>
+            <a:fillRect/>
+          </a:stretch>
+        </p:blipFill>
+        <p:spPr bwMode="auto">
+          <a:xfrm>
+            <a:off x="7883058" y="5588254"/>
+            <a:ext cx="1037957" cy="887143"/>
+          </a:xfrm>
+          <a:prstGeom prst="rect">
+            <a:avLst/>
+          </a:prstGeom>
+          <a:noFill/>
+          <a:extLst>
+            <a:ext uri="{909E8E84-426E-40DD-AFC4-6F175D3DCCD1}">
+              <a14:hiddenFill xmlns:a14="http://schemas.microsoft.com/office/drawing/2010/main">
+                <a:solidFill>
+                  <a:srgbClr val="FFFFFF"/>
+                </a:solidFill>
+              </a14:hiddenFill>
+            </a:ext>
+          </a:extLst>
+        </p:spPr>
+      </p:pic>
+      <p:pic>
+        <p:nvPicPr>
+          <p:cNvPr id="8" name="Picture 6" descr="https://blog.majesticseo.com/wp-content/uploads/2013/04/fig21.gif"/>
+          <p:cNvPicPr>
+            <a:picLocks noChangeAspect="1" noChangeArrowheads="1"/>
+          </p:cNvPicPr>
+          <p:nvPr/>
+        </p:nvPicPr>
+        <p:blipFill>
+          <a:blip r:embed="rId5">
+            <a:extLst>
+              <a:ext uri="{28A0092B-C50C-407E-A947-70E740481C1C}">
+                <a14:useLocalDpi xmlns:a14="http://schemas.microsoft.com/office/drawing/2010/main" val="0"/>
+              </a:ext>
+            </a:extLst>
+          </a:blip>
+          <a:srcRect/>
+          <a:stretch>
+            <a:fillRect/>
+          </a:stretch>
+        </p:blipFill>
+        <p:spPr bwMode="auto">
+          <a:xfrm>
+            <a:off x="9095840" y="4481349"/>
+            <a:ext cx="1037957" cy="887143"/>
+          </a:xfrm>
+          <a:prstGeom prst="rect">
+            <a:avLst/>
+          </a:prstGeom>
+          <a:noFill/>
+          <a:extLst>
+            <a:ext uri="{909E8E84-426E-40DD-AFC4-6F175D3DCCD1}">
+              <a14:hiddenFill xmlns:a14="http://schemas.microsoft.com/office/drawing/2010/main">
+                <a:solidFill>
+                  <a:srgbClr val="FFFFFF"/>
+                </a:solidFill>
+              </a14:hiddenFill>
+            </a:ext>
+          </a:extLst>
+        </p:spPr>
+      </p:pic>
+      <p:pic>
+        <p:nvPicPr>
+          <p:cNvPr id="9" name="Picture 6" descr="https://blog.majesticseo.com/wp-content/uploads/2013/04/fig21.gif"/>
+          <p:cNvPicPr>
+            <a:picLocks noChangeAspect="1" noChangeArrowheads="1"/>
+          </p:cNvPicPr>
+          <p:nvPr/>
+        </p:nvPicPr>
+        <p:blipFill>
+          <a:blip r:embed="rId5">
+            <a:extLst>
+              <a:ext uri="{28A0092B-C50C-407E-A947-70E740481C1C}">
+                <a14:useLocalDpi xmlns:a14="http://schemas.microsoft.com/office/drawing/2010/main" val="0"/>
+              </a:ext>
+            </a:extLst>
+          </a:blip>
+          <a:srcRect/>
+          <a:stretch>
+            <a:fillRect/>
+          </a:stretch>
+        </p:blipFill>
+        <p:spPr bwMode="auto">
+          <a:xfrm>
+            <a:off x="9115091" y="5578628"/>
+            <a:ext cx="1037957" cy="887143"/>
+          </a:xfrm>
+          <a:prstGeom prst="rect">
+            <a:avLst/>
+          </a:prstGeom>
+          <a:noFill/>
+          <a:extLst>
+            <a:ext uri="{909E8E84-426E-40DD-AFC4-6F175D3DCCD1}">
+              <a14:hiddenFill xmlns:a14="http://schemas.microsoft.com/office/drawing/2010/main">
+                <a:solidFill>
+                  <a:srgbClr val="FFFFFF"/>
+                </a:solidFill>
+              </a14:hiddenFill>
+            </a:ext>
+          </a:extLst>
+        </p:spPr>
+      </p:pic>
+      <p:pic>
+        <p:nvPicPr>
+          <p:cNvPr id="10" name="Picture 6" descr="https://blog.majesticseo.com/wp-content/uploads/2013/04/fig21.gif"/>
+          <p:cNvPicPr>
+            <a:picLocks noChangeAspect="1" noChangeArrowheads="1"/>
+          </p:cNvPicPr>
+          <p:nvPr/>
+        </p:nvPicPr>
+        <p:blipFill>
+          <a:blip r:embed="rId5">
+            <a:extLst>
+              <a:ext uri="{28A0092B-C50C-407E-A947-70E740481C1C}">
+                <a14:useLocalDpi xmlns:a14="http://schemas.microsoft.com/office/drawing/2010/main" val="0"/>
+              </a:ext>
+            </a:extLst>
+          </a:blip>
+          <a:srcRect/>
+          <a:stretch>
+            <a:fillRect/>
+          </a:stretch>
+        </p:blipFill>
+        <p:spPr bwMode="auto">
+          <a:xfrm>
+            <a:off x="10260497" y="4462098"/>
+            <a:ext cx="1037957" cy="887143"/>
+          </a:xfrm>
+          <a:prstGeom prst="rect">
+            <a:avLst/>
+          </a:prstGeom>
+          <a:noFill/>
+          <a:extLst>
+            <a:ext uri="{909E8E84-426E-40DD-AFC4-6F175D3DCCD1}">
+              <a14:hiddenFill xmlns:a14="http://schemas.microsoft.com/office/drawing/2010/main">
+                <a:solidFill>
+                  <a:srgbClr val="FFFFFF"/>
+                </a:solidFill>
+              </a14:hiddenFill>
+            </a:ext>
+          </a:extLst>
+        </p:spPr>
+      </p:pic>
+      <p:pic>
+        <p:nvPicPr>
+          <p:cNvPr id="11" name="Picture 6" descr="https://blog.majesticseo.com/wp-content/uploads/2013/04/fig21.gif"/>
+          <p:cNvPicPr>
+            <a:picLocks noChangeAspect="1" noChangeArrowheads="1"/>
+          </p:cNvPicPr>
+          <p:nvPr/>
+        </p:nvPicPr>
+        <p:blipFill>
+          <a:blip r:embed="rId5">
+            <a:extLst>
+              <a:ext uri="{28A0092B-C50C-407E-A947-70E740481C1C}">
+                <a14:useLocalDpi xmlns:a14="http://schemas.microsoft.com/office/drawing/2010/main" val="0"/>
+              </a:ext>
+            </a:extLst>
+          </a:blip>
+          <a:srcRect/>
+          <a:stretch>
+            <a:fillRect/>
+          </a:stretch>
+        </p:blipFill>
+        <p:spPr bwMode="auto">
+          <a:xfrm>
+            <a:off x="10298998" y="5559378"/>
+            <a:ext cx="1037957" cy="887143"/>
+          </a:xfrm>
+          <a:prstGeom prst="rect">
+            <a:avLst/>
+          </a:prstGeom>
+          <a:noFill/>
+          <a:extLst>
+            <a:ext uri="{909E8E84-426E-40DD-AFC4-6F175D3DCCD1}">
+              <a14:hiddenFill xmlns:a14="http://schemas.microsoft.com/office/drawing/2010/main">
+                <a:solidFill>
+                  <a:srgbClr val="FFFFFF"/>
+                </a:solidFill>
+              </a14:hiddenFill>
+            </a:ext>
+          </a:extLst>
+        </p:spPr>
+      </p:pic>
+      <p:sp>
+        <p:nvSpPr>
+          <p:cNvPr id="4" name="Right Arrow 3"/>
+          <p:cNvSpPr/>
+          <p:nvPr/>
+        </p:nvSpPr>
+        <p:spPr>
+          <a:xfrm>
+            <a:off x="3291840" y="5120640"/>
+            <a:ext cx="702644" cy="558265"/>
+          </a:xfrm>
+          <a:prstGeom prst="rightArrow">
+            <a:avLst/>
+          </a:prstGeom>
+        </p:spPr>
+        <p:style>
+          <a:lnRef idx="2">
+            <a:schemeClr val="accent1">
+              <a:shade val="50000"/>
+            </a:schemeClr>
+          </a:lnRef>
+          <a:fillRef idx="1">
+            <a:schemeClr val="accent1"/>
+          </a:fillRef>
+          <a:effectRef idx="0">
+            <a:schemeClr val="accent1"/>
+          </a:effectRef>
+          <a:fontRef idx="minor">
+            <a:schemeClr val="lt1"/>
+          </a:fontRef>
+        </p:style>
+        <p:txBody>
+          <a:bodyPr rtlCol="0" anchor="ctr"/>
+          <a:lstStyle/>
+          <a:p>
+            <a:pPr algn="ctr"/>
+            <a:endParaRPr lang="en-CA"/>
+          </a:p>
+        </p:txBody>
+      </p:sp>
+      <p:sp>
+        <p:nvSpPr>
+          <p:cNvPr id="13" name="Right Arrow 12"/>
+          <p:cNvSpPr/>
+          <p:nvPr/>
+        </p:nvSpPr>
+        <p:spPr>
+          <a:xfrm>
+            <a:off x="6870839" y="5109411"/>
+            <a:ext cx="702644" cy="558265"/>
+          </a:xfrm>
+          <a:prstGeom prst="rightArrow">
+            <a:avLst/>
+          </a:prstGeom>
+        </p:spPr>
+        <p:style>
+          <a:lnRef idx="2">
+            <a:schemeClr val="accent1">
+              <a:shade val="50000"/>
+            </a:schemeClr>
+          </a:lnRef>
+          <a:fillRef idx="1">
+            <a:schemeClr val="accent1"/>
+          </a:fillRef>
+          <a:effectRef idx="0">
+            <a:schemeClr val="accent1"/>
+          </a:effectRef>
+          <a:fontRef idx="minor">
+            <a:schemeClr val="lt1"/>
+          </a:fontRef>
+        </p:style>
+        <p:txBody>
+          <a:bodyPr rtlCol="0" anchor="ctr"/>
+          <a:lstStyle/>
+          <a:p>
+            <a:pPr algn="ctr"/>
+            <a:endParaRPr lang="en-CA"/>
+          </a:p>
+        </p:txBody>
+      </p:sp>
+    </p:spTree>
+    <p:extLst>
+      <p:ext uri="{BB962C8B-B14F-4D97-AF65-F5344CB8AC3E}">
+        <p14:creationId xmlns:p14="http://schemas.microsoft.com/office/powerpoint/2010/main" val="3691769979"/>
+      </p:ext>
+    </p:extLst>
+  </p:cSld>
+  <p:clrMapOvr>
+    <a:masterClrMapping/>
+  </p:clrMapOvr>
+  <p:timing>
+    <p:tnLst>
+      <p:par>
+        <p:cTn id="1" dur="indefinite" restart="never" nodeType="tmRoot">
+          <p:childTnLst>
+            <p:seq concurrent="1" nextAc="seek">
+              <p:cTn id="2" dur="indefinite" nodeType="mainSeq">
+                <p:childTnLst>
+                  <p:par>
+                    <p:cTn id="3" fill="hold">
+                      <p:stCondLst>
+                        <p:cond delay="indefinite"/>
+                      </p:stCondLst>
+                      <p:childTnLst>
+                        <p:par>
+                          <p:cTn id="4" fill="hold">
+                            <p:stCondLst>
+                              <p:cond delay="0"/>
+                            </p:stCondLst>
+                            <p:childTnLst>
+                              <p:par>
+                                <p:cTn id="5" presetID="10" presetClass="entr" presetSubtype="0" fill="hold" nodeType="clickEffect">
+                                  <p:stCondLst>
+                                    <p:cond delay="0"/>
+                                  </p:stCondLst>
+                                  <p:childTnLst>
+                                    <p:set>
+                                      <p:cBhvr>
+                                        <p:cTn id="6" dur="1" fill="hold">
+                                          <p:stCondLst>
+                                            <p:cond delay="0"/>
+                                          </p:stCondLst>
+                                        </p:cTn>
+                                        <p:tgtEl>
+                                          <p:spTgt spid="1028"/>
+                                        </p:tgtEl>
+                                        <p:attrNameLst>
+                                          <p:attrName>style.visibility</p:attrName>
+                                        </p:attrNameLst>
+                                      </p:cBhvr>
+                                      <p:to>
+                                        <p:strVal val="visible"/>
+                                      </p:to>
+                                    </p:set>
+                                    <p:animEffect transition="in" filter="fade">
+                                      <p:cBhvr>
+                                        <p:cTn id="7" dur="500"/>
+                                        <p:tgtEl>
+                                          <p:spTgt spid="1028"/>
+                                        </p:tgtEl>
+                                      </p:cBhvr>
+                                    </p:animEffect>
+                                  </p:childTnLst>
+                                </p:cTn>
+                              </p:par>
+                            </p:childTnLst>
+                          </p:cTn>
+                        </p:par>
+                      </p:childTnLst>
+                    </p:cTn>
+                  </p:par>
+                  <p:par>
+                    <p:cTn id="8" fill="hold">
+                      <p:stCondLst>
+                        <p:cond delay="indefinite"/>
+                      </p:stCondLst>
+                      <p:childTnLst>
+                        <p:par>
+                          <p:cTn id="9" fill="hold">
+                            <p:stCondLst>
+                              <p:cond delay="0"/>
+                            </p:stCondLst>
+                            <p:childTnLst>
+                              <p:par>
+                                <p:cTn id="10" presetID="10" presetClass="entr" presetSubtype="0" fill="hold" grpId="0" nodeType="clickEffect">
+                                  <p:stCondLst>
+                                    <p:cond delay="0"/>
+                                  </p:stCondLst>
+                                  <p:childTnLst>
+                                    <p:set>
+                                      <p:cBhvr>
+                                        <p:cTn id="11" dur="1" fill="hold">
+                                          <p:stCondLst>
+                                            <p:cond delay="0"/>
+                                          </p:stCondLst>
+                                        </p:cTn>
+                                        <p:tgtEl>
+                                          <p:spTgt spid="4"/>
+                                        </p:tgtEl>
+                                        <p:attrNameLst>
+                                          <p:attrName>style.visibility</p:attrName>
+                                        </p:attrNameLst>
+                                      </p:cBhvr>
+                                      <p:to>
+                                        <p:strVal val="visible"/>
+                                      </p:to>
+                                    </p:set>
+                                    <p:animEffect transition="in" filter="fade">
+                                      <p:cBhvr>
+                                        <p:cTn id="12" dur="500"/>
+                                        <p:tgtEl>
+                                          <p:spTgt spid="4"/>
+                                        </p:tgtEl>
+                                      </p:cBhvr>
+                                    </p:animEffect>
+                                  </p:childTnLst>
+                                </p:cTn>
+                              </p:par>
+                              <p:par>
+                                <p:cTn id="13" presetID="10" presetClass="entr" presetSubtype="0" fill="hold" nodeType="withEffect">
+                                  <p:stCondLst>
+                                    <p:cond delay="0"/>
+                                  </p:stCondLst>
+                                  <p:childTnLst>
+                                    <p:set>
+                                      <p:cBhvr>
+                                        <p:cTn id="14" dur="1" fill="hold">
+                                          <p:stCondLst>
+                                            <p:cond delay="0"/>
+                                          </p:stCondLst>
+                                        </p:cTn>
+                                        <p:tgtEl>
+                                          <p:spTgt spid="1026"/>
+                                        </p:tgtEl>
+                                        <p:attrNameLst>
+                                          <p:attrName>style.visibility</p:attrName>
+                                        </p:attrNameLst>
+                                      </p:cBhvr>
+                                      <p:to>
+                                        <p:strVal val="visible"/>
+                                      </p:to>
+                                    </p:set>
+                                    <p:animEffect transition="in" filter="fade">
+                                      <p:cBhvr>
+                                        <p:cTn id="15" dur="500"/>
+                                        <p:tgtEl>
+                                          <p:spTgt spid="1026"/>
+                                        </p:tgtEl>
+                                      </p:cBhvr>
+                                    </p:animEffect>
+                                  </p:childTnLst>
+                                </p:cTn>
+                              </p:par>
+                            </p:childTnLst>
+                          </p:cTn>
+                        </p:par>
+                      </p:childTnLst>
+                    </p:cTn>
+                  </p:par>
+                  <p:par>
+                    <p:cTn id="16" fill="hold">
+                      <p:stCondLst>
+                        <p:cond delay="indefinite"/>
+                      </p:stCondLst>
+                      <p:childTnLst>
+                        <p:par>
+                          <p:cTn id="17" fill="hold">
+                            <p:stCondLst>
+                              <p:cond delay="0"/>
+                            </p:stCondLst>
+                            <p:childTnLst>
+                              <p:par>
+                                <p:cTn id="18" presetID="10" presetClass="entr" presetSubtype="0" fill="hold" grpId="0" nodeType="clickEffect">
+                                  <p:stCondLst>
+                                    <p:cond delay="0"/>
+                                  </p:stCondLst>
+                                  <p:childTnLst>
+                                    <p:set>
+                                      <p:cBhvr>
+                                        <p:cTn id="19" dur="1" fill="hold">
+                                          <p:stCondLst>
+                                            <p:cond delay="0"/>
+                                          </p:stCondLst>
+                                        </p:cTn>
+                                        <p:tgtEl>
+                                          <p:spTgt spid="13"/>
+                                        </p:tgtEl>
+                                        <p:attrNameLst>
+                                          <p:attrName>style.visibility</p:attrName>
+                                        </p:attrNameLst>
+                                      </p:cBhvr>
+                                      <p:to>
+                                        <p:strVal val="visible"/>
+                                      </p:to>
+                                    </p:set>
+                                    <p:animEffect transition="in" filter="fade">
+                                      <p:cBhvr>
+                                        <p:cTn id="20" dur="500"/>
+                                        <p:tgtEl>
+                                          <p:spTgt spid="13"/>
+                                        </p:tgtEl>
+                                      </p:cBhvr>
+                                    </p:animEffect>
+                                  </p:childTnLst>
+                                </p:cTn>
+                              </p:par>
+                              <p:par>
+                                <p:cTn id="21" presetID="10" presetClass="entr" presetSubtype="0" fill="hold" nodeType="withEffect">
+                                  <p:stCondLst>
+                                    <p:cond delay="0"/>
+                                  </p:stCondLst>
+                                  <p:childTnLst>
+                                    <p:set>
+                                      <p:cBhvr>
+                                        <p:cTn id="22" dur="1" fill="hold">
+                                          <p:stCondLst>
+                                            <p:cond delay="0"/>
+                                          </p:stCondLst>
+                                        </p:cTn>
+                                        <p:tgtEl>
+                                          <p:spTgt spid="1030"/>
+                                        </p:tgtEl>
+                                        <p:attrNameLst>
+                                          <p:attrName>style.visibility</p:attrName>
+                                        </p:attrNameLst>
+                                      </p:cBhvr>
+                                      <p:to>
+                                        <p:strVal val="visible"/>
+                                      </p:to>
+                                    </p:set>
+                                    <p:animEffect transition="in" filter="fade">
+                                      <p:cBhvr>
+                                        <p:cTn id="23" dur="500"/>
+                                        <p:tgtEl>
+                                          <p:spTgt spid="1030"/>
+                                        </p:tgtEl>
+                                      </p:cBhvr>
+                                    </p:animEffect>
+                                  </p:childTnLst>
+                                </p:cTn>
+                              </p:par>
+                              <p:par>
+                                <p:cTn id="24" presetID="10" presetClass="entr" presetSubtype="0" fill="hold" nodeType="withEffect">
+                                  <p:stCondLst>
+                                    <p:cond delay="0"/>
+                                  </p:stCondLst>
+                                  <p:childTnLst>
+                                    <p:set>
+                                      <p:cBhvr>
+                                        <p:cTn id="25" dur="1" fill="hold">
+                                          <p:stCondLst>
+                                            <p:cond delay="0"/>
+                                          </p:stCondLst>
+                                        </p:cTn>
+                                        <p:tgtEl>
+                                          <p:spTgt spid="7"/>
+                                        </p:tgtEl>
+                                        <p:attrNameLst>
+                                          <p:attrName>style.visibility</p:attrName>
+                                        </p:attrNameLst>
+                                      </p:cBhvr>
+                                      <p:to>
+                                        <p:strVal val="visible"/>
+                                      </p:to>
+                                    </p:set>
+                                    <p:animEffect transition="in" filter="fade">
+                                      <p:cBhvr>
+                                        <p:cTn id="26" dur="500"/>
+                                        <p:tgtEl>
+                                          <p:spTgt spid="7"/>
+                                        </p:tgtEl>
+                                      </p:cBhvr>
+                                    </p:animEffect>
+                                  </p:childTnLst>
+                                </p:cTn>
+                              </p:par>
+                              <p:par>
+                                <p:cTn id="27" presetID="10" presetClass="entr" presetSubtype="0" fill="hold" nodeType="withEffect">
+                                  <p:stCondLst>
+                                    <p:cond delay="0"/>
+                                  </p:stCondLst>
+                                  <p:childTnLst>
+                                    <p:set>
+                                      <p:cBhvr>
+                                        <p:cTn id="28" dur="1" fill="hold">
+                                          <p:stCondLst>
+                                            <p:cond delay="0"/>
+                                          </p:stCondLst>
+                                        </p:cTn>
+                                        <p:tgtEl>
+                                          <p:spTgt spid="8"/>
+                                        </p:tgtEl>
+                                        <p:attrNameLst>
+                                          <p:attrName>style.visibility</p:attrName>
+                                        </p:attrNameLst>
+                                      </p:cBhvr>
+                                      <p:to>
+                                        <p:strVal val="visible"/>
+                                      </p:to>
+                                    </p:set>
+                                    <p:animEffect transition="in" filter="fade">
+                                      <p:cBhvr>
+                                        <p:cTn id="29" dur="500"/>
+                                        <p:tgtEl>
+                                          <p:spTgt spid="8"/>
+                                        </p:tgtEl>
+                                      </p:cBhvr>
+                                    </p:animEffect>
+                                  </p:childTnLst>
+                                </p:cTn>
+                              </p:par>
+                              <p:par>
+                                <p:cTn id="30" presetID="10" presetClass="entr" presetSubtype="0" fill="hold" nodeType="withEffect">
+                                  <p:stCondLst>
+                                    <p:cond delay="0"/>
+                                  </p:stCondLst>
+                                  <p:childTnLst>
+                                    <p:set>
+                                      <p:cBhvr>
+                                        <p:cTn id="31" dur="1" fill="hold">
+                                          <p:stCondLst>
+                                            <p:cond delay="0"/>
+                                          </p:stCondLst>
+                                        </p:cTn>
+                                        <p:tgtEl>
+                                          <p:spTgt spid="9"/>
+                                        </p:tgtEl>
+                                        <p:attrNameLst>
+                                          <p:attrName>style.visibility</p:attrName>
+                                        </p:attrNameLst>
+                                      </p:cBhvr>
+                                      <p:to>
+                                        <p:strVal val="visible"/>
+                                      </p:to>
+                                    </p:set>
+                                    <p:animEffect transition="in" filter="fade">
+                                      <p:cBhvr>
+                                        <p:cTn id="32" dur="500"/>
+                                        <p:tgtEl>
+                                          <p:spTgt spid="9"/>
+                                        </p:tgtEl>
+                                      </p:cBhvr>
+                                    </p:animEffect>
+                                  </p:childTnLst>
+                                </p:cTn>
+                              </p:par>
+                              <p:par>
+                                <p:cTn id="33" presetID="10" presetClass="entr" presetSubtype="0" fill="hold" nodeType="withEffect">
+                                  <p:stCondLst>
+                                    <p:cond delay="0"/>
+                                  </p:stCondLst>
+                                  <p:childTnLst>
+                                    <p:set>
+                                      <p:cBhvr>
+                                        <p:cTn id="34" dur="1" fill="hold">
+                                          <p:stCondLst>
+                                            <p:cond delay="0"/>
+                                          </p:stCondLst>
+                                        </p:cTn>
+                                        <p:tgtEl>
+                                          <p:spTgt spid="11"/>
+                                        </p:tgtEl>
+                                        <p:attrNameLst>
+                                          <p:attrName>style.visibility</p:attrName>
+                                        </p:attrNameLst>
+                                      </p:cBhvr>
+                                      <p:to>
+                                        <p:strVal val="visible"/>
+                                      </p:to>
+                                    </p:set>
+                                    <p:animEffect transition="in" filter="fade">
+                                      <p:cBhvr>
+                                        <p:cTn id="35" dur="500"/>
+                                        <p:tgtEl>
+                                          <p:spTgt spid="11"/>
+                                        </p:tgtEl>
+                                      </p:cBhvr>
+                                    </p:animEffect>
+                                  </p:childTnLst>
+                                </p:cTn>
+                              </p:par>
+                              <p:par>
+                                <p:cTn id="36" presetID="10" presetClass="entr" presetSubtype="0" fill="hold" nodeType="withEffect">
+                                  <p:stCondLst>
+                                    <p:cond delay="0"/>
+                                  </p:stCondLst>
+                                  <p:childTnLst>
+                                    <p:set>
+                                      <p:cBhvr>
+                                        <p:cTn id="37" dur="1" fill="hold">
+                                          <p:stCondLst>
+                                            <p:cond delay="0"/>
+                                          </p:stCondLst>
+                                        </p:cTn>
+                                        <p:tgtEl>
+                                          <p:spTgt spid="10"/>
+                                        </p:tgtEl>
+                                        <p:attrNameLst>
+                                          <p:attrName>style.visibility</p:attrName>
+                                        </p:attrNameLst>
+                                      </p:cBhvr>
+                                      <p:to>
+                                        <p:strVal val="visible"/>
+                                      </p:to>
+                                    </p:set>
+                                    <p:animEffect transition="in" filter="fade">
+                                      <p:cBhvr>
+                                        <p:cTn id="38" dur="500"/>
+                                        <p:tgtEl>
+                                          <p:spTgt spid="10"/>
+                                        </p:tgtEl>
+                                      </p:cBhvr>
+                                    </p:animEffect>
+                                  </p:childTnLst>
+                                </p:cTn>
+                              </p:par>
+                            </p:childTnLst>
+                          </p:cTn>
+                        </p:par>
+                      </p:childTnLst>
+                    </p:cTn>
+                  </p:par>
+                </p:childTnLst>
+              </p:cTn>
+              <p:prevCondLst>
+                <p:cond evt="onPrev" delay="0">
+                  <p:tgtEl>
+                    <p:sldTgt/>
+                  </p:tgtEl>
+                </p:cond>
+              </p:prevCondLst>
+              <p:nextCondLst>
+                <p:cond evt="onNext" delay="0">
+                  <p:tgtEl>
+                    <p:sldTgt/>
+                  </p:tgtEl>
+                </p:cond>
+              </p:nextCondLst>
+            </p:seq>
+          </p:childTnLst>
+        </p:cTn>
+      </p:par>
+    </p:tnLst>
+    <p:bldLst>
+      <p:bldP spid="4" grpId="0" animBg="1"/>
+      <p:bldP spid="13" grpId="0" animBg="1"/>
+    </p:bldLst>
+  </p:timing>
+</p:sld>
+</file>
+
+<file path=ppt/slides/slide14.xml><?xml version="1.0" encoding="utf-8"?>
+<p:sld xmlns:a="http://schemas.openxmlformats.org/drawingml/2006/main" xmlns:r="http://schemas.openxmlformats.org/officeDocument/2006/relationships" xmlns:p="http://schemas.openxmlformats.org/presentationml/2006/main">
+  <p:cSld>
+    <p:spTree>
+      <p:nvGrpSpPr>
+        <p:cNvPr id="1" name=""/>
+        <p:cNvGrpSpPr/>
+        <p:nvPr/>
+      </p:nvGrpSpPr>
+      <p:grpSpPr>
+        <a:xfrm>
+          <a:off x="0" y="0"/>
+          <a:ext cx="0" cy="0"/>
+          <a:chOff x="0" y="0"/>
+          <a:chExt cx="0" cy="0"/>
+        </a:xfrm>
+      </p:grpSpPr>
+      <p:sp>
+        <p:nvSpPr>
+          <p:cNvPr id="2" name="Title 1"/>
+          <p:cNvSpPr>
+            <a:spLocks noGrp="1"/>
+          </p:cNvSpPr>
+          <p:nvPr>
+            <p:ph type="title"/>
+          </p:nvPr>
+        </p:nvSpPr>
+        <p:spPr/>
+        <p:txBody>
+          <a:bodyPr/>
+          <a:lstStyle/>
+          <a:p>
+            <a:r>
+              <a:rPr lang="en-CA" b="1" dirty="0"/>
+              <a:t>GWAS and Microbiome Part 2</a:t>
+            </a:r>
+          </a:p>
+        </p:txBody>
+      </p:sp>
+      <p:sp>
+        <p:nvSpPr>
+          <p:cNvPr id="3" name="Content Placeholder 2"/>
+          <p:cNvSpPr>
+            <a:spLocks noGrp="1"/>
+          </p:cNvSpPr>
+          <p:nvPr>
+            <p:ph idx="1"/>
+          </p:nvPr>
+        </p:nvSpPr>
+        <p:spPr/>
+        <p:txBody>
+          <a:bodyPr/>
+          <a:lstStyle/>
+          <a:p>
+            <a:r>
+              <a:rPr lang="en-CA" dirty="0"/>
+              <a:t>SNP (rs563779) within UHRF2 was associated with weighted </a:t>
+            </a:r>
+            <a:r>
+              <a:rPr lang="en-CA" dirty="0" err="1"/>
+              <a:t>UniFrac</a:t>
+            </a:r>
+            <a:endParaRPr lang="en-CA" dirty="0"/>
+          </a:p>
+          <a:p>
+            <a:pPr lvl="1"/>
+            <a:r>
+              <a:rPr lang="en-CA" dirty="0"/>
+              <a:t>P-value = 9.77x10-9</a:t>
+            </a:r>
+          </a:p>
+          <a:p>
+            <a:r>
+              <a:rPr lang="en-CA" dirty="0"/>
+              <a:t>Two SNPs associated with Bray Curtis dissimilarity</a:t>
+            </a:r>
+          </a:p>
+        </p:txBody>
+      </p:sp>
+    </p:spTree>
+    <p:extLst>
+      <p:ext uri="{BB962C8B-B14F-4D97-AF65-F5344CB8AC3E}">
+        <p14:creationId xmlns:p14="http://schemas.microsoft.com/office/powerpoint/2010/main" val="2028388068"/>
+      </p:ext>
+    </p:extLst>
+  </p:cSld>
+  <p:clrMapOvr>
+    <a:masterClrMapping/>
+  </p:clrMapOvr>
+</p:sld>
+</file>
+
+<file path=ppt/slides/slide15.xml><?xml version="1.0" encoding="utf-8"?>
+<p:sld xmlns:a="http://schemas.openxmlformats.org/drawingml/2006/main" xmlns:r="http://schemas.openxmlformats.org/officeDocument/2006/relationships" xmlns:p="http://schemas.openxmlformats.org/presentationml/2006/main">
+  <p:cSld>
+    <p:spTree>
+      <p:nvGrpSpPr>
+        <p:cNvPr id="1" name=""/>
+        <p:cNvGrpSpPr/>
+        <p:nvPr/>
+      </p:nvGrpSpPr>
+      <p:grpSpPr>
+        <a:xfrm>
+          <a:off x="0" y="0"/>
+          <a:ext cx="0" cy="0"/>
+          <a:chOff x="0" y="0"/>
+          <a:chExt cx="0" cy="0"/>
+        </a:xfrm>
+      </p:grpSpPr>
+      <p:sp>
+        <p:nvSpPr>
+          <p:cNvPr id="2" name="Title 1"/>
+          <p:cNvSpPr>
+            <a:spLocks noGrp="1"/>
+          </p:cNvSpPr>
+          <p:nvPr>
+            <p:ph type="title"/>
+          </p:nvPr>
+        </p:nvSpPr>
+        <p:spPr/>
+        <p:txBody>
+          <a:bodyPr/>
+          <a:lstStyle/>
+          <a:p>
+            <a:r>
+              <a:rPr lang="en-CA" b="1" dirty="0"/>
+              <a:t>Imputed Gene Expression and Microbiome</a:t>
+            </a:r>
+          </a:p>
+        </p:txBody>
+      </p:sp>
+      <p:sp>
+        <p:nvSpPr>
+          <p:cNvPr id="3" name="Content Placeholder 2"/>
+          <p:cNvSpPr>
+            <a:spLocks noGrp="1"/>
+          </p:cNvSpPr>
+          <p:nvPr>
+            <p:ph idx="1"/>
+          </p:nvPr>
+        </p:nvSpPr>
+        <p:spPr/>
+        <p:txBody>
+          <a:bodyPr/>
+          <a:lstStyle/>
+          <a:p>
+            <a:r>
+              <a:rPr lang="en-CA" dirty="0"/>
+              <a:t>Used </a:t>
+            </a:r>
+            <a:r>
+              <a:rPr lang="en-CA" dirty="0" err="1"/>
+              <a:t>PrediXcan</a:t>
+            </a:r>
+            <a:endParaRPr lang="en-CA" dirty="0"/>
+          </a:p>
+          <a:p>
+            <a:pPr lvl="1"/>
+            <a:r>
+              <a:rPr lang="en-CA" dirty="0"/>
+              <a:t>Imputes expression in 40 different tissues based on SNPs and Genotype</a:t>
+            </a:r>
+          </a:p>
+          <a:p>
+            <a:r>
+              <a:rPr lang="en-CA" dirty="0"/>
+              <a:t>Compared full 945 taxa set </a:t>
+            </a:r>
+          </a:p>
+          <a:p>
+            <a:r>
+              <a:rPr lang="en-CA" dirty="0"/>
+              <a:t>Had two separate significance </a:t>
+            </a:r>
+            <a:r>
+              <a:rPr lang="en-CA" dirty="0" err="1"/>
+              <a:t>cutoffs</a:t>
+            </a:r>
+            <a:endParaRPr lang="en-CA" dirty="0"/>
+          </a:p>
+          <a:p>
+            <a:pPr lvl="1"/>
+            <a:r>
+              <a:rPr lang="en-CA" dirty="0"/>
+              <a:t>Study-wide</a:t>
+            </a:r>
+          </a:p>
+          <a:p>
+            <a:pPr lvl="2"/>
+            <a:r>
+              <a:rPr lang="en-CA" dirty="0"/>
+              <a:t>0.05/(40x945x338372) = 3.91x10-12</a:t>
+            </a:r>
+          </a:p>
+          <a:p>
+            <a:pPr lvl="1"/>
+            <a:r>
+              <a:rPr lang="en-CA" dirty="0"/>
+              <a:t>Tissue-wide</a:t>
+            </a:r>
+          </a:p>
+          <a:p>
+            <a:pPr lvl="2"/>
+            <a:r>
+              <a:rPr lang="en-CA" dirty="0"/>
+              <a:t>0.05/(945 x # genes imputed in that tissue) or 5x10-8</a:t>
+            </a:r>
+          </a:p>
+        </p:txBody>
+      </p:sp>
+    </p:spTree>
+    <p:extLst>
+      <p:ext uri="{BB962C8B-B14F-4D97-AF65-F5344CB8AC3E}">
+        <p14:creationId xmlns:p14="http://schemas.microsoft.com/office/powerpoint/2010/main" val="825305090"/>
+      </p:ext>
+    </p:extLst>
+  </p:cSld>
+  <p:clrMapOvr>
+    <a:masterClrMapping/>
+  </p:clrMapOvr>
+</p:sld>
+</file>
+
+<file path=ppt/slides/slide16.xml><?xml version="1.0" encoding="utf-8"?>
+<p:sld xmlns:a="http://schemas.openxmlformats.org/drawingml/2006/main" xmlns:r="http://schemas.openxmlformats.org/officeDocument/2006/relationships" xmlns:p="http://schemas.openxmlformats.org/presentationml/2006/main">
+  <p:cSld>
+    <p:spTree>
+      <p:nvGrpSpPr>
+        <p:cNvPr id="1" name=""/>
+        <p:cNvGrpSpPr/>
+        <p:nvPr/>
+      </p:nvGrpSpPr>
+      <p:grpSpPr>
+        <a:xfrm>
+          <a:off x="0" y="0"/>
+          <a:ext cx="0" cy="0"/>
+          <a:chOff x="0" y="0"/>
+          <a:chExt cx="0" cy="0"/>
+        </a:xfrm>
+      </p:grpSpPr>
+      <p:sp>
+        <p:nvSpPr>
+          <p:cNvPr id="2" name="Title 1"/>
+          <p:cNvSpPr>
+            <a:spLocks noGrp="1"/>
+          </p:cNvSpPr>
+          <p:nvPr>
+            <p:ph type="title"/>
+          </p:nvPr>
+        </p:nvSpPr>
+        <p:spPr/>
+        <p:txBody>
+          <a:bodyPr/>
+          <a:lstStyle/>
+          <a:p>
+            <a:r>
+              <a:rPr lang="en-CA" b="1" dirty="0"/>
+              <a:t>Imputed Gene Expression and Microbiome</a:t>
+            </a:r>
+            <a:endParaRPr lang="en-CA" dirty="0"/>
+          </a:p>
+        </p:txBody>
+      </p:sp>
+      <p:sp>
+        <p:nvSpPr>
+          <p:cNvPr id="3" name="Content Placeholder 2"/>
+          <p:cNvSpPr>
+            <a:spLocks noGrp="1"/>
+          </p:cNvSpPr>
+          <p:nvPr>
+            <p:ph idx="1"/>
+          </p:nvPr>
+        </p:nvSpPr>
+        <p:spPr/>
+        <p:txBody>
+          <a:bodyPr>
+            <a:normAutofit lnSpcReduction="10000"/>
+          </a:bodyPr>
+          <a:lstStyle/>
+          <a:p>
+            <a:r>
+              <a:rPr lang="en-CA" dirty="0"/>
+              <a:t>Transverse colon SIGLEC15 expression associated with </a:t>
+            </a:r>
+            <a:r>
+              <a:rPr lang="en-CA" dirty="0" err="1"/>
+              <a:t>Akkermansia</a:t>
+            </a:r>
+            <a:r>
+              <a:rPr lang="en-CA" dirty="0"/>
+              <a:t> (p = 6.21 x 10-9)</a:t>
+            </a:r>
+          </a:p>
+          <a:p>
+            <a:r>
+              <a:rPr lang="en-CA" dirty="0"/>
+              <a:t>Number of other gene-microbiome under cut-off of 5x10-8</a:t>
+            </a:r>
+          </a:p>
+          <a:p>
+            <a:pPr lvl="1"/>
+            <a:r>
+              <a:rPr lang="en-CA" dirty="0"/>
+              <a:t>ZDHHC11B in Brain (cerebellum and Hypothalamus) </a:t>
+            </a:r>
+            <a:r>
+              <a:rPr lang="en-CA" i="1" dirty="0">
+                <a:solidFill>
+                  <a:schemeClr val="accent2">
+                    <a:lumMod val="60000"/>
+                    <a:lumOff val="40000"/>
+                  </a:schemeClr>
+                </a:solidFill>
+              </a:rPr>
+              <a:t>– ML615J.28 </a:t>
+            </a:r>
+          </a:p>
+          <a:p>
+            <a:pPr lvl="1"/>
+            <a:r>
+              <a:rPr lang="en-CA" dirty="0"/>
+              <a:t>RAB4B in Artery (</a:t>
+            </a:r>
+            <a:r>
+              <a:rPr lang="en-CA" dirty="0" err="1"/>
+              <a:t>Tibial</a:t>
+            </a:r>
+            <a:r>
+              <a:rPr lang="en-CA" dirty="0"/>
+              <a:t>) </a:t>
+            </a:r>
+            <a:r>
+              <a:rPr lang="en-CA" i="1" dirty="0">
+                <a:solidFill>
+                  <a:schemeClr val="accent2">
+                    <a:lumMod val="60000"/>
+                    <a:lumOff val="40000"/>
+                  </a:schemeClr>
+                </a:solidFill>
+              </a:rPr>
+              <a:t>– </a:t>
+            </a:r>
+            <a:r>
+              <a:rPr lang="en-CA" i="1" dirty="0" err="1">
+                <a:solidFill>
+                  <a:schemeClr val="accent2">
+                    <a:lumMod val="60000"/>
+                    <a:lumOff val="40000"/>
+                  </a:schemeClr>
+                </a:solidFill>
+              </a:rPr>
+              <a:t>Lachnospiraceae</a:t>
+            </a:r>
+            <a:r>
+              <a:rPr lang="en-CA" i="1" dirty="0">
+                <a:solidFill>
+                  <a:schemeClr val="accent2">
+                    <a:lumMod val="60000"/>
+                    <a:lumOff val="40000"/>
+                  </a:schemeClr>
+                </a:solidFill>
+              </a:rPr>
+              <a:t> (4331360)</a:t>
+            </a:r>
+          </a:p>
+          <a:p>
+            <a:pPr lvl="1"/>
+            <a:r>
+              <a:rPr lang="en-CA" dirty="0"/>
+              <a:t>RPS27L Colon (Transverse) </a:t>
+            </a:r>
+            <a:r>
+              <a:rPr lang="en-CA" i="1" dirty="0">
+                <a:solidFill>
+                  <a:schemeClr val="accent2">
+                    <a:lumMod val="60000"/>
+                    <a:lumOff val="40000"/>
+                  </a:schemeClr>
+                </a:solidFill>
+              </a:rPr>
+              <a:t>– </a:t>
+            </a:r>
+            <a:r>
+              <a:rPr lang="en-CA" i="1" dirty="0" err="1">
+                <a:solidFill>
+                  <a:schemeClr val="accent2">
+                    <a:lumMod val="60000"/>
+                    <a:lumOff val="40000"/>
+                  </a:schemeClr>
+                </a:solidFill>
+              </a:rPr>
+              <a:t>Ruminococcaceae</a:t>
+            </a:r>
+            <a:r>
+              <a:rPr lang="en-CA" i="1" dirty="0">
+                <a:solidFill>
+                  <a:schemeClr val="accent2">
+                    <a:lumMod val="60000"/>
+                    <a:lumOff val="40000"/>
+                  </a:schemeClr>
+                </a:solidFill>
+              </a:rPr>
+              <a:t> (352347)</a:t>
+            </a:r>
+          </a:p>
+          <a:p>
+            <a:pPr lvl="1"/>
+            <a:r>
+              <a:rPr lang="en-CA" dirty="0"/>
+              <a:t>HSF2 Heart (Left-Ventricle) </a:t>
+            </a:r>
+            <a:r>
+              <a:rPr lang="en-CA" i="1" dirty="0">
+                <a:solidFill>
+                  <a:schemeClr val="accent2">
+                    <a:lumMod val="60000"/>
+                    <a:lumOff val="40000"/>
+                  </a:schemeClr>
+                </a:solidFill>
+              </a:rPr>
+              <a:t>– </a:t>
+            </a:r>
+            <a:r>
+              <a:rPr lang="en-CA" i="1" dirty="0" err="1">
+                <a:solidFill>
+                  <a:schemeClr val="accent2">
+                    <a:lumMod val="60000"/>
+                    <a:lumOff val="40000"/>
+                  </a:schemeClr>
+                </a:solidFill>
+              </a:rPr>
+              <a:t>Bacteroides</a:t>
+            </a:r>
+            <a:r>
+              <a:rPr lang="en-CA" i="1" dirty="0">
+                <a:solidFill>
+                  <a:schemeClr val="accent2">
+                    <a:lumMod val="60000"/>
+                    <a:lumOff val="40000"/>
+                  </a:schemeClr>
+                </a:solidFill>
+              </a:rPr>
+              <a:t> </a:t>
+            </a:r>
+          </a:p>
+          <a:p>
+            <a:pPr lvl="1"/>
+            <a:r>
+              <a:rPr lang="en-CA" dirty="0"/>
+              <a:t>RPS-468k18.5 Nerve (</a:t>
+            </a:r>
+            <a:r>
+              <a:rPr lang="en-CA" dirty="0" err="1"/>
+              <a:t>Tibial</a:t>
+            </a:r>
+            <a:r>
+              <a:rPr lang="en-CA" dirty="0"/>
+              <a:t>) </a:t>
+            </a:r>
+            <a:r>
+              <a:rPr lang="en-CA" i="1" dirty="0">
+                <a:solidFill>
+                  <a:schemeClr val="accent2">
+                    <a:lumMod val="60000"/>
+                    <a:lumOff val="40000"/>
+                  </a:schemeClr>
+                </a:solidFill>
+              </a:rPr>
+              <a:t>– </a:t>
+            </a:r>
+            <a:r>
+              <a:rPr lang="en-CA" i="1" dirty="0" err="1">
+                <a:solidFill>
+                  <a:schemeClr val="accent2">
+                    <a:lumMod val="60000"/>
+                    <a:lumOff val="40000"/>
+                  </a:schemeClr>
+                </a:solidFill>
+              </a:rPr>
+              <a:t>Ruminococcaceae</a:t>
+            </a:r>
+            <a:r>
+              <a:rPr lang="en-CA" i="1" dirty="0">
+                <a:solidFill>
+                  <a:schemeClr val="accent2">
+                    <a:lumMod val="60000"/>
+                    <a:lumOff val="40000"/>
+                  </a:schemeClr>
+                </a:solidFill>
+              </a:rPr>
+              <a:t> (44151)</a:t>
+            </a:r>
+          </a:p>
+          <a:p>
+            <a:pPr lvl="1"/>
+            <a:r>
+              <a:rPr lang="en-CA" dirty="0"/>
+              <a:t>INSL3 Skin (Sun exposed lower leg) </a:t>
+            </a:r>
+            <a:r>
+              <a:rPr lang="en-CA" i="1" dirty="0">
+                <a:solidFill>
+                  <a:schemeClr val="accent2">
+                    <a:lumMod val="60000"/>
+                    <a:lumOff val="40000"/>
+                  </a:schemeClr>
+                </a:solidFill>
+              </a:rPr>
+              <a:t>– </a:t>
+            </a:r>
+            <a:r>
+              <a:rPr lang="en-CA" i="1" dirty="0" err="1">
+                <a:solidFill>
+                  <a:schemeClr val="accent2">
+                    <a:lumMod val="60000"/>
+                    <a:lumOff val="40000"/>
+                  </a:schemeClr>
+                </a:solidFill>
+              </a:rPr>
+              <a:t>Lachnospiraceae</a:t>
+            </a:r>
+            <a:r>
+              <a:rPr lang="en-CA" i="1" dirty="0">
+                <a:solidFill>
+                  <a:schemeClr val="accent2">
+                    <a:lumMod val="60000"/>
+                    <a:lumOff val="40000"/>
+                  </a:schemeClr>
+                </a:solidFill>
+              </a:rPr>
+              <a:t> (179384)</a:t>
+            </a:r>
+          </a:p>
+          <a:p>
+            <a:pPr lvl="1"/>
+            <a:r>
+              <a:rPr lang="en-CA" dirty="0"/>
+              <a:t>JPH4 Spleen </a:t>
+            </a:r>
+            <a:r>
+              <a:rPr lang="en-CA" i="1" dirty="0">
+                <a:solidFill>
+                  <a:schemeClr val="accent2">
+                    <a:lumMod val="60000"/>
+                    <a:lumOff val="40000"/>
+                  </a:schemeClr>
+                </a:solidFill>
+              </a:rPr>
+              <a:t>– </a:t>
+            </a:r>
+            <a:r>
+              <a:rPr lang="en-CA" i="1" dirty="0" err="1">
+                <a:solidFill>
+                  <a:schemeClr val="accent2">
+                    <a:lumMod val="60000"/>
+                    <a:lumOff val="40000"/>
+                  </a:schemeClr>
+                </a:solidFill>
+              </a:rPr>
+              <a:t>Clostridiales</a:t>
+            </a:r>
+            <a:r>
+              <a:rPr lang="en-CA" i="1" dirty="0">
+                <a:solidFill>
+                  <a:schemeClr val="accent2">
+                    <a:lumMod val="60000"/>
+                    <a:lumOff val="40000"/>
+                  </a:schemeClr>
+                </a:solidFill>
+              </a:rPr>
+              <a:t> (193075)</a:t>
+            </a:r>
+          </a:p>
+          <a:p>
+            <a:pPr lvl="1"/>
+            <a:r>
+              <a:rPr lang="en-CA" dirty="0"/>
+              <a:t>PPP1R3E Cells (Transformed Fibroblasts) </a:t>
+            </a:r>
+            <a:r>
+              <a:rPr lang="en-CA" i="1" dirty="0">
+                <a:solidFill>
+                  <a:schemeClr val="accent2">
+                    <a:lumMod val="60000"/>
+                    <a:lumOff val="40000"/>
+                  </a:schemeClr>
+                </a:solidFill>
+              </a:rPr>
+              <a:t>– </a:t>
+            </a:r>
+            <a:r>
+              <a:rPr lang="en-CA" i="1" dirty="0" err="1">
+                <a:solidFill>
+                  <a:schemeClr val="accent2">
+                    <a:lumMod val="60000"/>
+                    <a:lumOff val="40000"/>
+                  </a:schemeClr>
+                </a:solidFill>
+              </a:rPr>
+              <a:t>Clostridiales</a:t>
+            </a:r>
+            <a:r>
+              <a:rPr lang="en-CA" i="1" dirty="0">
+                <a:solidFill>
+                  <a:schemeClr val="accent2">
+                    <a:lumMod val="60000"/>
+                    <a:lumOff val="40000"/>
+                  </a:schemeClr>
+                </a:solidFill>
+              </a:rPr>
+              <a:t> (193075)</a:t>
+            </a:r>
+          </a:p>
+          <a:p>
+            <a:pPr lvl="1"/>
+            <a:endParaRPr lang="en-CA" dirty="0"/>
+          </a:p>
+        </p:txBody>
+      </p:sp>
+    </p:spTree>
+    <p:extLst>
+      <p:ext uri="{BB962C8B-B14F-4D97-AF65-F5344CB8AC3E}">
+        <p14:creationId xmlns:p14="http://schemas.microsoft.com/office/powerpoint/2010/main" val="575936659"/>
+      </p:ext>
+    </p:extLst>
+  </p:cSld>
+  <p:clrMapOvr>
+    <a:masterClrMapping/>
+  </p:clrMapOvr>
+</p:sld>
+</file>
+
+<file path=ppt/slides/slide17.xml><?xml version="1.0" encoding="utf-8"?>
+<p:sld xmlns:a="http://schemas.openxmlformats.org/drawingml/2006/main" xmlns:r="http://schemas.openxmlformats.org/officeDocument/2006/relationships" xmlns:p="http://schemas.openxmlformats.org/presentationml/2006/main">
+  <p:cSld>
+    <p:spTree>
+      <p:nvGrpSpPr>
+        <p:cNvPr id="1" name=""/>
+        <p:cNvGrpSpPr/>
+        <p:nvPr/>
+      </p:nvGrpSpPr>
+      <p:grpSpPr>
+        <a:xfrm>
+          <a:off x="0" y="0"/>
+          <a:ext cx="0" cy="0"/>
+          <a:chOff x="0" y="0"/>
+          <a:chExt cx="0" cy="0"/>
+        </a:xfrm>
+      </p:grpSpPr>
+      <p:sp>
+        <p:nvSpPr>
+          <p:cNvPr id="2" name="Title 1"/>
+          <p:cNvSpPr>
+            <a:spLocks noGrp="1"/>
+          </p:cNvSpPr>
+          <p:nvPr>
+            <p:ph type="title"/>
+          </p:nvPr>
+        </p:nvSpPr>
+        <p:spPr/>
+        <p:txBody>
+          <a:bodyPr/>
+          <a:lstStyle/>
+          <a:p>
+            <a:r>
+              <a:rPr lang="en-CA" b="1" dirty="0"/>
+              <a:t>Heritability across Studies</a:t>
+            </a:r>
+          </a:p>
+        </p:txBody>
+      </p:sp>
+      <p:pic>
+        <p:nvPicPr>
+          <p:cNvPr id="4" name="Picture 3"/>
+          <p:cNvPicPr>
+            <a:picLocks noChangeAspect="1"/>
+          </p:cNvPicPr>
+          <p:nvPr/>
+        </p:nvPicPr>
+        <p:blipFill>
+          <a:blip r:embed="rId3"/>
+          <a:stretch>
+            <a:fillRect/>
+          </a:stretch>
+        </p:blipFill>
+        <p:spPr>
+          <a:xfrm>
+            <a:off x="270729" y="1376948"/>
+            <a:ext cx="5374755" cy="5374640"/>
+          </a:xfrm>
+          <a:prstGeom prst="rect">
+            <a:avLst/>
+          </a:prstGeom>
+        </p:spPr>
+      </p:pic>
+      <p:sp>
+        <p:nvSpPr>
+          <p:cNvPr id="6" name="TextBox 5"/>
+          <p:cNvSpPr txBox="1"/>
+          <p:nvPr/>
+        </p:nvSpPr>
+        <p:spPr>
+          <a:xfrm>
+            <a:off x="5963478" y="1818860"/>
+            <a:ext cx="5903844" cy="4472609"/>
+          </a:xfrm>
+          <a:prstGeom prst="rect">
+            <a:avLst/>
+          </a:prstGeom>
+          <a:noFill/>
+        </p:spPr>
+        <p:txBody>
+          <a:bodyPr wrap="square" rtlCol="0">
+            <a:spAutoFit/>
+          </a:bodyPr>
+          <a:lstStyle/>
+          <a:p>
+            <a:endParaRPr lang="en-CA" dirty="0"/>
+          </a:p>
+        </p:txBody>
+      </p:sp>
+      <p:sp>
+        <p:nvSpPr>
+          <p:cNvPr id="5" name="Content Placeholder 2"/>
+          <p:cNvSpPr>
+            <a:spLocks noGrp="1"/>
+          </p:cNvSpPr>
+          <p:nvPr>
+            <p:ph idx="1"/>
+          </p:nvPr>
+        </p:nvSpPr>
+        <p:spPr>
+          <a:xfrm>
+            <a:off x="6275672" y="1825625"/>
+            <a:ext cx="5078128" cy="4351338"/>
+          </a:xfrm>
+        </p:spPr>
+        <p:txBody>
+          <a:bodyPr/>
+          <a:lstStyle/>
+          <a:p>
+            <a:r>
+              <a:rPr lang="en-CA" dirty="0"/>
+              <a:t>Want to show that there is consistency between studies in both mouse and humans with respect to heritable taxa within the microbiome.</a:t>
+            </a:r>
+          </a:p>
+        </p:txBody>
+      </p:sp>
+    </p:spTree>
+    <p:extLst>
+      <p:ext uri="{BB962C8B-B14F-4D97-AF65-F5344CB8AC3E}">
+        <p14:creationId xmlns:p14="http://schemas.microsoft.com/office/powerpoint/2010/main" val="1574247325"/>
+      </p:ext>
+    </p:extLst>
+  </p:cSld>
+  <p:clrMapOvr>
+    <a:masterClrMapping/>
+  </p:clrMapOvr>
+</p:sld>
+</file>
+
+<file path=ppt/slides/slide18.xml><?xml version="1.0" encoding="utf-8"?>
+<p:sld xmlns:a="http://schemas.openxmlformats.org/drawingml/2006/main" xmlns:r="http://schemas.openxmlformats.org/officeDocument/2006/relationships" xmlns:p="http://schemas.openxmlformats.org/presentationml/2006/main">
+  <p:cSld>
+    <p:spTree>
+      <p:nvGrpSpPr>
+        <p:cNvPr id="1" name=""/>
+        <p:cNvGrpSpPr/>
+        <p:nvPr/>
+      </p:nvGrpSpPr>
+      <p:grpSpPr>
+        <a:xfrm>
+          <a:off x="0" y="0"/>
+          <a:ext cx="0" cy="0"/>
+          <a:chOff x="0" y="0"/>
+          <a:chExt cx="0" cy="0"/>
+        </a:xfrm>
+      </p:grpSpPr>
+      <p:sp>
+        <p:nvSpPr>
+          <p:cNvPr id="2" name="Title 1"/>
+          <p:cNvSpPr>
+            <a:spLocks noGrp="1"/>
+          </p:cNvSpPr>
+          <p:nvPr>
+            <p:ph type="title"/>
+          </p:nvPr>
+        </p:nvSpPr>
+        <p:spPr/>
+        <p:txBody>
+          <a:bodyPr/>
+          <a:lstStyle/>
+          <a:p>
+            <a:r>
+              <a:rPr lang="en-CA" b="1" dirty="0"/>
+              <a:t>Summary</a:t>
+            </a:r>
+          </a:p>
+        </p:txBody>
+      </p:sp>
+      <p:sp>
+        <p:nvSpPr>
+          <p:cNvPr id="3" name="Content Placeholder 2"/>
+          <p:cNvSpPr>
+            <a:spLocks noGrp="1"/>
+          </p:cNvSpPr>
+          <p:nvPr>
+            <p:ph idx="1"/>
+          </p:nvPr>
+        </p:nvSpPr>
+        <p:spPr>
+          <a:xfrm>
+            <a:off x="5062889" y="1825625"/>
+            <a:ext cx="6290912" cy="4351338"/>
+          </a:xfrm>
+        </p:spPr>
+        <p:txBody>
+          <a:bodyPr/>
+          <a:lstStyle/>
+          <a:p>
+            <a:r>
+              <a:rPr lang="en-CA" dirty="0"/>
+              <a:t>The cartoon is supposed to emphasize that </a:t>
+            </a:r>
+            <a:r>
+              <a:rPr lang="en-CA" dirty="0" err="1"/>
+              <a:t>Bifdobacterium</a:t>
+            </a:r>
+            <a:r>
+              <a:rPr lang="en-CA" dirty="0"/>
+              <a:t> is a heritable taxa and that it is linked to polymorphisms in the LCT gene.  So those with a specific SNP in the LCT gene will have more </a:t>
+            </a:r>
+            <a:r>
+              <a:rPr lang="en-CA" dirty="0" err="1"/>
+              <a:t>Bifdobacterium</a:t>
+            </a:r>
+            <a:r>
+              <a:rPr lang="en-CA" dirty="0"/>
+              <a:t> then those that do not.</a:t>
+            </a:r>
+          </a:p>
+          <a:p>
+            <a:endParaRPr lang="en-CA" dirty="0"/>
+          </a:p>
+          <a:p>
+            <a:r>
+              <a:rPr lang="en-CA" dirty="0"/>
+              <a:t>What do you think?</a:t>
+            </a:r>
+          </a:p>
+        </p:txBody>
+      </p:sp>
+      <p:pic>
+        <p:nvPicPr>
+          <p:cNvPr id="4" name="Picture 2" descr="Figure thumbnail fx1"/>
+          <p:cNvPicPr>
+            <a:picLocks noChangeAspect="1" noChangeArrowheads="1"/>
+          </p:cNvPicPr>
+          <p:nvPr/>
+        </p:nvPicPr>
+        <p:blipFill>
+          <a:blip r:embed="rId2">
+            <a:extLst>
+              <a:ext uri="{28A0092B-C50C-407E-A947-70E740481C1C}">
+                <a14:useLocalDpi xmlns:a14="http://schemas.microsoft.com/office/drawing/2010/main" val="0"/>
+              </a:ext>
+            </a:extLst>
+          </a:blip>
+          <a:srcRect/>
+          <a:stretch>
+            <a:fillRect/>
+          </a:stretch>
+        </p:blipFill>
+        <p:spPr bwMode="auto">
+          <a:xfrm>
+            <a:off x="774252" y="2038156"/>
+            <a:ext cx="4010360" cy="4010360"/>
+          </a:xfrm>
+          <a:prstGeom prst="rect">
+            <a:avLst/>
+          </a:prstGeom>
+          <a:noFill/>
+          <a:extLst>
+            <a:ext uri="{909E8E84-426E-40DD-AFC4-6F175D3DCCD1}">
+              <a14:hiddenFill xmlns:a14="http://schemas.microsoft.com/office/drawing/2010/main">
+                <a:solidFill>
+                  <a:srgbClr val="FFFFFF"/>
+                </a:solidFill>
+              </a14:hiddenFill>
+            </a:ext>
+          </a:extLst>
+        </p:spPr>
+      </p:pic>
+    </p:spTree>
+    <p:extLst>
+      <p:ext uri="{BB962C8B-B14F-4D97-AF65-F5344CB8AC3E}">
+        <p14:creationId xmlns:p14="http://schemas.microsoft.com/office/powerpoint/2010/main" val="3009261674"/>
+      </p:ext>
+    </p:extLst>
+  </p:cSld>
+  <p:clrMapOvr>
+    <a:masterClrMapping/>
+  </p:clrMapOvr>
+  <p:timing>
+    <p:tnLst>
+      <p:par>
+        <p:cTn id="1" dur="indefinite" restart="never" nodeType="tmRoot">
+          <p:childTnLst>
+            <p:seq concurrent="1" nextAc="seek">
+              <p:cTn id="2" dur="indefinite" nodeType="mainSeq">
+                <p:childTnLst>
+                  <p:par>
+                    <p:cTn id="3" fill="hold">
+                      <p:stCondLst>
+                        <p:cond delay="indefinite"/>
+                      </p:stCondLst>
+                      <p:childTnLst>
+                        <p:par>
+                          <p:cTn id="4" fill="hold">
+                            <p:stCondLst>
+                              <p:cond delay="0"/>
+                            </p:stCondLst>
+                            <p:childTnLst>
+                              <p:par>
+                                <p:cTn id="5" presetID="10" presetClass="entr" presetSubtype="0" fill="hold" nodeType="clickEffect">
+                                  <p:stCondLst>
+                                    <p:cond delay="0"/>
+                                  </p:stCondLst>
+                                  <p:childTnLst>
+                                    <p:set>
+                                      <p:cBhvr>
+                                        <p:cTn id="6" dur="1" fill="hold">
+                                          <p:stCondLst>
+                                            <p:cond delay="0"/>
+                                          </p:stCondLst>
+                                        </p:cTn>
+                                        <p:tgtEl>
+                                          <p:spTgt spid="3">
+                                            <p:txEl>
+                                              <p:pRg st="0" end="0"/>
+                                            </p:txEl>
+                                          </p:spTgt>
+                                        </p:tgtEl>
+                                        <p:attrNameLst>
+                                          <p:attrName>style.visibility</p:attrName>
+                                        </p:attrNameLst>
+                                      </p:cBhvr>
+                                      <p:to>
+                                        <p:strVal val="visible"/>
+                                      </p:to>
+                                    </p:set>
+                                    <p:animEffect transition="in" filter="fade">
+                                      <p:cBhvr>
+                                        <p:cTn id="7" dur="500"/>
+                                        <p:tgtEl>
+                                          <p:spTgt spid="3">
+                                            <p:txEl>
+                                              <p:pRg st="0" end="0"/>
+                                            </p:txEl>
+                                          </p:spTgt>
+                                        </p:tgtEl>
+                                      </p:cBhvr>
+                                    </p:animEffect>
+                                  </p:childTnLst>
+                                </p:cTn>
+                              </p:par>
+                            </p:childTnLst>
+                          </p:cTn>
+                        </p:par>
+                      </p:childTnLst>
+                    </p:cTn>
+                  </p:par>
+                  <p:par>
+                    <p:cTn id="8" fill="hold">
+                      <p:stCondLst>
+                        <p:cond delay="indefinite"/>
+                      </p:stCondLst>
+                      <p:childTnLst>
+                        <p:par>
+                          <p:cTn id="9" fill="hold">
+                            <p:stCondLst>
+                              <p:cond delay="0"/>
+                            </p:stCondLst>
+                            <p:childTnLst>
+                              <p:par>
+                                <p:cTn id="10" presetID="10" presetClass="entr" presetSubtype="0" fill="hold" nodeType="clickEffect">
+                                  <p:stCondLst>
+                                    <p:cond delay="0"/>
+                                  </p:stCondLst>
+                                  <p:childTnLst>
+                                    <p:set>
+                                      <p:cBhvr>
+                                        <p:cTn id="11" dur="1" fill="hold">
+                                          <p:stCondLst>
+                                            <p:cond delay="0"/>
+                                          </p:stCondLst>
+                                        </p:cTn>
+                                        <p:tgtEl>
+                                          <p:spTgt spid="3">
+                                            <p:txEl>
+                                              <p:pRg st="2" end="2"/>
+                                            </p:txEl>
+                                          </p:spTgt>
+                                        </p:tgtEl>
+                                        <p:attrNameLst>
+                                          <p:attrName>style.visibility</p:attrName>
+                                        </p:attrNameLst>
+                                      </p:cBhvr>
+                                      <p:to>
+                                        <p:strVal val="visible"/>
+                                      </p:to>
+                                    </p:set>
+                                    <p:animEffect transition="in" filter="fade">
+                                      <p:cBhvr>
+                                        <p:cTn id="12" dur="500"/>
+                                        <p:tgtEl>
+                                          <p:spTgt spid="3">
+                                            <p:txEl>
+                                              <p:pRg st="2" end="2"/>
+                                            </p:txEl>
+                                          </p:spTgt>
+                                        </p:tgtEl>
+                                      </p:cBhvr>
+                                    </p:animEffect>
+                                  </p:childTnLst>
+                                </p:cTn>
+                              </p:par>
+                            </p:childTnLst>
+                          </p:cTn>
+                        </p:par>
+                      </p:childTnLst>
+                    </p:cTn>
+                  </p:par>
+                </p:childTnLst>
+              </p:cTn>
+              <p:prevCondLst>
+                <p:cond evt="onPrev" delay="0">
+                  <p:tgtEl>
+                    <p:sldTgt/>
+                  </p:tgtEl>
+                </p:cond>
+              </p:prevCondLst>
+              <p:nextCondLst>
+                <p:cond evt="onNext" delay="0">
+                  <p:tgtEl>
+                    <p:sldTgt/>
+                  </p:tgtEl>
+                </p:cond>
+              </p:nextCondLst>
+            </p:seq>
+          </p:childTnLst>
+        </p:cTn>
+      </p:par>
+    </p:tnLst>
+  </p:timing>
 </p:sld>
 </file>
 

--- a/2016_07_14/genetic_determinants_journal_club.pptx
+++ b/2016_07_14/genetic_determinants_journal_club.pptx
@@ -225,7 +225,7 @@
           <a:p>
             <a:fld id="{AA5547FE-DE86-48F2-B1C9-559CBE84D72F}" type="datetimeFigureOut">
               <a:rPr lang="en-CA" smtClean="0"/>
-              <a:t>2016-07-13</a:t>
+              <a:t>2016-07-14</a:t>
             </a:fld>
             <a:endParaRPr lang="en-CA"/>
           </a:p>
@@ -1173,6 +1173,12 @@
               <a:rPr lang="en-CA" baseline="0" dirty="0"/>
               <a:t> they are probably not sufficiently powered to adequately test this</a:t>
             </a:r>
+          </a:p>
+          <a:p>
+            <a:r>
+              <a:rPr lang="en-CA" baseline="0" dirty="0"/>
+              <a:t>Mention that FDR &lt; 0.2 is really aggressive (open to lots of false positives)</a:t>
+            </a:r>
             <a:endParaRPr lang="en-CA" dirty="0"/>
           </a:p>
         </p:txBody>
@@ -1554,7 +1560,7 @@
           <a:p>
             <a:fld id="{BDACA4CE-AD01-4161-939A-ABC192574EC2}" type="datetimeFigureOut">
               <a:rPr lang="en-CA" smtClean="0"/>
-              <a:t>2016-07-13</a:t>
+              <a:t>2016-07-14</a:t>
             </a:fld>
             <a:endParaRPr lang="en-CA"/>
           </a:p>
@@ -1724,7 +1730,7 @@
           <a:p>
             <a:fld id="{BDACA4CE-AD01-4161-939A-ABC192574EC2}" type="datetimeFigureOut">
               <a:rPr lang="en-CA" smtClean="0"/>
-              <a:t>2016-07-13</a:t>
+              <a:t>2016-07-14</a:t>
             </a:fld>
             <a:endParaRPr lang="en-CA"/>
           </a:p>
@@ -1904,7 +1910,7 @@
           <a:p>
             <a:fld id="{BDACA4CE-AD01-4161-939A-ABC192574EC2}" type="datetimeFigureOut">
               <a:rPr lang="en-CA" smtClean="0"/>
-              <a:t>2016-07-13</a:t>
+              <a:t>2016-07-14</a:t>
             </a:fld>
             <a:endParaRPr lang="en-CA"/>
           </a:p>
@@ -2074,7 +2080,7 @@
           <a:p>
             <a:fld id="{BDACA4CE-AD01-4161-939A-ABC192574EC2}" type="datetimeFigureOut">
               <a:rPr lang="en-CA" smtClean="0"/>
-              <a:t>2016-07-13</a:t>
+              <a:t>2016-07-14</a:t>
             </a:fld>
             <a:endParaRPr lang="en-CA"/>
           </a:p>
@@ -2320,7 +2326,7 @@
           <a:p>
             <a:fld id="{BDACA4CE-AD01-4161-939A-ABC192574EC2}" type="datetimeFigureOut">
               <a:rPr lang="en-CA" smtClean="0"/>
-              <a:t>2016-07-13</a:t>
+              <a:t>2016-07-14</a:t>
             </a:fld>
             <a:endParaRPr lang="en-CA"/>
           </a:p>
@@ -2552,7 +2558,7 @@
           <a:p>
             <a:fld id="{BDACA4CE-AD01-4161-939A-ABC192574EC2}" type="datetimeFigureOut">
               <a:rPr lang="en-CA" smtClean="0"/>
-              <a:t>2016-07-13</a:t>
+              <a:t>2016-07-14</a:t>
             </a:fld>
             <a:endParaRPr lang="en-CA"/>
           </a:p>
@@ -2919,7 +2925,7 @@
           <a:p>
             <a:fld id="{BDACA4CE-AD01-4161-939A-ABC192574EC2}" type="datetimeFigureOut">
               <a:rPr lang="en-CA" smtClean="0"/>
-              <a:t>2016-07-13</a:t>
+              <a:t>2016-07-14</a:t>
             </a:fld>
             <a:endParaRPr lang="en-CA"/>
           </a:p>
@@ -3037,7 +3043,7 @@
           <a:p>
             <a:fld id="{BDACA4CE-AD01-4161-939A-ABC192574EC2}" type="datetimeFigureOut">
               <a:rPr lang="en-CA" smtClean="0"/>
-              <a:t>2016-07-13</a:t>
+              <a:t>2016-07-14</a:t>
             </a:fld>
             <a:endParaRPr lang="en-CA"/>
           </a:p>
@@ -3132,7 +3138,7 @@
           <a:p>
             <a:fld id="{BDACA4CE-AD01-4161-939A-ABC192574EC2}" type="datetimeFigureOut">
               <a:rPr lang="en-CA" smtClean="0"/>
-              <a:t>2016-07-13</a:t>
+              <a:t>2016-07-14</a:t>
             </a:fld>
             <a:endParaRPr lang="en-CA"/>
           </a:p>
@@ -3409,7 +3415,7 @@
           <a:p>
             <a:fld id="{BDACA4CE-AD01-4161-939A-ABC192574EC2}" type="datetimeFigureOut">
               <a:rPr lang="en-CA" smtClean="0"/>
-              <a:t>2016-07-13</a:t>
+              <a:t>2016-07-14</a:t>
             </a:fld>
             <a:endParaRPr lang="en-CA"/>
           </a:p>
@@ -3662,7 +3668,7 @@
           <a:p>
             <a:fld id="{BDACA4CE-AD01-4161-939A-ABC192574EC2}" type="datetimeFigureOut">
               <a:rPr lang="en-CA" smtClean="0"/>
-              <a:t>2016-07-13</a:t>
+              <a:t>2016-07-14</a:t>
             </a:fld>
             <a:endParaRPr lang="en-CA"/>
           </a:p>
@@ -3875,7 +3881,7 @@
           <a:p>
             <a:fld id="{BDACA4CE-AD01-4161-939A-ABC192574EC2}" type="datetimeFigureOut">
               <a:rPr lang="en-CA" smtClean="0"/>
-              <a:t>2016-07-13</a:t>
+              <a:t>2016-07-14</a:t>
             </a:fld>
             <a:endParaRPr lang="en-CA"/>
           </a:p>
@@ -4444,6 +4450,67 @@
           </a:prstGeom>
         </p:spPr>
       </p:pic>
+      <p:sp>
+        <p:nvSpPr>
+          <p:cNvPr id="3" name="TextBox 2"/>
+          <p:cNvSpPr txBox="1"/>
+          <p:nvPr/>
+        </p:nvSpPr>
+        <p:spPr>
+          <a:xfrm>
+            <a:off x="7305575" y="5890661"/>
+            <a:ext cx="4141262" cy="646331"/>
+          </a:xfrm>
+          <a:prstGeom prst="rect">
+            <a:avLst/>
+          </a:prstGeom>
+          <a:noFill/>
+        </p:spPr>
+        <p:txBody>
+          <a:bodyPr wrap="none" rtlCol="0">
+            <a:spAutoFit/>
+          </a:bodyPr>
+          <a:lstStyle/>
+          <a:p>
+            <a:pPr algn="ctr"/>
+            <a:r>
+              <a:rPr lang="en-CA" dirty="0"/>
+              <a:t>Falconer’s formula to calculate Heritability</a:t>
+            </a:r>
+          </a:p>
+          <a:p>
+            <a:pPr algn="ctr"/>
+            <a:r>
+              <a:rPr lang="en-CA" dirty="0"/>
+              <a:t>H2 = A = 2 * (</a:t>
+            </a:r>
+            <a:r>
+              <a:rPr lang="en-CA" dirty="0" err="1"/>
+              <a:t>r</a:t>
+            </a:r>
+            <a:r>
+              <a:rPr lang="en-CA" baseline="-25000" dirty="0" err="1"/>
+              <a:t>mz</a:t>
+            </a:r>
+            <a:r>
+              <a:rPr lang="en-CA" dirty="0"/>
+              <a:t> – </a:t>
+            </a:r>
+            <a:r>
+              <a:rPr lang="en-CA" dirty="0" err="1"/>
+              <a:t>r</a:t>
+            </a:r>
+            <a:r>
+              <a:rPr lang="en-CA" baseline="-25000" dirty="0" err="1"/>
+              <a:t>dz</a:t>
+            </a:r>
+            <a:r>
+              <a:rPr lang="en-CA" dirty="0"/>
+              <a:t>) </a:t>
+            </a:r>
+          </a:p>
+        </p:txBody>
+      </p:sp>
     </p:spTree>
     <p:extLst>
       <p:ext uri="{BB962C8B-B14F-4D97-AF65-F5344CB8AC3E}">
@@ -4574,7 +4641,7 @@
           <a:p>
             <a:r>
               <a:rPr lang="en-CA" dirty="0"/>
-              <a:t>Significance for trait determined by taking lowest p-value and comparing it to 1000 p-values of the taxa residuals</a:t>
+              <a:t>Significance for trait determined by taking lowest p-value and comparing it to 1000 iterations of p-values of the taxa residuals</a:t>
             </a:r>
           </a:p>
           <a:p>
@@ -4583,6 +4650,52 @@
               <a:rPr lang="en-CA" dirty="0"/>
               <a:t>If there were 3 tests done for a group (p-values = 0.05, 0.000001, and 0.4) the lowest of the three would then be compared to the distribution of the 1000 p-values of the taxa residuals. This would determine if the trait was significant or not.</a:t>
             </a:r>
+          </a:p>
+        </p:txBody>
+      </p:sp>
+      <p:sp>
+        <p:nvSpPr>
+          <p:cNvPr id="3" name="Rectangle 2"/>
+          <p:cNvSpPr/>
+          <p:nvPr/>
+        </p:nvSpPr>
+        <p:spPr>
+          <a:xfrm>
+            <a:off x="173255" y="4908884"/>
+            <a:ext cx="7440328" cy="192505"/>
+          </a:xfrm>
+          <a:prstGeom prst="rect">
+            <a:avLst/>
+          </a:prstGeom>
+          <a:noFill/>
+          <a:ln w="28575">
+            <a:solidFill>
+              <a:srgbClr val="FF0000"/>
+            </a:solidFill>
+          </a:ln>
+        </p:spPr>
+        <p:style>
+          <a:lnRef idx="2">
+            <a:schemeClr val="accent1">
+              <a:shade val="50000"/>
+            </a:schemeClr>
+          </a:lnRef>
+          <a:fillRef idx="1">
+            <a:schemeClr val="accent1"/>
+          </a:fillRef>
+          <a:effectRef idx="0">
+            <a:schemeClr val="accent1"/>
+          </a:effectRef>
+          <a:fontRef idx="minor">
+            <a:schemeClr val="lt1"/>
+          </a:fontRef>
+        </p:style>
+        <p:txBody>
+          <a:bodyPr rtlCol="0" anchor="ctr"/>
+          <a:lstStyle/>
+          <a:p>
+            <a:pPr algn="ctr"/>
+            <a:endParaRPr lang="en-CA"/>
           </a:p>
         </p:txBody>
       </p:sp>
@@ -4657,6 +4770,224 @@
                       </p:childTnLst>
                     </p:cTn>
                   </p:par>
+                  <p:par>
+                    <p:cTn id="8" fill="hold">
+                      <p:stCondLst>
+                        <p:cond delay="indefinite"/>
+                      </p:stCondLst>
+                      <p:childTnLst>
+                        <p:par>
+                          <p:cTn id="9" fill="hold">
+                            <p:stCondLst>
+                              <p:cond delay="0"/>
+                            </p:stCondLst>
+                            <p:childTnLst>
+                              <p:par>
+                                <p:cTn id="10" presetID="10" presetClass="entr" presetSubtype="0" fill="hold" grpId="0" nodeType="clickEffect">
+                                  <p:stCondLst>
+                                    <p:cond delay="0"/>
+                                  </p:stCondLst>
+                                  <p:childTnLst>
+                                    <p:set>
+                                      <p:cBhvr>
+                                        <p:cTn id="11" dur="1" fill="hold">
+                                          <p:stCondLst>
+                                            <p:cond delay="0"/>
+                                          </p:stCondLst>
+                                        </p:cTn>
+                                        <p:tgtEl>
+                                          <p:spTgt spid="3"/>
+                                        </p:tgtEl>
+                                        <p:attrNameLst>
+                                          <p:attrName>style.visibility</p:attrName>
+                                        </p:attrNameLst>
+                                      </p:cBhvr>
+                                      <p:to>
+                                        <p:strVal val="visible"/>
+                                      </p:to>
+                                    </p:set>
+                                    <p:animEffect transition="in" filter="fade">
+                                      <p:cBhvr>
+                                        <p:cTn id="12" dur="500"/>
+                                        <p:tgtEl>
+                                          <p:spTgt spid="3"/>
+                                        </p:tgtEl>
+                                      </p:cBhvr>
+                                    </p:animEffect>
+                                  </p:childTnLst>
+                                </p:cTn>
+                              </p:par>
+                            </p:childTnLst>
+                          </p:cTn>
+                        </p:par>
+                      </p:childTnLst>
+                    </p:cTn>
+                  </p:par>
+                  <p:par>
+                    <p:cTn id="13" fill="hold">
+                      <p:stCondLst>
+                        <p:cond delay="indefinite"/>
+                      </p:stCondLst>
+                      <p:childTnLst>
+                        <p:par>
+                          <p:cTn id="14" fill="hold">
+                            <p:stCondLst>
+                              <p:cond delay="0"/>
+                            </p:stCondLst>
+                            <p:childTnLst>
+                              <p:par>
+                                <p:cTn id="15" presetID="10" presetClass="entr" presetSubtype="0" fill="hold" nodeType="clickEffect">
+                                  <p:stCondLst>
+                                    <p:cond delay="0"/>
+                                  </p:stCondLst>
+                                  <p:childTnLst>
+                                    <p:set>
+                                      <p:cBhvr>
+                                        <p:cTn id="16" dur="1" fill="hold">
+                                          <p:stCondLst>
+                                            <p:cond delay="0"/>
+                                          </p:stCondLst>
+                                        </p:cTn>
+                                        <p:tgtEl>
+                                          <p:spTgt spid="6">
+                                            <p:txEl>
+                                              <p:pRg st="0" end="0"/>
+                                            </p:txEl>
+                                          </p:spTgt>
+                                        </p:tgtEl>
+                                        <p:attrNameLst>
+                                          <p:attrName>style.visibility</p:attrName>
+                                        </p:attrNameLst>
+                                      </p:cBhvr>
+                                      <p:to>
+                                        <p:strVal val="visible"/>
+                                      </p:to>
+                                    </p:set>
+                                    <p:animEffect transition="in" filter="fade">
+                                      <p:cBhvr>
+                                        <p:cTn id="17" dur="500"/>
+                                        <p:tgtEl>
+                                          <p:spTgt spid="6">
+                                            <p:txEl>
+                                              <p:pRg st="0" end="0"/>
+                                            </p:txEl>
+                                          </p:spTgt>
+                                        </p:tgtEl>
+                                      </p:cBhvr>
+                                    </p:animEffect>
+                                  </p:childTnLst>
+                                </p:cTn>
+                              </p:par>
+                            </p:childTnLst>
+                          </p:cTn>
+                        </p:par>
+                      </p:childTnLst>
+                    </p:cTn>
+                  </p:par>
+                  <p:par>
+                    <p:cTn id="18" fill="hold">
+                      <p:stCondLst>
+                        <p:cond delay="indefinite"/>
+                      </p:stCondLst>
+                      <p:childTnLst>
+                        <p:par>
+                          <p:cTn id="19" fill="hold">
+                            <p:stCondLst>
+                              <p:cond delay="0"/>
+                            </p:stCondLst>
+                            <p:childTnLst>
+                              <p:par>
+                                <p:cTn id="20" presetID="10" presetClass="entr" presetSubtype="0" fill="hold" nodeType="clickEffect">
+                                  <p:stCondLst>
+                                    <p:cond delay="0"/>
+                                  </p:stCondLst>
+                                  <p:childTnLst>
+                                    <p:set>
+                                      <p:cBhvr>
+                                        <p:cTn id="21" dur="1" fill="hold">
+                                          <p:stCondLst>
+                                            <p:cond delay="0"/>
+                                          </p:stCondLst>
+                                        </p:cTn>
+                                        <p:tgtEl>
+                                          <p:spTgt spid="6">
+                                            <p:txEl>
+                                              <p:pRg st="1" end="1"/>
+                                            </p:txEl>
+                                          </p:spTgt>
+                                        </p:tgtEl>
+                                        <p:attrNameLst>
+                                          <p:attrName>style.visibility</p:attrName>
+                                        </p:attrNameLst>
+                                      </p:cBhvr>
+                                      <p:to>
+                                        <p:strVal val="visible"/>
+                                      </p:to>
+                                    </p:set>
+                                    <p:animEffect transition="in" filter="fade">
+                                      <p:cBhvr>
+                                        <p:cTn id="22" dur="500"/>
+                                        <p:tgtEl>
+                                          <p:spTgt spid="6">
+                                            <p:txEl>
+                                              <p:pRg st="1" end="1"/>
+                                            </p:txEl>
+                                          </p:spTgt>
+                                        </p:tgtEl>
+                                      </p:cBhvr>
+                                    </p:animEffect>
+                                  </p:childTnLst>
+                                </p:cTn>
+                              </p:par>
+                              <p:par>
+                                <p:cTn id="23" presetID="10" presetClass="entr" presetSubtype="0" fill="hold" nodeType="withEffect">
+                                  <p:stCondLst>
+                                    <p:cond delay="0"/>
+                                  </p:stCondLst>
+                                  <p:childTnLst>
+                                    <p:set>
+                                      <p:cBhvr>
+                                        <p:cTn id="24" dur="1" fill="hold">
+                                          <p:stCondLst>
+                                            <p:cond delay="0"/>
+                                          </p:stCondLst>
+                                        </p:cTn>
+                                        <p:tgtEl>
+                                          <p:spTgt spid="6">
+                                            <p:txEl>
+                                              <p:pRg st="2" end="2"/>
+                                            </p:txEl>
+                                          </p:spTgt>
+                                        </p:tgtEl>
+                                        <p:attrNameLst>
+                                          <p:attrName>style.visibility</p:attrName>
+                                        </p:attrNameLst>
+                                      </p:cBhvr>
+                                      <p:to>
+                                        <p:strVal val="visible"/>
+                                      </p:to>
+                                    </p:set>
+                                    <p:animEffect transition="in" filter="fade">
+                                      <p:cBhvr>
+                                        <p:cTn id="25" dur="500"/>
+                                        <p:tgtEl>
+                                          <p:spTgt spid="6">
+                                            <p:txEl>
+                                              <p:pRg st="2" end="2"/>
+                                            </p:txEl>
+                                          </p:spTgt>
+                                        </p:tgtEl>
+                                      </p:cBhvr>
+                                    </p:animEffect>
+                                  </p:childTnLst>
+                                </p:cTn>
+                              </p:par>
+                            </p:childTnLst>
+                          </p:cTn>
+                        </p:par>
+                      </p:childTnLst>
+                    </p:cTn>
+                  </p:par>
                 </p:childTnLst>
               </p:cTn>
               <p:prevCondLst>
@@ -4678,6 +5009,9 @@
         </p:cTn>
       </p:par>
     </p:tnLst>
+    <p:bldLst>
+      <p:bldP spid="3" grpId="0" animBg="1"/>
+    </p:bldLst>
   </p:timing>
 </p:sld>
 </file>
@@ -4750,7 +5084,7 @@
             <a:pPr lvl="1"/>
             <a:r>
               <a:rPr lang="en-CA" dirty="0"/>
-              <a:t>Found no associations that that achieved study wide significance (FDR &lt; 0.2)</a:t>
+              <a:t>Found no associations that achieved study wide significance (FDR &lt; 0.2)</a:t>
             </a:r>
           </a:p>
           <a:p>
@@ -4771,7 +5105,15 @@
             <a:pPr lvl="3"/>
             <a:r>
               <a:rPr lang="en-CA" dirty="0"/>
-              <a:t>Used custom algorithm to impute genotypes 98 individuals to 1,317 (&gt;99% accurate in test cases)</a:t>
+              <a:t>Used </a:t>
+            </a:r>
+            <a:r>
+              <a:rPr lang="en-CA" b="1" dirty="0"/>
+              <a:t>custom algorithm </a:t>
+            </a:r>
+            <a:r>
+              <a:rPr lang="en-CA" dirty="0"/>
+              <a:t>to impute genotypes 98 individuals to 1,317 (&gt;99% accurate in test cases)</a:t>
             </a:r>
           </a:p>
           <a:p>
@@ -5861,7 +6203,11 @@
             <a:pPr lvl="1"/>
             <a:r>
               <a:rPr lang="en-CA" dirty="0"/>
-              <a:t>P-value = 9.77x10-9</a:t>
+              <a:t>P-value = 9.77x10</a:t>
+            </a:r>
+            <a:r>
+              <a:rPr lang="en-CA" baseline="30000" dirty="0"/>
+              <a:t>-9</a:t>
             </a:r>
           </a:p>
           <a:p>
@@ -5984,7 +6330,11 @@
             <a:pPr lvl="2"/>
             <a:r>
               <a:rPr lang="en-CA" dirty="0"/>
-              <a:t>0.05/(40x945x338372) = 3.91x10-12</a:t>
+              <a:t>0.05/(40x945x338372) = 3.91x10</a:t>
+            </a:r>
+            <a:r>
+              <a:rPr lang="en-CA" baseline="30000" dirty="0"/>
+              <a:t>-12</a:t>
             </a:r>
           </a:p>
           <a:p>
@@ -5998,7 +6348,11 @@
             <a:pPr lvl="2"/>
             <a:r>
               <a:rPr lang="en-CA" dirty="0"/>
-              <a:t>0.05/(945 x # genes imputed in that tissue) or 5x10-8</a:t>
+              <a:t>0.05/(945 x # genes imputed in that tissue) or 5x10</a:t>
+            </a:r>
+            <a:r>
+              <a:rPr lang="en-CA" baseline="30000" dirty="0"/>
+              <a:t>-8</a:t>
             </a:r>
           </a:p>
         </p:txBody>
@@ -6083,13 +6437,25 @@
             </a:r>
             <a:r>
               <a:rPr lang="en-CA" dirty="0"/>
-              <a:t> (p = 6.21 x 10-9)</a:t>
-            </a:r>
-          </a:p>
-          <a:p>
+              <a:t> (p = 6.21 x 10</a:t>
+            </a:r>
+            <a:r>
+              <a:rPr lang="en-CA" baseline="30000" dirty="0"/>
+              <a:t>-9</a:t>
+            </a:r>
             <a:r>
               <a:rPr lang="en-CA" dirty="0"/>
-              <a:t>Number of other gene-microbiome under cut-off of 5x10-8</a:t>
+              <a:t>)</a:t>
+            </a:r>
+          </a:p>
+          <a:p>
+            <a:r>
+              <a:rPr lang="en-CA" dirty="0"/>
+              <a:t>Number of other gene-microbiome under cut-off of 5x10</a:t>
+            </a:r>
+            <a:r>
+              <a:rPr lang="en-CA" baseline="30000" dirty="0"/>
+              <a:t>-8</a:t>
             </a:r>
           </a:p>
           <a:p>

--- a/2016_07_14/genetic_determinants_journal_club.pptx
+++ b/2016_07_14/genetic_determinants_journal_club.pptx
@@ -743,6 +743,213 @@
           <a:bodyPr/>
           <a:lstStyle/>
           <a:p>
+            <a:r>
+              <a:rPr lang="en-CA" sz="1200" b="0" i="0" kern="1200" dirty="0">
+                <a:solidFill>
+                  <a:schemeClr val="tx1"/>
+                </a:solidFill>
+                <a:effectLst/>
+                <a:latin typeface="+mn-lt"/>
+                <a:ea typeface="+mn-ea"/>
+                <a:cs typeface="+mn-cs"/>
+              </a:rPr>
+              <a:t>You have (on the surface) a set of well-behaved p-values.</a:t>
+            </a:r>
+          </a:p>
+          <a:p>
+            <a:r>
+              <a:rPr lang="en-CA" sz="1200" b="0" i="0" kern="1200" dirty="0">
+                <a:solidFill>
+                  <a:schemeClr val="tx1"/>
+                </a:solidFill>
+                <a:effectLst/>
+                <a:latin typeface="+mn-lt"/>
+                <a:ea typeface="+mn-ea"/>
+                <a:cs typeface="+mn-cs"/>
+              </a:rPr>
+              <a:t>That flat distribution along the bottom is all your null p-values, which are uniformly distributed between 0 and 1. Why are null p-values uniformly distributed? Because that’s </a:t>
+            </a:r>
+            <a:r>
+              <a:rPr lang="en-CA" sz="1200" b="1" i="0" kern="1200" dirty="0">
+                <a:solidFill>
+                  <a:schemeClr val="tx1"/>
+                </a:solidFill>
+                <a:effectLst/>
+                <a:latin typeface="+mn-lt"/>
+                <a:ea typeface="+mn-ea"/>
+                <a:cs typeface="+mn-cs"/>
+              </a:rPr>
+              <a:t>part of a definition of a p-value</a:t>
+            </a:r>
+            <a:r>
+              <a:rPr lang="en-CA" sz="1200" b="0" i="0" kern="1200" dirty="0">
+                <a:solidFill>
+                  <a:schemeClr val="tx1"/>
+                </a:solidFill>
+                <a:effectLst/>
+                <a:latin typeface="+mn-lt"/>
+                <a:ea typeface="+mn-ea"/>
+                <a:cs typeface="+mn-cs"/>
+              </a:rPr>
+              <a:t>: under the null, it has a 5% chance of being less than .05, a 10% chance of being less than .1, etc. This describes a uniform distribution.</a:t>
+            </a:r>
+          </a:p>
+          <a:p>
+            <a:r>
+              <a:rPr lang="en-CA" sz="1200" b="0" i="0" kern="1200" dirty="0">
+                <a:solidFill>
+                  <a:schemeClr val="tx1"/>
+                </a:solidFill>
+                <a:effectLst/>
+                <a:latin typeface="+mn-lt"/>
+                <a:ea typeface="+mn-ea"/>
+                <a:cs typeface="+mn-cs"/>
+              </a:rPr>
+              <a:t>That peak close to 0 is where your alternative hypotheses live- along with some potential false positives. If we split this up into nulls and alternatives, it might look like this</a:t>
+            </a:r>
+          </a:p>
+          <a:p>
+            <a:endParaRPr lang="en-CA" dirty="0"/>
+          </a:p>
+          <a:p>
+            <a:endParaRPr lang="en-CA" dirty="0"/>
+          </a:p>
+          <a:p>
+            <a:r>
+              <a:rPr lang="en-CA" sz="1200" b="0" i="0" kern="1200" dirty="0">
+                <a:solidFill>
+                  <a:schemeClr val="tx1"/>
+                </a:solidFill>
+                <a:effectLst/>
+                <a:latin typeface="+mn-lt"/>
+                <a:ea typeface="+mn-ea"/>
+                <a:cs typeface="+mn-cs"/>
+              </a:rPr>
+              <a:t>This is what your p-values would look like if all your hypotheses were null. Now, seeing this does not mean they actually are </a:t>
+            </a:r>
+            <a:r>
+              <a:rPr lang="en-CA" sz="1200" b="0" i="1" kern="1200" dirty="0">
+                <a:solidFill>
+                  <a:schemeClr val="tx1"/>
+                </a:solidFill>
+                <a:effectLst/>
+                <a:latin typeface="+mn-lt"/>
+                <a:ea typeface="+mn-ea"/>
+                <a:cs typeface="+mn-cs"/>
+              </a:rPr>
+              <a:t>all</a:t>
+            </a:r>
+            <a:r>
+              <a:rPr lang="en-CA" sz="1200" b="0" i="0" kern="1200" dirty="0">
+                <a:solidFill>
+                  <a:schemeClr val="tx1"/>
+                </a:solidFill>
+                <a:effectLst/>
+                <a:latin typeface="+mn-lt"/>
+                <a:ea typeface="+mn-ea"/>
+                <a:cs typeface="+mn-cs"/>
+              </a:rPr>
+              <a:t> null! It does mean that</a:t>
+            </a:r>
+          </a:p>
+          <a:p>
+            <a:r>
+              <a:rPr lang="en-CA" sz="1200" b="0" i="0" kern="1200" dirty="0">
+                <a:solidFill>
+                  <a:schemeClr val="tx1"/>
+                </a:solidFill>
+                <a:effectLst/>
+                <a:latin typeface="+mn-lt"/>
+                <a:ea typeface="+mn-ea"/>
+                <a:cs typeface="+mn-cs"/>
+              </a:rPr>
+              <a:t>At most a small percentage of hypotheses are non-null. An FDR correction method such as </a:t>
+            </a:r>
+            <a:r>
+              <a:rPr lang="en-CA" sz="1200" b="0" i="0" kern="1200" dirty="0" err="1">
+                <a:solidFill>
+                  <a:schemeClr val="tx1"/>
+                </a:solidFill>
+                <a:effectLst/>
+                <a:latin typeface="+mn-lt"/>
+                <a:ea typeface="+mn-ea"/>
+                <a:cs typeface="+mn-cs"/>
+              </a:rPr>
+              <a:t>Benjamini</a:t>
+            </a:r>
+            <a:r>
+              <a:rPr lang="en-CA" sz="1200" b="0" i="0" kern="1200" dirty="0">
+                <a:solidFill>
+                  <a:schemeClr val="tx1"/>
+                </a:solidFill>
+                <a:effectLst/>
+                <a:latin typeface="+mn-lt"/>
+                <a:ea typeface="+mn-ea"/>
+                <a:cs typeface="+mn-cs"/>
+              </a:rPr>
+              <a:t>-Hochberg will let you identify those.</a:t>
+            </a:r>
+          </a:p>
+          <a:p>
+            <a:r>
+              <a:rPr lang="en-CA" sz="1200" b="0" i="0" kern="1200" dirty="0">
+                <a:solidFill>
+                  <a:schemeClr val="tx1"/>
+                </a:solidFill>
+                <a:effectLst/>
+                <a:latin typeface="+mn-lt"/>
+                <a:ea typeface="+mn-ea"/>
+                <a:cs typeface="+mn-cs"/>
+              </a:rPr>
+              <a:t>Applying an uncorrected rule like “Accept everything with p-value less than .05” is </a:t>
+            </a:r>
+            <a:r>
+              <a:rPr lang="en-CA" sz="1200" b="0" i="1" kern="1200" dirty="0">
+                <a:solidFill>
+                  <a:schemeClr val="tx1"/>
+                </a:solidFill>
+                <a:effectLst/>
+                <a:latin typeface="+mn-lt"/>
+                <a:ea typeface="+mn-ea"/>
+                <a:cs typeface="+mn-cs"/>
+              </a:rPr>
+              <a:t>certain</a:t>
+            </a:r>
+            <a:r>
+              <a:rPr lang="en-CA" sz="1200" b="0" i="0" kern="1200" dirty="0">
+                <a:solidFill>
+                  <a:schemeClr val="tx1"/>
+                </a:solidFill>
+                <a:effectLst/>
+                <a:latin typeface="+mn-lt"/>
+                <a:ea typeface="+mn-ea"/>
+                <a:cs typeface="+mn-cs"/>
+              </a:rPr>
+              <a:t> to give you many false discoveries. </a:t>
+            </a:r>
+            <a:r>
+              <a:rPr lang="en-CA" sz="1200" b="0" i="1" kern="1200" dirty="0">
+                <a:solidFill>
+                  <a:schemeClr val="tx1"/>
+                </a:solidFill>
+                <a:effectLst/>
+                <a:latin typeface="+mn-lt"/>
+                <a:ea typeface="+mn-ea"/>
+                <a:cs typeface="+mn-cs"/>
+              </a:rPr>
+              <a:t>Don’t do it!</a:t>
+            </a:r>
+            <a:endParaRPr lang="en-CA" sz="1200" b="0" i="0" kern="1200" dirty="0">
+              <a:solidFill>
+                <a:schemeClr val="tx1"/>
+              </a:solidFill>
+              <a:effectLst/>
+              <a:latin typeface="+mn-lt"/>
+              <a:ea typeface="+mn-ea"/>
+              <a:cs typeface="+mn-cs"/>
+            </a:endParaRPr>
+          </a:p>
+          <a:p>
             <a:endParaRPr lang="en-CA" dirty="0"/>
           </a:p>
         </p:txBody>
@@ -986,6 +1193,31 @@
                 <a:cs typeface="+mn-cs"/>
               </a:rPr>
               <a:t> been corrected for multiple testing, for example using the Bonferroni correction. If so, you might want to get your hands on the original, uncorrected p-values so you can view the histogram yourself and confirm it’s well behaved!)</a:t>
+            </a:r>
+          </a:p>
+          <a:p>
+            <a:endParaRPr lang="en-CA" sz="1200" b="0" i="0" kern="1200" dirty="0">
+              <a:solidFill>
+                <a:schemeClr val="tx1"/>
+              </a:solidFill>
+              <a:effectLst/>
+              <a:latin typeface="+mn-lt"/>
+              <a:ea typeface="+mn-ea"/>
+              <a:cs typeface="+mn-cs"/>
+            </a:endParaRPr>
+          </a:p>
+          <a:p>
+            <a:r>
+              <a:rPr lang="en-CA" sz="1200" b="0" i="0" kern="1200" dirty="0">
+                <a:solidFill>
+                  <a:schemeClr val="tx1"/>
+                </a:solidFill>
+                <a:effectLst/>
+                <a:latin typeface="+mn-lt"/>
+                <a:ea typeface="+mn-ea"/>
+                <a:cs typeface="+mn-cs"/>
+              </a:rPr>
+              <a:t>People sometimes run into the case where there's actually a depletion of p-values in the 0-0.05 range or a significant slant from lower left or to upper right in the p-value histogram and wonder what that's about. The common cause of this is a batch effect or some other variable that's not being properly controlled.</a:t>
             </a:r>
           </a:p>
           <a:p>
@@ -10337,9 +10569,120 @@
           </a:p>
         </p:txBody>
       </p:sp>
+      <p:sp>
+        <p:nvSpPr>
+          <p:cNvPr id="10" name="TextBox 9"/>
+          <p:cNvSpPr txBox="1"/>
+          <p:nvPr/>
+        </p:nvSpPr>
+        <p:spPr>
+          <a:xfrm>
+            <a:off x="1989055" y="5184742"/>
+            <a:ext cx="2478179" cy="369332"/>
+          </a:xfrm>
+          <a:prstGeom prst="rect">
+            <a:avLst/>
+          </a:prstGeom>
+          <a:noFill/>
+        </p:spPr>
+        <p:txBody>
+          <a:bodyPr wrap="none" rtlCol="0">
+            <a:spAutoFit/>
+          </a:bodyPr>
+          <a:lstStyle/>
+          <a:p>
+            <a:r>
+              <a:rPr lang="en-CA" dirty="0"/>
+              <a:t>1</a:t>
+            </a:r>
+            <a:r>
+              <a:rPr lang="en-CA" baseline="30000" dirty="0"/>
+              <a:t>st</a:t>
+            </a:r>
+            <a:r>
+              <a:rPr lang="en-CA" dirty="0"/>
+              <a:t> FDR with all 945 tests</a:t>
+            </a:r>
+          </a:p>
+        </p:txBody>
+      </p:sp>
+      <p:sp>
+        <p:nvSpPr>
+          <p:cNvPr id="11" name="TextBox 10"/>
+          <p:cNvSpPr txBox="1"/>
+          <p:nvPr/>
+        </p:nvSpPr>
+        <p:spPr>
+          <a:xfrm>
+            <a:off x="7373326" y="5186311"/>
+            <a:ext cx="2311595" cy="369332"/>
+          </a:xfrm>
+          <a:prstGeom prst="rect">
+            <a:avLst/>
+          </a:prstGeom>
+          <a:noFill/>
+        </p:spPr>
+        <p:txBody>
+          <a:bodyPr wrap="none" rtlCol="0">
+            <a:spAutoFit/>
+          </a:bodyPr>
+          <a:lstStyle/>
+          <a:p>
+            <a:r>
+              <a:rPr lang="en-CA" dirty="0"/>
+              <a:t>2</a:t>
+            </a:r>
+            <a:r>
+              <a:rPr lang="en-CA" baseline="30000" dirty="0"/>
+              <a:t>nd</a:t>
+            </a:r>
+            <a:r>
+              <a:rPr lang="en-CA" dirty="0"/>
+              <a:t>  FDR with 163 tests</a:t>
+            </a:r>
+          </a:p>
+        </p:txBody>
+      </p:sp>
+      <p:sp>
+        <p:nvSpPr>
+          <p:cNvPr id="12" name="TextBox 11"/>
+          <p:cNvSpPr txBox="1"/>
+          <p:nvPr/>
+        </p:nvSpPr>
+        <p:spPr>
+          <a:xfrm>
+            <a:off x="1979629" y="6061435"/>
+            <a:ext cx="7343357" cy="369332"/>
+          </a:xfrm>
+          <a:prstGeom prst="rect">
+            <a:avLst/>
+          </a:prstGeom>
+          <a:noFill/>
+        </p:spPr>
+        <p:txBody>
+          <a:bodyPr wrap="none" rtlCol="0">
+            <a:spAutoFit/>
+          </a:bodyPr>
+          <a:lstStyle/>
+          <a:p>
+            <a:r>
+              <a:rPr lang="en-CA" dirty="0"/>
+              <a:t>After removal of duplicates from 2</a:t>
+            </a:r>
+            <a:r>
+              <a:rPr lang="en-CA" baseline="30000" dirty="0"/>
+              <a:t>nd</a:t>
+            </a:r>
+            <a:r>
+              <a:rPr lang="en-CA" dirty="0"/>
+              <a:t> test P-values &lt; 0.05 went from 58 to 40 </a:t>
+            </a:r>
+          </a:p>
+        </p:txBody>
+      </p:sp>
       <p:pic>
         <p:nvPicPr>
-          <p:cNvPr id="8" name="Picture 7"/>
+          <p:cNvPr id="3" name="Picture 2"/>
           <p:cNvPicPr>
             <a:picLocks noChangeAspect="1"/>
           </p:cNvPicPr>
@@ -10359,8 +10702,8 @@
         </p:blipFill>
         <p:spPr>
           <a:xfrm>
-            <a:off x="6199695" y="1851079"/>
-            <a:ext cx="4658296" cy="3155841"/>
+            <a:off x="6569753" y="1700373"/>
+            <a:ext cx="4269483" cy="3202112"/>
           </a:xfrm>
           <a:prstGeom prst="rect">
             <a:avLst/>
@@ -10369,7 +10712,7 @@
       </p:pic>
       <p:pic>
         <p:nvPicPr>
-          <p:cNvPr id="9" name="Picture 8"/>
+          <p:cNvPr id="4" name="Picture 3"/>
           <p:cNvPicPr>
             <a:picLocks noChangeAspect="1"/>
           </p:cNvPicPr>
@@ -10389,125 +10732,14 @@
         </p:blipFill>
         <p:spPr>
           <a:xfrm>
-            <a:off x="835844" y="1851079"/>
-            <a:ext cx="4658296" cy="3155841"/>
+            <a:off x="1216917" y="1700372"/>
+            <a:ext cx="4269483" cy="3241497"/>
           </a:xfrm>
           <a:prstGeom prst="rect">
             <a:avLst/>
           </a:prstGeom>
         </p:spPr>
       </p:pic>
-      <p:sp>
-        <p:nvSpPr>
-          <p:cNvPr id="10" name="TextBox 9"/>
-          <p:cNvSpPr txBox="1"/>
-          <p:nvPr/>
-        </p:nvSpPr>
-        <p:spPr>
-          <a:xfrm>
-            <a:off x="1989055" y="5184742"/>
-            <a:ext cx="2478179" cy="369332"/>
-          </a:xfrm>
-          <a:prstGeom prst="rect">
-            <a:avLst/>
-          </a:prstGeom>
-          <a:noFill/>
-        </p:spPr>
-        <p:txBody>
-          <a:bodyPr wrap="none" rtlCol="0">
-            <a:spAutoFit/>
-          </a:bodyPr>
-          <a:lstStyle/>
-          <a:p>
-            <a:r>
-              <a:rPr lang="en-CA" dirty="0"/>
-              <a:t>1</a:t>
-            </a:r>
-            <a:r>
-              <a:rPr lang="en-CA" baseline="30000" dirty="0"/>
-              <a:t>st</a:t>
-            </a:r>
-            <a:r>
-              <a:rPr lang="en-CA" dirty="0"/>
-              <a:t> FDR with all 945 tests</a:t>
-            </a:r>
-          </a:p>
-        </p:txBody>
-      </p:sp>
-      <p:sp>
-        <p:nvSpPr>
-          <p:cNvPr id="11" name="TextBox 10"/>
-          <p:cNvSpPr txBox="1"/>
-          <p:nvPr/>
-        </p:nvSpPr>
-        <p:spPr>
-          <a:xfrm>
-            <a:off x="7373326" y="5186311"/>
-            <a:ext cx="2311595" cy="369332"/>
-          </a:xfrm>
-          <a:prstGeom prst="rect">
-            <a:avLst/>
-          </a:prstGeom>
-          <a:noFill/>
-        </p:spPr>
-        <p:txBody>
-          <a:bodyPr wrap="none" rtlCol="0">
-            <a:spAutoFit/>
-          </a:bodyPr>
-          <a:lstStyle/>
-          <a:p>
-            <a:r>
-              <a:rPr lang="en-CA" dirty="0"/>
-              <a:t>2</a:t>
-            </a:r>
-            <a:r>
-              <a:rPr lang="en-CA" baseline="30000" dirty="0"/>
-              <a:t>nd</a:t>
-            </a:r>
-            <a:r>
-              <a:rPr lang="en-CA" dirty="0"/>
-              <a:t>  FDR with 163 tests</a:t>
-            </a:r>
-          </a:p>
-        </p:txBody>
-      </p:sp>
-      <p:sp>
-        <p:nvSpPr>
-          <p:cNvPr id="12" name="TextBox 11"/>
-          <p:cNvSpPr txBox="1"/>
-          <p:nvPr/>
-        </p:nvSpPr>
-        <p:spPr>
-          <a:xfrm>
-            <a:off x="1979629" y="6061435"/>
-            <a:ext cx="7343357" cy="369332"/>
-          </a:xfrm>
-          <a:prstGeom prst="rect">
-            <a:avLst/>
-          </a:prstGeom>
-          <a:noFill/>
-        </p:spPr>
-        <p:txBody>
-          <a:bodyPr wrap="none" rtlCol="0">
-            <a:spAutoFit/>
-          </a:bodyPr>
-          <a:lstStyle/>
-          <a:p>
-            <a:r>
-              <a:rPr lang="en-CA" dirty="0"/>
-              <a:t>After removal of duplicates from 2</a:t>
-            </a:r>
-            <a:r>
-              <a:rPr lang="en-CA" baseline="30000" dirty="0"/>
-              <a:t>nd</a:t>
-            </a:r>
-            <a:r>
-              <a:rPr lang="en-CA" dirty="0"/>
-              <a:t> test P-values &lt; 0.05 went from 58 to 40 </a:t>
-            </a:r>
-          </a:p>
-        </p:txBody>
-      </p:sp>
     </p:spTree>
     <p:extLst>
       <p:ext uri="{BB962C8B-B14F-4D97-AF65-F5344CB8AC3E}">
